--- a/Figures/Figure.pptx
+++ b/Figures/Figure.pptx
@@ -6,6 +6,7 @@
   </p:sldMasterIdLst>
   <p:sldIdLst>
     <p:sldId id="256" r:id="rId2"/>
+    <p:sldId id="257" r:id="rId3"/>
   </p:sldIdLst>
   <p:sldSz cx="12192000" cy="6858000"/>
   <p:notesSz cx="6858000" cy="9144000"/>
@@ -107,32 +108,6 @@
 </p:presentation>
 </file>
 
-<file path=ppt/commentAuthors.xml><?xml version="1.0" encoding="utf-8"?>
-<p:cmAuthorLst xmlns:a="http://schemas.openxmlformats.org/drawingml/2006/main" xmlns:r="http://schemas.openxmlformats.org/officeDocument/2006/relationships" xmlns:p="http://schemas.openxmlformats.org/presentationml/2006/main">
-  <p:cmAuthor id="1" name="Devin Mathieu Morin" initials="DMM" lastIdx="1" clrIdx="0">
-    <p:extLst>
-      <p:ext uri="{19B8F6BF-5375-455C-9EA6-DF929625EA0E}">
-        <p15:presenceInfo xmlns:p15="http://schemas.microsoft.com/office/powerpoint/2012/main" userId="S::dmorin@unb.ca::a512dfa6-d2e7-42ee-911f-ec9230a4339c" providerId="AD"/>
-      </p:ext>
-    </p:extLst>
-  </p:cmAuthor>
-</p:cmAuthorLst>
-</file>
-
-<file path=ppt/comments/comment1.xml><?xml version="1.0" encoding="utf-8"?>
-<p:cmLst xmlns:a="http://schemas.openxmlformats.org/drawingml/2006/main" xmlns:r="http://schemas.openxmlformats.org/officeDocument/2006/relationships" xmlns:p="http://schemas.openxmlformats.org/presentationml/2006/main">
-  <p:cm authorId="1" dt="2020-02-07T12:17:56.531" idx="1">
-    <p:pos x="6284" y="1238"/>
-    <p:text/>
-    <p:extLst>
-      <p:ext uri="{C676402C-5697-4E1C-873F-D02D1690AC5C}">
-        <p15:threadingInfo xmlns:p15="http://schemas.microsoft.com/office/powerpoint/2012/main" timeZoneBias="240"/>
-      </p:ext>
-    </p:extLst>
-  </p:cm>
-</p:cmLst>
-</file>
-
 <file path=ppt/slideLayouts/slideLayout1.xml><?xml version="1.0" encoding="utf-8"?>
 <p:sldLayout xmlns:a="http://schemas.openxmlformats.org/drawingml/2006/main" xmlns:r="http://schemas.openxmlformats.org/officeDocument/2006/relationships" xmlns:p="http://schemas.openxmlformats.org/presentationml/2006/main" type="title" preserve="1">
   <p:cSld name="Title Slide">
@@ -155,7 +130,7 @@
           <p:cNvPr id="2" name="Title 1">
             <a:extLst>
               <a:ext uri="{FF2B5EF4-FFF2-40B4-BE49-F238E27FC236}">
-                <a16:creationId xmlns:a16="http://schemas.microsoft.com/office/drawing/2014/main" id="{AFDF6253-E348-4C99-8C49-D6887381BD6D}"/>
+                <a16:creationId xmlns:a16="http://schemas.microsoft.com/office/drawing/2014/main" id="{072EF312-E1B5-4A16-969A-A40122366BCB}"/>
               </a:ext>
             </a:extLst>
           </p:cNvPr>
@@ -193,7 +168,7 @@
           <p:cNvPr id="3" name="Subtitle 2">
             <a:extLst>
               <a:ext uri="{FF2B5EF4-FFF2-40B4-BE49-F238E27FC236}">
-                <a16:creationId xmlns:a16="http://schemas.microsoft.com/office/drawing/2014/main" id="{0D5BC3F8-A1A5-45FE-AC7F-8CEF7200F38A}"/>
+                <a16:creationId xmlns:a16="http://schemas.microsoft.com/office/drawing/2014/main" id="{C9104941-39AE-4ED0-8A94-223BDA237E51}"/>
               </a:ext>
             </a:extLst>
           </p:cNvPr>
@@ -264,7 +239,7 @@
           <p:cNvPr id="4" name="Date Placeholder 3">
             <a:extLst>
               <a:ext uri="{FF2B5EF4-FFF2-40B4-BE49-F238E27FC236}">
-                <a16:creationId xmlns:a16="http://schemas.microsoft.com/office/drawing/2014/main" id="{35B8F012-07D7-4BC9-8FBD-BB9990528A86}"/>
+                <a16:creationId xmlns:a16="http://schemas.microsoft.com/office/drawing/2014/main" id="{0E9AB7FF-30DB-4E82-97B8-F0D46298A729}"/>
               </a:ext>
             </a:extLst>
           </p:cNvPr>
@@ -280,9 +255,9 @@
           <a:bodyPr/>
           <a:lstStyle/>
           <a:p>
-            <a:fld id="{B570D4AA-BF20-4860-AD4F-6217984BFCCD}" type="datetimeFigureOut">
+            <a:fld id="{490299FF-94BE-410E-A8C0-77C2CAB81B73}" type="datetimeFigureOut">
               <a:rPr lang="en-CA" smtClean="0"/>
-              <a:t>2020-02-07</a:t>
+              <a:t>2020-03-05</a:t>
             </a:fld>
             <a:endParaRPr lang="en-CA"/>
           </a:p>
@@ -293,7 +268,7 @@
           <p:cNvPr id="5" name="Footer Placeholder 4">
             <a:extLst>
               <a:ext uri="{FF2B5EF4-FFF2-40B4-BE49-F238E27FC236}">
-                <a16:creationId xmlns:a16="http://schemas.microsoft.com/office/drawing/2014/main" id="{2AD40E7C-EDD1-4DB0-98E1-1E4C2D4640E9}"/>
+                <a16:creationId xmlns:a16="http://schemas.microsoft.com/office/drawing/2014/main" id="{F57F9892-A9B2-42B6-98C7-6C8C9B5D8591}"/>
               </a:ext>
             </a:extLst>
           </p:cNvPr>
@@ -318,7 +293,7 @@
           <p:cNvPr id="6" name="Slide Number Placeholder 5">
             <a:extLst>
               <a:ext uri="{FF2B5EF4-FFF2-40B4-BE49-F238E27FC236}">
-                <a16:creationId xmlns:a16="http://schemas.microsoft.com/office/drawing/2014/main" id="{423B4A9C-8DE4-4673-9700-95D7D014871A}"/>
+                <a16:creationId xmlns:a16="http://schemas.microsoft.com/office/drawing/2014/main" id="{DC8959D4-639A-458F-8B03-5FAF5C92EBEE}"/>
               </a:ext>
             </a:extLst>
           </p:cNvPr>
@@ -334,7 +309,7 @@
           <a:bodyPr/>
           <a:lstStyle/>
           <a:p>
-            <a:fld id="{F1578981-9C71-479C-A318-40F27E4338EA}" type="slidenum">
+            <a:fld id="{F37BACB0-C09C-439B-BEA9-9E21936D2599}" type="slidenum">
               <a:rPr lang="en-CA" smtClean="0"/>
               <a:t>‹#›</a:t>
             </a:fld>
@@ -345,7 +320,7 @@
     </p:spTree>
     <p:extLst>
       <p:ext uri="{BB962C8B-B14F-4D97-AF65-F5344CB8AC3E}">
-        <p14:creationId xmlns:p14="http://schemas.microsoft.com/office/powerpoint/2010/main" val="796701331"/>
+        <p14:creationId xmlns:p14="http://schemas.microsoft.com/office/powerpoint/2010/main" val="2372199959"/>
       </p:ext>
     </p:extLst>
   </p:cSld>
@@ -377,7 +352,7 @@
           <p:cNvPr id="2" name="Title 1">
             <a:extLst>
               <a:ext uri="{FF2B5EF4-FFF2-40B4-BE49-F238E27FC236}">
-                <a16:creationId xmlns:a16="http://schemas.microsoft.com/office/drawing/2014/main" id="{E64DBF6E-FDD1-4B97-850E-807AEB9A68B2}"/>
+                <a16:creationId xmlns:a16="http://schemas.microsoft.com/office/drawing/2014/main" id="{3826EAED-DAC1-4185-BE55-0CC66E9A8E48}"/>
               </a:ext>
             </a:extLst>
           </p:cNvPr>
@@ -406,7 +381,7 @@
           <p:cNvPr id="3" name="Vertical Text Placeholder 2">
             <a:extLst>
               <a:ext uri="{FF2B5EF4-FFF2-40B4-BE49-F238E27FC236}">
-                <a16:creationId xmlns:a16="http://schemas.microsoft.com/office/drawing/2014/main" id="{61ACC672-861F-4EED-A7B5-95D2B187DB7E}"/>
+                <a16:creationId xmlns:a16="http://schemas.microsoft.com/office/drawing/2014/main" id="{0BB7A6E9-00EC-477D-9EBF-608F38A8FD38}"/>
               </a:ext>
             </a:extLst>
           </p:cNvPr>
@@ -464,7 +439,7 @@
           <p:cNvPr id="4" name="Date Placeholder 3">
             <a:extLst>
               <a:ext uri="{FF2B5EF4-FFF2-40B4-BE49-F238E27FC236}">
-                <a16:creationId xmlns:a16="http://schemas.microsoft.com/office/drawing/2014/main" id="{4EFE3E94-E001-4C37-979F-CD55204DDF19}"/>
+                <a16:creationId xmlns:a16="http://schemas.microsoft.com/office/drawing/2014/main" id="{CB10EC19-7D14-45EA-8D1A-4EE37D348519}"/>
               </a:ext>
             </a:extLst>
           </p:cNvPr>
@@ -480,9 +455,9 @@
           <a:bodyPr/>
           <a:lstStyle/>
           <a:p>
-            <a:fld id="{B570D4AA-BF20-4860-AD4F-6217984BFCCD}" type="datetimeFigureOut">
+            <a:fld id="{490299FF-94BE-410E-A8C0-77C2CAB81B73}" type="datetimeFigureOut">
               <a:rPr lang="en-CA" smtClean="0"/>
-              <a:t>2020-02-07</a:t>
+              <a:t>2020-03-05</a:t>
             </a:fld>
             <a:endParaRPr lang="en-CA"/>
           </a:p>
@@ -493,7 +468,7 @@
           <p:cNvPr id="5" name="Footer Placeholder 4">
             <a:extLst>
               <a:ext uri="{FF2B5EF4-FFF2-40B4-BE49-F238E27FC236}">
-                <a16:creationId xmlns:a16="http://schemas.microsoft.com/office/drawing/2014/main" id="{FCD289B0-DF6B-4EB9-B6C2-BC17131FCFB1}"/>
+                <a16:creationId xmlns:a16="http://schemas.microsoft.com/office/drawing/2014/main" id="{A37890CA-22D2-48B1-AF45-72AC6CF3B0F2}"/>
               </a:ext>
             </a:extLst>
           </p:cNvPr>
@@ -518,7 +493,7 @@
           <p:cNvPr id="6" name="Slide Number Placeholder 5">
             <a:extLst>
               <a:ext uri="{FF2B5EF4-FFF2-40B4-BE49-F238E27FC236}">
-                <a16:creationId xmlns:a16="http://schemas.microsoft.com/office/drawing/2014/main" id="{1AAE76C1-DBC3-427A-8FCC-574BAB064AE9}"/>
+                <a16:creationId xmlns:a16="http://schemas.microsoft.com/office/drawing/2014/main" id="{EBAD60FA-A063-44A0-9665-86B6EE2E3A9B}"/>
               </a:ext>
             </a:extLst>
           </p:cNvPr>
@@ -534,7 +509,7 @@
           <a:bodyPr/>
           <a:lstStyle/>
           <a:p>
-            <a:fld id="{F1578981-9C71-479C-A318-40F27E4338EA}" type="slidenum">
+            <a:fld id="{F37BACB0-C09C-439B-BEA9-9E21936D2599}" type="slidenum">
               <a:rPr lang="en-CA" smtClean="0"/>
               <a:t>‹#›</a:t>
             </a:fld>
@@ -545,7 +520,7 @@
     </p:spTree>
     <p:extLst>
       <p:ext uri="{BB962C8B-B14F-4D97-AF65-F5344CB8AC3E}">
-        <p14:creationId xmlns:p14="http://schemas.microsoft.com/office/powerpoint/2010/main" val="2999730066"/>
+        <p14:creationId xmlns:p14="http://schemas.microsoft.com/office/powerpoint/2010/main" val="1371447455"/>
       </p:ext>
     </p:extLst>
   </p:cSld>
@@ -577,7 +552,7 @@
           <p:cNvPr id="2" name="Vertical Title 1">
             <a:extLst>
               <a:ext uri="{FF2B5EF4-FFF2-40B4-BE49-F238E27FC236}">
-                <a16:creationId xmlns:a16="http://schemas.microsoft.com/office/drawing/2014/main" id="{22B1394B-2CA6-4EFB-B157-0C68375B1C86}"/>
+                <a16:creationId xmlns:a16="http://schemas.microsoft.com/office/drawing/2014/main" id="{F0240819-AB56-4D4D-B0EF-3E92F116B360}"/>
               </a:ext>
             </a:extLst>
           </p:cNvPr>
@@ -611,7 +586,7 @@
           <p:cNvPr id="3" name="Vertical Text Placeholder 2">
             <a:extLst>
               <a:ext uri="{FF2B5EF4-FFF2-40B4-BE49-F238E27FC236}">
-                <a16:creationId xmlns:a16="http://schemas.microsoft.com/office/drawing/2014/main" id="{6A9538A4-DC4C-422F-8216-0A35C20B92DF}"/>
+                <a16:creationId xmlns:a16="http://schemas.microsoft.com/office/drawing/2014/main" id="{9FF64A24-73D3-4DFE-AD2F-3412BC1A6DB4}"/>
               </a:ext>
             </a:extLst>
           </p:cNvPr>
@@ -674,7 +649,7 @@
           <p:cNvPr id="4" name="Date Placeholder 3">
             <a:extLst>
               <a:ext uri="{FF2B5EF4-FFF2-40B4-BE49-F238E27FC236}">
-                <a16:creationId xmlns:a16="http://schemas.microsoft.com/office/drawing/2014/main" id="{5E858D68-4987-492E-9BCD-2FB14777A0BA}"/>
+                <a16:creationId xmlns:a16="http://schemas.microsoft.com/office/drawing/2014/main" id="{CDCAE15A-7832-4E21-9562-82EA29AA5632}"/>
               </a:ext>
             </a:extLst>
           </p:cNvPr>
@@ -690,9 +665,9 @@
           <a:bodyPr/>
           <a:lstStyle/>
           <a:p>
-            <a:fld id="{B570D4AA-BF20-4860-AD4F-6217984BFCCD}" type="datetimeFigureOut">
+            <a:fld id="{490299FF-94BE-410E-A8C0-77C2CAB81B73}" type="datetimeFigureOut">
               <a:rPr lang="en-CA" smtClean="0"/>
-              <a:t>2020-02-07</a:t>
+              <a:t>2020-03-05</a:t>
             </a:fld>
             <a:endParaRPr lang="en-CA"/>
           </a:p>
@@ -703,7 +678,7 @@
           <p:cNvPr id="5" name="Footer Placeholder 4">
             <a:extLst>
               <a:ext uri="{FF2B5EF4-FFF2-40B4-BE49-F238E27FC236}">
-                <a16:creationId xmlns:a16="http://schemas.microsoft.com/office/drawing/2014/main" id="{463EEACA-A4F6-4815-9F4E-368B2234D910}"/>
+                <a16:creationId xmlns:a16="http://schemas.microsoft.com/office/drawing/2014/main" id="{9DF8C1DD-B4B6-48FF-BDC2-9CBECC3566B1}"/>
               </a:ext>
             </a:extLst>
           </p:cNvPr>
@@ -728,7 +703,7 @@
           <p:cNvPr id="6" name="Slide Number Placeholder 5">
             <a:extLst>
               <a:ext uri="{FF2B5EF4-FFF2-40B4-BE49-F238E27FC236}">
-                <a16:creationId xmlns:a16="http://schemas.microsoft.com/office/drawing/2014/main" id="{B9416DDB-9DCD-43DE-A86A-3EB925E46927}"/>
+                <a16:creationId xmlns:a16="http://schemas.microsoft.com/office/drawing/2014/main" id="{80B57E38-E274-4C28-A87A-B4F1C6A365F1}"/>
               </a:ext>
             </a:extLst>
           </p:cNvPr>
@@ -744,7 +719,7 @@
           <a:bodyPr/>
           <a:lstStyle/>
           <a:p>
-            <a:fld id="{F1578981-9C71-479C-A318-40F27E4338EA}" type="slidenum">
+            <a:fld id="{F37BACB0-C09C-439B-BEA9-9E21936D2599}" type="slidenum">
               <a:rPr lang="en-CA" smtClean="0"/>
               <a:t>‹#›</a:t>
             </a:fld>
@@ -755,7 +730,7 @@
     </p:spTree>
     <p:extLst>
       <p:ext uri="{BB962C8B-B14F-4D97-AF65-F5344CB8AC3E}">
-        <p14:creationId xmlns:p14="http://schemas.microsoft.com/office/powerpoint/2010/main" val="3248091845"/>
+        <p14:creationId xmlns:p14="http://schemas.microsoft.com/office/powerpoint/2010/main" val="7920034"/>
       </p:ext>
     </p:extLst>
   </p:cSld>
@@ -787,7 +762,7 @@
           <p:cNvPr id="2" name="Title 1">
             <a:extLst>
               <a:ext uri="{FF2B5EF4-FFF2-40B4-BE49-F238E27FC236}">
-                <a16:creationId xmlns:a16="http://schemas.microsoft.com/office/drawing/2014/main" id="{10FB6DD1-6295-4E45-AB23-31209481DCB9}"/>
+                <a16:creationId xmlns:a16="http://schemas.microsoft.com/office/drawing/2014/main" id="{149C7B5A-6D16-4C1C-8EEF-1AC6A5395039}"/>
               </a:ext>
             </a:extLst>
           </p:cNvPr>
@@ -816,7 +791,7 @@
           <p:cNvPr id="3" name="Content Placeholder 2">
             <a:extLst>
               <a:ext uri="{FF2B5EF4-FFF2-40B4-BE49-F238E27FC236}">
-                <a16:creationId xmlns:a16="http://schemas.microsoft.com/office/drawing/2014/main" id="{FA6E2849-36CA-431A-8580-ED0B3A95DBF5}"/>
+                <a16:creationId xmlns:a16="http://schemas.microsoft.com/office/drawing/2014/main" id="{9755943F-001A-4359-928F-391E04548CB3}"/>
               </a:ext>
             </a:extLst>
           </p:cNvPr>
@@ -874,7 +849,7 @@
           <p:cNvPr id="4" name="Date Placeholder 3">
             <a:extLst>
               <a:ext uri="{FF2B5EF4-FFF2-40B4-BE49-F238E27FC236}">
-                <a16:creationId xmlns:a16="http://schemas.microsoft.com/office/drawing/2014/main" id="{4BC31626-39E8-4C77-A61C-CEB95574DD6C}"/>
+                <a16:creationId xmlns:a16="http://schemas.microsoft.com/office/drawing/2014/main" id="{811EBBFD-A3EB-4C09-8DE2-A696D03DF46A}"/>
               </a:ext>
             </a:extLst>
           </p:cNvPr>
@@ -890,9 +865,9 @@
           <a:bodyPr/>
           <a:lstStyle/>
           <a:p>
-            <a:fld id="{B570D4AA-BF20-4860-AD4F-6217984BFCCD}" type="datetimeFigureOut">
+            <a:fld id="{490299FF-94BE-410E-A8C0-77C2CAB81B73}" type="datetimeFigureOut">
               <a:rPr lang="en-CA" smtClean="0"/>
-              <a:t>2020-02-07</a:t>
+              <a:t>2020-03-05</a:t>
             </a:fld>
             <a:endParaRPr lang="en-CA"/>
           </a:p>
@@ -903,7 +878,7 @@
           <p:cNvPr id="5" name="Footer Placeholder 4">
             <a:extLst>
               <a:ext uri="{FF2B5EF4-FFF2-40B4-BE49-F238E27FC236}">
-                <a16:creationId xmlns:a16="http://schemas.microsoft.com/office/drawing/2014/main" id="{6FF4C2A0-304E-46F1-A7CE-967E549A9B96}"/>
+                <a16:creationId xmlns:a16="http://schemas.microsoft.com/office/drawing/2014/main" id="{A2BDBFCE-853F-4EC7-BA47-D21A612CEB4B}"/>
               </a:ext>
             </a:extLst>
           </p:cNvPr>
@@ -928,7 +903,7 @@
           <p:cNvPr id="6" name="Slide Number Placeholder 5">
             <a:extLst>
               <a:ext uri="{FF2B5EF4-FFF2-40B4-BE49-F238E27FC236}">
-                <a16:creationId xmlns:a16="http://schemas.microsoft.com/office/drawing/2014/main" id="{2E656494-92D5-427C-ACDE-EC6E4BB7016A}"/>
+                <a16:creationId xmlns:a16="http://schemas.microsoft.com/office/drawing/2014/main" id="{43C1A171-A37D-495C-9CAC-22BA71A7D135}"/>
               </a:ext>
             </a:extLst>
           </p:cNvPr>
@@ -944,7 +919,7 @@
           <a:bodyPr/>
           <a:lstStyle/>
           <a:p>
-            <a:fld id="{F1578981-9C71-479C-A318-40F27E4338EA}" type="slidenum">
+            <a:fld id="{F37BACB0-C09C-439B-BEA9-9E21936D2599}" type="slidenum">
               <a:rPr lang="en-CA" smtClean="0"/>
               <a:t>‹#›</a:t>
             </a:fld>
@@ -955,7 +930,7 @@
     </p:spTree>
     <p:extLst>
       <p:ext uri="{BB962C8B-B14F-4D97-AF65-F5344CB8AC3E}">
-        <p14:creationId xmlns:p14="http://schemas.microsoft.com/office/powerpoint/2010/main" val="1510893266"/>
+        <p14:creationId xmlns:p14="http://schemas.microsoft.com/office/powerpoint/2010/main" val="2903134407"/>
       </p:ext>
     </p:extLst>
   </p:cSld>
@@ -987,7 +962,7 @@
           <p:cNvPr id="2" name="Title 1">
             <a:extLst>
               <a:ext uri="{FF2B5EF4-FFF2-40B4-BE49-F238E27FC236}">
-                <a16:creationId xmlns:a16="http://schemas.microsoft.com/office/drawing/2014/main" id="{4082D127-DA07-4A65-8EF8-307AC6B905A4}"/>
+                <a16:creationId xmlns:a16="http://schemas.microsoft.com/office/drawing/2014/main" id="{767D2726-0C1A-4F5B-A0E3-EC5B51F82ACB}"/>
               </a:ext>
             </a:extLst>
           </p:cNvPr>
@@ -1025,7 +1000,7 @@
           <p:cNvPr id="3" name="Text Placeholder 2">
             <a:extLst>
               <a:ext uri="{FF2B5EF4-FFF2-40B4-BE49-F238E27FC236}">
-                <a16:creationId xmlns:a16="http://schemas.microsoft.com/office/drawing/2014/main" id="{8390F894-18E7-4AF7-A0F6-489A136B0AD7}"/>
+                <a16:creationId xmlns:a16="http://schemas.microsoft.com/office/drawing/2014/main" id="{65E46224-A4A7-4D1A-B2D5-0D934496D83D}"/>
               </a:ext>
             </a:extLst>
           </p:cNvPr>
@@ -1150,7 +1125,7 @@
           <p:cNvPr id="4" name="Date Placeholder 3">
             <a:extLst>
               <a:ext uri="{FF2B5EF4-FFF2-40B4-BE49-F238E27FC236}">
-                <a16:creationId xmlns:a16="http://schemas.microsoft.com/office/drawing/2014/main" id="{2F70A31D-13A8-4612-B8E4-65BCE98777A4}"/>
+                <a16:creationId xmlns:a16="http://schemas.microsoft.com/office/drawing/2014/main" id="{8364BAA8-D14F-4E48-8F7F-7BCD795B3A61}"/>
               </a:ext>
             </a:extLst>
           </p:cNvPr>
@@ -1166,9 +1141,9 @@
           <a:bodyPr/>
           <a:lstStyle/>
           <a:p>
-            <a:fld id="{B570D4AA-BF20-4860-AD4F-6217984BFCCD}" type="datetimeFigureOut">
+            <a:fld id="{490299FF-94BE-410E-A8C0-77C2CAB81B73}" type="datetimeFigureOut">
               <a:rPr lang="en-CA" smtClean="0"/>
-              <a:t>2020-02-07</a:t>
+              <a:t>2020-03-05</a:t>
             </a:fld>
             <a:endParaRPr lang="en-CA"/>
           </a:p>
@@ -1179,7 +1154,7 @@
           <p:cNvPr id="5" name="Footer Placeholder 4">
             <a:extLst>
               <a:ext uri="{FF2B5EF4-FFF2-40B4-BE49-F238E27FC236}">
-                <a16:creationId xmlns:a16="http://schemas.microsoft.com/office/drawing/2014/main" id="{634D918C-3901-4FCF-8F4B-1351EF0EBA65}"/>
+                <a16:creationId xmlns:a16="http://schemas.microsoft.com/office/drawing/2014/main" id="{F45C2D88-3757-4777-ACD1-E0E6DFA26512}"/>
               </a:ext>
             </a:extLst>
           </p:cNvPr>
@@ -1204,7 +1179,7 @@
           <p:cNvPr id="6" name="Slide Number Placeholder 5">
             <a:extLst>
               <a:ext uri="{FF2B5EF4-FFF2-40B4-BE49-F238E27FC236}">
-                <a16:creationId xmlns:a16="http://schemas.microsoft.com/office/drawing/2014/main" id="{23989334-6CFA-456B-A707-38F4F7ED90FA}"/>
+                <a16:creationId xmlns:a16="http://schemas.microsoft.com/office/drawing/2014/main" id="{52630310-AB83-4E79-9914-7103DBBC0BBD}"/>
               </a:ext>
             </a:extLst>
           </p:cNvPr>
@@ -1220,7 +1195,7 @@
           <a:bodyPr/>
           <a:lstStyle/>
           <a:p>
-            <a:fld id="{F1578981-9C71-479C-A318-40F27E4338EA}" type="slidenum">
+            <a:fld id="{F37BACB0-C09C-439B-BEA9-9E21936D2599}" type="slidenum">
               <a:rPr lang="en-CA" smtClean="0"/>
               <a:t>‹#›</a:t>
             </a:fld>
@@ -1231,7 +1206,7 @@
     </p:spTree>
     <p:extLst>
       <p:ext uri="{BB962C8B-B14F-4D97-AF65-F5344CB8AC3E}">
-        <p14:creationId xmlns:p14="http://schemas.microsoft.com/office/powerpoint/2010/main" val="3841660294"/>
+        <p14:creationId xmlns:p14="http://schemas.microsoft.com/office/powerpoint/2010/main" val="3861914960"/>
       </p:ext>
     </p:extLst>
   </p:cSld>
@@ -1263,7 +1238,7 @@
           <p:cNvPr id="2" name="Title 1">
             <a:extLst>
               <a:ext uri="{FF2B5EF4-FFF2-40B4-BE49-F238E27FC236}">
-                <a16:creationId xmlns:a16="http://schemas.microsoft.com/office/drawing/2014/main" id="{1BE72132-9AB2-491A-9EA9-89E44F093913}"/>
+                <a16:creationId xmlns:a16="http://schemas.microsoft.com/office/drawing/2014/main" id="{2385DACF-DE5A-49BA-86C9-4C302350F421}"/>
               </a:ext>
             </a:extLst>
           </p:cNvPr>
@@ -1292,7 +1267,7 @@
           <p:cNvPr id="3" name="Content Placeholder 2">
             <a:extLst>
               <a:ext uri="{FF2B5EF4-FFF2-40B4-BE49-F238E27FC236}">
-                <a16:creationId xmlns:a16="http://schemas.microsoft.com/office/drawing/2014/main" id="{68065F7D-982C-4DB7-9DF9-95933A9632FF}"/>
+                <a16:creationId xmlns:a16="http://schemas.microsoft.com/office/drawing/2014/main" id="{E7D72C11-138A-4371-9D62-4C9DDCE8F18F}"/>
               </a:ext>
             </a:extLst>
           </p:cNvPr>
@@ -1355,7 +1330,7 @@
           <p:cNvPr id="4" name="Content Placeholder 3">
             <a:extLst>
               <a:ext uri="{FF2B5EF4-FFF2-40B4-BE49-F238E27FC236}">
-                <a16:creationId xmlns:a16="http://schemas.microsoft.com/office/drawing/2014/main" id="{7E89A6A1-EA42-457A-80B7-D50CFC78453D}"/>
+                <a16:creationId xmlns:a16="http://schemas.microsoft.com/office/drawing/2014/main" id="{4DE17223-AEDF-40A2-9607-8AF015FCFFB0}"/>
               </a:ext>
             </a:extLst>
           </p:cNvPr>
@@ -1418,7 +1393,7 @@
           <p:cNvPr id="5" name="Date Placeholder 4">
             <a:extLst>
               <a:ext uri="{FF2B5EF4-FFF2-40B4-BE49-F238E27FC236}">
-                <a16:creationId xmlns:a16="http://schemas.microsoft.com/office/drawing/2014/main" id="{5E21E661-C1E7-4C7A-B862-B0C06B2E3473}"/>
+                <a16:creationId xmlns:a16="http://schemas.microsoft.com/office/drawing/2014/main" id="{E177584E-BB19-4A6A-931F-2477094949EF}"/>
               </a:ext>
             </a:extLst>
           </p:cNvPr>
@@ -1434,9 +1409,9 @@
           <a:bodyPr/>
           <a:lstStyle/>
           <a:p>
-            <a:fld id="{B570D4AA-BF20-4860-AD4F-6217984BFCCD}" type="datetimeFigureOut">
+            <a:fld id="{490299FF-94BE-410E-A8C0-77C2CAB81B73}" type="datetimeFigureOut">
               <a:rPr lang="en-CA" smtClean="0"/>
-              <a:t>2020-02-07</a:t>
+              <a:t>2020-03-05</a:t>
             </a:fld>
             <a:endParaRPr lang="en-CA"/>
           </a:p>
@@ -1447,7 +1422,7 @@
           <p:cNvPr id="6" name="Footer Placeholder 5">
             <a:extLst>
               <a:ext uri="{FF2B5EF4-FFF2-40B4-BE49-F238E27FC236}">
-                <a16:creationId xmlns:a16="http://schemas.microsoft.com/office/drawing/2014/main" id="{19971AB2-5DEF-4582-932A-A031EBDF4331}"/>
+                <a16:creationId xmlns:a16="http://schemas.microsoft.com/office/drawing/2014/main" id="{FFE13CFC-9715-47B6-9A63-9210C9D9BF8A}"/>
               </a:ext>
             </a:extLst>
           </p:cNvPr>
@@ -1472,7 +1447,7 @@
           <p:cNvPr id="7" name="Slide Number Placeholder 6">
             <a:extLst>
               <a:ext uri="{FF2B5EF4-FFF2-40B4-BE49-F238E27FC236}">
-                <a16:creationId xmlns:a16="http://schemas.microsoft.com/office/drawing/2014/main" id="{1730E622-AFCD-4E37-A23B-CC478B9B2FFE}"/>
+                <a16:creationId xmlns:a16="http://schemas.microsoft.com/office/drawing/2014/main" id="{309ECABE-7DEE-460B-B19C-505F60D9D0BE}"/>
               </a:ext>
             </a:extLst>
           </p:cNvPr>
@@ -1488,7 +1463,7 @@
           <a:bodyPr/>
           <a:lstStyle/>
           <a:p>
-            <a:fld id="{F1578981-9C71-479C-A318-40F27E4338EA}" type="slidenum">
+            <a:fld id="{F37BACB0-C09C-439B-BEA9-9E21936D2599}" type="slidenum">
               <a:rPr lang="en-CA" smtClean="0"/>
               <a:t>‹#›</a:t>
             </a:fld>
@@ -1499,7 +1474,7 @@
     </p:spTree>
     <p:extLst>
       <p:ext uri="{BB962C8B-B14F-4D97-AF65-F5344CB8AC3E}">
-        <p14:creationId xmlns:p14="http://schemas.microsoft.com/office/powerpoint/2010/main" val="2385017457"/>
+        <p14:creationId xmlns:p14="http://schemas.microsoft.com/office/powerpoint/2010/main" val="1561253097"/>
       </p:ext>
     </p:extLst>
   </p:cSld>
@@ -1531,7 +1506,7 @@
           <p:cNvPr id="2" name="Title 1">
             <a:extLst>
               <a:ext uri="{FF2B5EF4-FFF2-40B4-BE49-F238E27FC236}">
-                <a16:creationId xmlns:a16="http://schemas.microsoft.com/office/drawing/2014/main" id="{A539A5A9-8FF1-411B-A3B7-3291D0330B43}"/>
+                <a16:creationId xmlns:a16="http://schemas.microsoft.com/office/drawing/2014/main" id="{D6A16465-85A9-48E5-815E-4E0B75D7A385}"/>
               </a:ext>
             </a:extLst>
           </p:cNvPr>
@@ -1565,7 +1540,7 @@
           <p:cNvPr id="3" name="Text Placeholder 2">
             <a:extLst>
               <a:ext uri="{FF2B5EF4-FFF2-40B4-BE49-F238E27FC236}">
-                <a16:creationId xmlns:a16="http://schemas.microsoft.com/office/drawing/2014/main" id="{69E8D924-6112-4806-A971-2C6E7850D9AD}"/>
+                <a16:creationId xmlns:a16="http://schemas.microsoft.com/office/drawing/2014/main" id="{14576E16-16C0-48C4-AB13-9CD67C533AF0}"/>
               </a:ext>
             </a:extLst>
           </p:cNvPr>
@@ -1636,7 +1611,7 @@
           <p:cNvPr id="4" name="Content Placeholder 3">
             <a:extLst>
               <a:ext uri="{FF2B5EF4-FFF2-40B4-BE49-F238E27FC236}">
-                <a16:creationId xmlns:a16="http://schemas.microsoft.com/office/drawing/2014/main" id="{D187D508-5970-494F-A418-19E6C49AC9B1}"/>
+                <a16:creationId xmlns:a16="http://schemas.microsoft.com/office/drawing/2014/main" id="{7F499305-B5E2-4473-B114-0A10D66FF5E1}"/>
               </a:ext>
             </a:extLst>
           </p:cNvPr>
@@ -1699,7 +1674,7 @@
           <p:cNvPr id="5" name="Text Placeholder 4">
             <a:extLst>
               <a:ext uri="{FF2B5EF4-FFF2-40B4-BE49-F238E27FC236}">
-                <a16:creationId xmlns:a16="http://schemas.microsoft.com/office/drawing/2014/main" id="{3118D917-1B67-401F-9969-67FD62EFFAD5}"/>
+                <a16:creationId xmlns:a16="http://schemas.microsoft.com/office/drawing/2014/main" id="{4FF3E3AD-07E0-4697-AFE7-D5BD3E76F76C}"/>
               </a:ext>
             </a:extLst>
           </p:cNvPr>
@@ -1770,7 +1745,7 @@
           <p:cNvPr id="6" name="Content Placeholder 5">
             <a:extLst>
               <a:ext uri="{FF2B5EF4-FFF2-40B4-BE49-F238E27FC236}">
-                <a16:creationId xmlns:a16="http://schemas.microsoft.com/office/drawing/2014/main" id="{19ACC0FC-155E-46E0-8695-7398DB6FF467}"/>
+                <a16:creationId xmlns:a16="http://schemas.microsoft.com/office/drawing/2014/main" id="{1B1E6476-A868-4322-9638-BA9C048D558C}"/>
               </a:ext>
             </a:extLst>
           </p:cNvPr>
@@ -1833,7 +1808,7 @@
           <p:cNvPr id="7" name="Date Placeholder 6">
             <a:extLst>
               <a:ext uri="{FF2B5EF4-FFF2-40B4-BE49-F238E27FC236}">
-                <a16:creationId xmlns:a16="http://schemas.microsoft.com/office/drawing/2014/main" id="{F81F22A3-AB82-417B-966C-43B6D9137740}"/>
+                <a16:creationId xmlns:a16="http://schemas.microsoft.com/office/drawing/2014/main" id="{5492BCE0-A3BD-47B5-AC31-467BB2867B84}"/>
               </a:ext>
             </a:extLst>
           </p:cNvPr>
@@ -1849,9 +1824,9 @@
           <a:bodyPr/>
           <a:lstStyle/>
           <a:p>
-            <a:fld id="{B570D4AA-BF20-4860-AD4F-6217984BFCCD}" type="datetimeFigureOut">
+            <a:fld id="{490299FF-94BE-410E-A8C0-77C2CAB81B73}" type="datetimeFigureOut">
               <a:rPr lang="en-CA" smtClean="0"/>
-              <a:t>2020-02-07</a:t>
+              <a:t>2020-03-05</a:t>
             </a:fld>
             <a:endParaRPr lang="en-CA"/>
           </a:p>
@@ -1862,7 +1837,7 @@
           <p:cNvPr id="8" name="Footer Placeholder 7">
             <a:extLst>
               <a:ext uri="{FF2B5EF4-FFF2-40B4-BE49-F238E27FC236}">
-                <a16:creationId xmlns:a16="http://schemas.microsoft.com/office/drawing/2014/main" id="{C86E745A-6B7B-4F73-BB4D-673ECC1240E9}"/>
+                <a16:creationId xmlns:a16="http://schemas.microsoft.com/office/drawing/2014/main" id="{F7C80E9F-B9CD-404C-9189-75DAB5AA0A9C}"/>
               </a:ext>
             </a:extLst>
           </p:cNvPr>
@@ -1887,7 +1862,7 @@
           <p:cNvPr id="9" name="Slide Number Placeholder 8">
             <a:extLst>
               <a:ext uri="{FF2B5EF4-FFF2-40B4-BE49-F238E27FC236}">
-                <a16:creationId xmlns:a16="http://schemas.microsoft.com/office/drawing/2014/main" id="{55B642CE-ABE3-44B0-BCB8-A6E126DD53D2}"/>
+                <a16:creationId xmlns:a16="http://schemas.microsoft.com/office/drawing/2014/main" id="{11872EA7-5250-4F40-B6BA-79520CEFCAF4}"/>
               </a:ext>
             </a:extLst>
           </p:cNvPr>
@@ -1903,7 +1878,7 @@
           <a:bodyPr/>
           <a:lstStyle/>
           <a:p>
-            <a:fld id="{F1578981-9C71-479C-A318-40F27E4338EA}" type="slidenum">
+            <a:fld id="{F37BACB0-C09C-439B-BEA9-9E21936D2599}" type="slidenum">
               <a:rPr lang="en-CA" smtClean="0"/>
               <a:t>‹#›</a:t>
             </a:fld>
@@ -1914,7 +1889,7 @@
     </p:spTree>
     <p:extLst>
       <p:ext uri="{BB962C8B-B14F-4D97-AF65-F5344CB8AC3E}">
-        <p14:creationId xmlns:p14="http://schemas.microsoft.com/office/powerpoint/2010/main" val="4248750111"/>
+        <p14:creationId xmlns:p14="http://schemas.microsoft.com/office/powerpoint/2010/main" val="3013216200"/>
       </p:ext>
     </p:extLst>
   </p:cSld>
@@ -1946,7 +1921,7 @@
           <p:cNvPr id="2" name="Title 1">
             <a:extLst>
               <a:ext uri="{FF2B5EF4-FFF2-40B4-BE49-F238E27FC236}">
-                <a16:creationId xmlns:a16="http://schemas.microsoft.com/office/drawing/2014/main" id="{D59590F2-59C2-46DB-B35A-6D42418291FE}"/>
+                <a16:creationId xmlns:a16="http://schemas.microsoft.com/office/drawing/2014/main" id="{B47BAB00-9FC5-4E17-9E6D-85B77DF87A9B}"/>
               </a:ext>
             </a:extLst>
           </p:cNvPr>
@@ -1975,7 +1950,7 @@
           <p:cNvPr id="3" name="Date Placeholder 2">
             <a:extLst>
               <a:ext uri="{FF2B5EF4-FFF2-40B4-BE49-F238E27FC236}">
-                <a16:creationId xmlns:a16="http://schemas.microsoft.com/office/drawing/2014/main" id="{AE27C86B-E316-4C31-B0C0-9A4B10CE4C9D}"/>
+                <a16:creationId xmlns:a16="http://schemas.microsoft.com/office/drawing/2014/main" id="{4C94A1F4-5D91-4333-B84F-453198684B50}"/>
               </a:ext>
             </a:extLst>
           </p:cNvPr>
@@ -1991,9 +1966,9 @@
           <a:bodyPr/>
           <a:lstStyle/>
           <a:p>
-            <a:fld id="{B570D4AA-BF20-4860-AD4F-6217984BFCCD}" type="datetimeFigureOut">
+            <a:fld id="{490299FF-94BE-410E-A8C0-77C2CAB81B73}" type="datetimeFigureOut">
               <a:rPr lang="en-CA" smtClean="0"/>
-              <a:t>2020-02-07</a:t>
+              <a:t>2020-03-05</a:t>
             </a:fld>
             <a:endParaRPr lang="en-CA"/>
           </a:p>
@@ -2004,7 +1979,7 @@
           <p:cNvPr id="4" name="Footer Placeholder 3">
             <a:extLst>
               <a:ext uri="{FF2B5EF4-FFF2-40B4-BE49-F238E27FC236}">
-                <a16:creationId xmlns:a16="http://schemas.microsoft.com/office/drawing/2014/main" id="{3D040157-1CD6-43EE-99E0-8A676E68450A}"/>
+                <a16:creationId xmlns:a16="http://schemas.microsoft.com/office/drawing/2014/main" id="{4C5B574C-72AB-4C08-99C1-7CE382ACBF43}"/>
               </a:ext>
             </a:extLst>
           </p:cNvPr>
@@ -2029,7 +2004,7 @@
           <p:cNvPr id="5" name="Slide Number Placeholder 4">
             <a:extLst>
               <a:ext uri="{FF2B5EF4-FFF2-40B4-BE49-F238E27FC236}">
-                <a16:creationId xmlns:a16="http://schemas.microsoft.com/office/drawing/2014/main" id="{46C49D0D-8688-405C-957E-FD2DEA4B0B58}"/>
+                <a16:creationId xmlns:a16="http://schemas.microsoft.com/office/drawing/2014/main" id="{840D5074-6C6E-41F0-8517-FA5AC568D584}"/>
               </a:ext>
             </a:extLst>
           </p:cNvPr>
@@ -2045,7 +2020,7 @@
           <a:bodyPr/>
           <a:lstStyle/>
           <a:p>
-            <a:fld id="{F1578981-9C71-479C-A318-40F27E4338EA}" type="slidenum">
+            <a:fld id="{F37BACB0-C09C-439B-BEA9-9E21936D2599}" type="slidenum">
               <a:rPr lang="en-CA" smtClean="0"/>
               <a:t>‹#›</a:t>
             </a:fld>
@@ -2056,7 +2031,7 @@
     </p:spTree>
     <p:extLst>
       <p:ext uri="{BB962C8B-B14F-4D97-AF65-F5344CB8AC3E}">
-        <p14:creationId xmlns:p14="http://schemas.microsoft.com/office/powerpoint/2010/main" val="3457401528"/>
+        <p14:creationId xmlns:p14="http://schemas.microsoft.com/office/powerpoint/2010/main" val="2966519585"/>
       </p:ext>
     </p:extLst>
   </p:cSld>
@@ -2088,7 +2063,7 @@
           <p:cNvPr id="2" name="Date Placeholder 1">
             <a:extLst>
               <a:ext uri="{FF2B5EF4-FFF2-40B4-BE49-F238E27FC236}">
-                <a16:creationId xmlns:a16="http://schemas.microsoft.com/office/drawing/2014/main" id="{AA7E22C3-1417-4D0D-B21A-12FC19100BD5}"/>
+                <a16:creationId xmlns:a16="http://schemas.microsoft.com/office/drawing/2014/main" id="{14D2929B-91B5-4172-BE1B-CC8EA77579FC}"/>
               </a:ext>
             </a:extLst>
           </p:cNvPr>
@@ -2104,9 +2079,9 @@
           <a:bodyPr/>
           <a:lstStyle/>
           <a:p>
-            <a:fld id="{B570D4AA-BF20-4860-AD4F-6217984BFCCD}" type="datetimeFigureOut">
+            <a:fld id="{490299FF-94BE-410E-A8C0-77C2CAB81B73}" type="datetimeFigureOut">
               <a:rPr lang="en-CA" smtClean="0"/>
-              <a:t>2020-02-07</a:t>
+              <a:t>2020-03-05</a:t>
             </a:fld>
             <a:endParaRPr lang="en-CA"/>
           </a:p>
@@ -2117,7 +2092,7 @@
           <p:cNvPr id="3" name="Footer Placeholder 2">
             <a:extLst>
               <a:ext uri="{FF2B5EF4-FFF2-40B4-BE49-F238E27FC236}">
-                <a16:creationId xmlns:a16="http://schemas.microsoft.com/office/drawing/2014/main" id="{F462E92B-0B9C-4C9C-B1A0-FBED0DAC86D7}"/>
+                <a16:creationId xmlns:a16="http://schemas.microsoft.com/office/drawing/2014/main" id="{69C14A78-42A6-4114-8232-F7A2AE250185}"/>
               </a:ext>
             </a:extLst>
           </p:cNvPr>
@@ -2142,7 +2117,7 @@
           <p:cNvPr id="4" name="Slide Number Placeholder 3">
             <a:extLst>
               <a:ext uri="{FF2B5EF4-FFF2-40B4-BE49-F238E27FC236}">
-                <a16:creationId xmlns:a16="http://schemas.microsoft.com/office/drawing/2014/main" id="{F00AB669-EDD7-4484-B111-127CCD3AC5CE}"/>
+                <a16:creationId xmlns:a16="http://schemas.microsoft.com/office/drawing/2014/main" id="{248A20FD-D9AE-4FAC-BC84-0015E8877637}"/>
               </a:ext>
             </a:extLst>
           </p:cNvPr>
@@ -2158,7 +2133,7 @@
           <a:bodyPr/>
           <a:lstStyle/>
           <a:p>
-            <a:fld id="{F1578981-9C71-479C-A318-40F27E4338EA}" type="slidenum">
+            <a:fld id="{F37BACB0-C09C-439B-BEA9-9E21936D2599}" type="slidenum">
               <a:rPr lang="en-CA" smtClean="0"/>
               <a:t>‹#›</a:t>
             </a:fld>
@@ -2169,7 +2144,7 @@
     </p:spTree>
     <p:extLst>
       <p:ext uri="{BB962C8B-B14F-4D97-AF65-F5344CB8AC3E}">
-        <p14:creationId xmlns:p14="http://schemas.microsoft.com/office/powerpoint/2010/main" val="177312335"/>
+        <p14:creationId xmlns:p14="http://schemas.microsoft.com/office/powerpoint/2010/main" val="128435325"/>
       </p:ext>
     </p:extLst>
   </p:cSld>
@@ -2201,7 +2176,7 @@
           <p:cNvPr id="2" name="Title 1">
             <a:extLst>
               <a:ext uri="{FF2B5EF4-FFF2-40B4-BE49-F238E27FC236}">
-                <a16:creationId xmlns:a16="http://schemas.microsoft.com/office/drawing/2014/main" id="{23D5878C-64FA-400C-90DC-CB24D29880AA}"/>
+                <a16:creationId xmlns:a16="http://schemas.microsoft.com/office/drawing/2014/main" id="{9DAD8D90-AB21-45D2-8226-B7613245B643}"/>
               </a:ext>
             </a:extLst>
           </p:cNvPr>
@@ -2239,7 +2214,7 @@
           <p:cNvPr id="3" name="Content Placeholder 2">
             <a:extLst>
               <a:ext uri="{FF2B5EF4-FFF2-40B4-BE49-F238E27FC236}">
-                <a16:creationId xmlns:a16="http://schemas.microsoft.com/office/drawing/2014/main" id="{8253070C-61CD-4869-8151-838C97C27E95}"/>
+                <a16:creationId xmlns:a16="http://schemas.microsoft.com/office/drawing/2014/main" id="{E88840D7-C256-4F65-9E81-9B551C708A52}"/>
               </a:ext>
             </a:extLst>
           </p:cNvPr>
@@ -2330,7 +2305,7 @@
           <p:cNvPr id="4" name="Text Placeholder 3">
             <a:extLst>
               <a:ext uri="{FF2B5EF4-FFF2-40B4-BE49-F238E27FC236}">
-                <a16:creationId xmlns:a16="http://schemas.microsoft.com/office/drawing/2014/main" id="{30C12705-0CA8-4C4D-8D42-B399B4924140}"/>
+                <a16:creationId xmlns:a16="http://schemas.microsoft.com/office/drawing/2014/main" id="{67BEEC78-318D-47F2-95BA-747B88CBAA5B}"/>
               </a:ext>
             </a:extLst>
           </p:cNvPr>
@@ -2401,7 +2376,7 @@
           <p:cNvPr id="5" name="Date Placeholder 4">
             <a:extLst>
               <a:ext uri="{FF2B5EF4-FFF2-40B4-BE49-F238E27FC236}">
-                <a16:creationId xmlns:a16="http://schemas.microsoft.com/office/drawing/2014/main" id="{96FF2B0D-FEBA-4B14-8CA9-FCCC7DCE19E8}"/>
+                <a16:creationId xmlns:a16="http://schemas.microsoft.com/office/drawing/2014/main" id="{847520C5-FC78-4138-B4A0-3DAE6E825765}"/>
               </a:ext>
             </a:extLst>
           </p:cNvPr>
@@ -2417,9 +2392,9 @@
           <a:bodyPr/>
           <a:lstStyle/>
           <a:p>
-            <a:fld id="{B570D4AA-BF20-4860-AD4F-6217984BFCCD}" type="datetimeFigureOut">
+            <a:fld id="{490299FF-94BE-410E-A8C0-77C2CAB81B73}" type="datetimeFigureOut">
               <a:rPr lang="en-CA" smtClean="0"/>
-              <a:t>2020-02-07</a:t>
+              <a:t>2020-03-05</a:t>
             </a:fld>
             <a:endParaRPr lang="en-CA"/>
           </a:p>
@@ -2430,7 +2405,7 @@
           <p:cNvPr id="6" name="Footer Placeholder 5">
             <a:extLst>
               <a:ext uri="{FF2B5EF4-FFF2-40B4-BE49-F238E27FC236}">
-                <a16:creationId xmlns:a16="http://schemas.microsoft.com/office/drawing/2014/main" id="{4CB52830-24E9-493D-981A-14A13A3C31A7}"/>
+                <a16:creationId xmlns:a16="http://schemas.microsoft.com/office/drawing/2014/main" id="{47F29CEC-BA7F-4531-AE12-435FCFBA66A6}"/>
               </a:ext>
             </a:extLst>
           </p:cNvPr>
@@ -2455,7 +2430,7 @@
           <p:cNvPr id="7" name="Slide Number Placeholder 6">
             <a:extLst>
               <a:ext uri="{FF2B5EF4-FFF2-40B4-BE49-F238E27FC236}">
-                <a16:creationId xmlns:a16="http://schemas.microsoft.com/office/drawing/2014/main" id="{B57EB735-7B80-41E1-BB29-94D981F5C274}"/>
+                <a16:creationId xmlns:a16="http://schemas.microsoft.com/office/drawing/2014/main" id="{FD35865C-D752-4FCA-81D7-0B0E7D48B97D}"/>
               </a:ext>
             </a:extLst>
           </p:cNvPr>
@@ -2471,7 +2446,7 @@
           <a:bodyPr/>
           <a:lstStyle/>
           <a:p>
-            <a:fld id="{F1578981-9C71-479C-A318-40F27E4338EA}" type="slidenum">
+            <a:fld id="{F37BACB0-C09C-439B-BEA9-9E21936D2599}" type="slidenum">
               <a:rPr lang="en-CA" smtClean="0"/>
               <a:t>‹#›</a:t>
             </a:fld>
@@ -2482,7 +2457,7 @@
     </p:spTree>
     <p:extLst>
       <p:ext uri="{BB962C8B-B14F-4D97-AF65-F5344CB8AC3E}">
-        <p14:creationId xmlns:p14="http://schemas.microsoft.com/office/powerpoint/2010/main" val="884071511"/>
+        <p14:creationId xmlns:p14="http://schemas.microsoft.com/office/powerpoint/2010/main" val="1170608916"/>
       </p:ext>
     </p:extLst>
   </p:cSld>
@@ -2514,7 +2489,7 @@
           <p:cNvPr id="2" name="Title 1">
             <a:extLst>
               <a:ext uri="{FF2B5EF4-FFF2-40B4-BE49-F238E27FC236}">
-                <a16:creationId xmlns:a16="http://schemas.microsoft.com/office/drawing/2014/main" id="{CD18DF6C-F1D3-459B-A202-FEE739E81EE0}"/>
+                <a16:creationId xmlns:a16="http://schemas.microsoft.com/office/drawing/2014/main" id="{9356D634-3531-4C24-84B6-C32F40E302F8}"/>
               </a:ext>
             </a:extLst>
           </p:cNvPr>
@@ -2552,7 +2527,7 @@
           <p:cNvPr id="3" name="Picture Placeholder 2">
             <a:extLst>
               <a:ext uri="{FF2B5EF4-FFF2-40B4-BE49-F238E27FC236}">
-                <a16:creationId xmlns:a16="http://schemas.microsoft.com/office/drawing/2014/main" id="{87754B26-8D49-447D-BC49-11A3B4DA2FD9}"/>
+                <a16:creationId xmlns:a16="http://schemas.microsoft.com/office/drawing/2014/main" id="{094FB460-0B0F-43AE-B0D7-C1918CCA28BF}"/>
               </a:ext>
             </a:extLst>
           </p:cNvPr>
@@ -2619,7 +2594,7 @@
           <p:cNvPr id="4" name="Text Placeholder 3">
             <a:extLst>
               <a:ext uri="{FF2B5EF4-FFF2-40B4-BE49-F238E27FC236}">
-                <a16:creationId xmlns:a16="http://schemas.microsoft.com/office/drawing/2014/main" id="{84F1B5A4-63AB-45F1-8CAC-2C6E690AA21C}"/>
+                <a16:creationId xmlns:a16="http://schemas.microsoft.com/office/drawing/2014/main" id="{D1F8F02A-CF80-47D5-A179-636242534BEA}"/>
               </a:ext>
             </a:extLst>
           </p:cNvPr>
@@ -2690,7 +2665,7 @@
           <p:cNvPr id="5" name="Date Placeholder 4">
             <a:extLst>
               <a:ext uri="{FF2B5EF4-FFF2-40B4-BE49-F238E27FC236}">
-                <a16:creationId xmlns:a16="http://schemas.microsoft.com/office/drawing/2014/main" id="{450865E4-4D16-49C9-B27B-9695774A9EDA}"/>
+                <a16:creationId xmlns:a16="http://schemas.microsoft.com/office/drawing/2014/main" id="{3B7C8769-A27D-402E-BC57-555CE3EEA067}"/>
               </a:ext>
             </a:extLst>
           </p:cNvPr>
@@ -2706,9 +2681,9 @@
           <a:bodyPr/>
           <a:lstStyle/>
           <a:p>
-            <a:fld id="{B570D4AA-BF20-4860-AD4F-6217984BFCCD}" type="datetimeFigureOut">
+            <a:fld id="{490299FF-94BE-410E-A8C0-77C2CAB81B73}" type="datetimeFigureOut">
               <a:rPr lang="en-CA" smtClean="0"/>
-              <a:t>2020-02-07</a:t>
+              <a:t>2020-03-05</a:t>
             </a:fld>
             <a:endParaRPr lang="en-CA"/>
           </a:p>
@@ -2719,7 +2694,7 @@
           <p:cNvPr id="6" name="Footer Placeholder 5">
             <a:extLst>
               <a:ext uri="{FF2B5EF4-FFF2-40B4-BE49-F238E27FC236}">
-                <a16:creationId xmlns:a16="http://schemas.microsoft.com/office/drawing/2014/main" id="{F6EEEABF-A293-47F6-9776-FC7665D71CCC}"/>
+                <a16:creationId xmlns:a16="http://schemas.microsoft.com/office/drawing/2014/main" id="{6F182729-AD7A-493C-B7F7-AC97EEA96740}"/>
               </a:ext>
             </a:extLst>
           </p:cNvPr>
@@ -2744,7 +2719,7 @@
           <p:cNvPr id="7" name="Slide Number Placeholder 6">
             <a:extLst>
               <a:ext uri="{FF2B5EF4-FFF2-40B4-BE49-F238E27FC236}">
-                <a16:creationId xmlns:a16="http://schemas.microsoft.com/office/drawing/2014/main" id="{618C37AB-A5EF-4D5A-9AF2-D3C047F60EAC}"/>
+                <a16:creationId xmlns:a16="http://schemas.microsoft.com/office/drawing/2014/main" id="{73F27200-43C2-468D-A6E1-B3E38484B6C2}"/>
               </a:ext>
             </a:extLst>
           </p:cNvPr>
@@ -2760,7 +2735,7 @@
           <a:bodyPr/>
           <a:lstStyle/>
           <a:p>
-            <a:fld id="{F1578981-9C71-479C-A318-40F27E4338EA}" type="slidenum">
+            <a:fld id="{F37BACB0-C09C-439B-BEA9-9E21936D2599}" type="slidenum">
               <a:rPr lang="en-CA" smtClean="0"/>
               <a:t>‹#›</a:t>
             </a:fld>
@@ -2771,7 +2746,7 @@
     </p:spTree>
     <p:extLst>
       <p:ext uri="{BB962C8B-B14F-4D97-AF65-F5344CB8AC3E}">
-        <p14:creationId xmlns:p14="http://schemas.microsoft.com/office/powerpoint/2010/main" val="3880648837"/>
+        <p14:creationId xmlns:p14="http://schemas.microsoft.com/office/powerpoint/2010/main" val="2109802556"/>
       </p:ext>
     </p:extLst>
   </p:cSld>
@@ -2808,7 +2783,7 @@
           <p:cNvPr id="2" name="Title Placeholder 1">
             <a:extLst>
               <a:ext uri="{FF2B5EF4-FFF2-40B4-BE49-F238E27FC236}">
-                <a16:creationId xmlns:a16="http://schemas.microsoft.com/office/drawing/2014/main" id="{1CDB89BD-1EA2-49EA-879B-1DDB54621152}"/>
+                <a16:creationId xmlns:a16="http://schemas.microsoft.com/office/drawing/2014/main" id="{CB1E9052-CD13-4925-8847-9675BE45A39F}"/>
               </a:ext>
             </a:extLst>
           </p:cNvPr>
@@ -2847,7 +2822,7 @@
           <p:cNvPr id="3" name="Text Placeholder 2">
             <a:extLst>
               <a:ext uri="{FF2B5EF4-FFF2-40B4-BE49-F238E27FC236}">
-                <a16:creationId xmlns:a16="http://schemas.microsoft.com/office/drawing/2014/main" id="{E5E2BF2E-A6BD-4CB7-818C-5BC753724CF4}"/>
+                <a16:creationId xmlns:a16="http://schemas.microsoft.com/office/drawing/2014/main" id="{36F09220-E02C-4258-A9B7-952DEF261391}"/>
               </a:ext>
             </a:extLst>
           </p:cNvPr>
@@ -2915,7 +2890,7 @@
           <p:cNvPr id="4" name="Date Placeholder 3">
             <a:extLst>
               <a:ext uri="{FF2B5EF4-FFF2-40B4-BE49-F238E27FC236}">
-                <a16:creationId xmlns:a16="http://schemas.microsoft.com/office/drawing/2014/main" id="{046006BF-6147-4FA6-8611-8A9A4E1A8AD4}"/>
+                <a16:creationId xmlns:a16="http://schemas.microsoft.com/office/drawing/2014/main" id="{5EA46BD2-52BD-4428-893D-383EBE8D255B}"/>
               </a:ext>
             </a:extLst>
           </p:cNvPr>
@@ -2949,9 +2924,9 @@
             </a:lvl1pPr>
           </a:lstStyle>
           <a:p>
-            <a:fld id="{B570D4AA-BF20-4860-AD4F-6217984BFCCD}" type="datetimeFigureOut">
+            <a:fld id="{490299FF-94BE-410E-A8C0-77C2CAB81B73}" type="datetimeFigureOut">
               <a:rPr lang="en-CA" smtClean="0"/>
-              <a:t>2020-02-07</a:t>
+              <a:t>2020-03-05</a:t>
             </a:fld>
             <a:endParaRPr lang="en-CA"/>
           </a:p>
@@ -2962,7 +2937,7 @@
           <p:cNvPr id="5" name="Footer Placeholder 4">
             <a:extLst>
               <a:ext uri="{FF2B5EF4-FFF2-40B4-BE49-F238E27FC236}">
-                <a16:creationId xmlns:a16="http://schemas.microsoft.com/office/drawing/2014/main" id="{EBFB02F0-5695-4D22-BEE1-129242D923A2}"/>
+                <a16:creationId xmlns:a16="http://schemas.microsoft.com/office/drawing/2014/main" id="{5E0C6423-7263-4FC0-A896-1557A35774F1}"/>
               </a:ext>
             </a:extLst>
           </p:cNvPr>
@@ -3005,7 +2980,7 @@
           <p:cNvPr id="6" name="Slide Number Placeholder 5">
             <a:extLst>
               <a:ext uri="{FF2B5EF4-FFF2-40B4-BE49-F238E27FC236}">
-                <a16:creationId xmlns:a16="http://schemas.microsoft.com/office/drawing/2014/main" id="{285897B5-8972-469F-8D5F-B48CC50AD88B}"/>
+                <a16:creationId xmlns:a16="http://schemas.microsoft.com/office/drawing/2014/main" id="{8238405A-1318-4363-A4F7-B41CABCA13FA}"/>
               </a:ext>
             </a:extLst>
           </p:cNvPr>
@@ -3039,7 +3014,7 @@
             </a:lvl1pPr>
           </a:lstStyle>
           <a:p>
-            <a:fld id="{F1578981-9C71-479C-A318-40F27E4338EA}" type="slidenum">
+            <a:fld id="{F37BACB0-C09C-439B-BEA9-9E21936D2599}" type="slidenum">
               <a:rPr lang="en-CA" smtClean="0"/>
               <a:t>‹#›</a:t>
             </a:fld>
@@ -3050,7 +3025,7 @@
     </p:spTree>
     <p:extLst>
       <p:ext uri="{BB962C8B-B14F-4D97-AF65-F5344CB8AC3E}">
-        <p14:creationId xmlns:p14="http://schemas.microsoft.com/office/powerpoint/2010/main" val="2806924600"/>
+        <p14:creationId xmlns:p14="http://schemas.microsoft.com/office/powerpoint/2010/main" val="1167652843"/>
       </p:ext>
     </p:extLst>
   </p:cSld>
@@ -3370,10 +3345,10 @@
       </p:grpSpPr>
       <p:sp>
         <p:nvSpPr>
-          <p:cNvPr id="4" name="Rectangle 3">
-            <a:extLst>
-              <a:ext uri="{FF2B5EF4-FFF2-40B4-BE49-F238E27FC236}">
-                <a16:creationId xmlns:a16="http://schemas.microsoft.com/office/drawing/2014/main" id="{F931A5DB-0A23-4DB7-AE45-C4A694F0B21C}"/>
+          <p:cNvPr id="4" name="Oval 3">
+            <a:extLst>
+              <a:ext uri="{FF2B5EF4-FFF2-40B4-BE49-F238E27FC236}">
+                <a16:creationId xmlns:a16="http://schemas.microsoft.com/office/drawing/2014/main" id="{FF7A8668-9F7F-41C6-9CEA-56FCDF2B42F2}"/>
               </a:ext>
             </a:extLst>
           </p:cNvPr>
@@ -3381,19 +3356,22 @@
           <p:nvPr/>
         </p:nvSpPr>
         <p:spPr>
-          <a:xfrm rot="21116144">
-            <a:off x="3471862" y="2782132"/>
-            <a:ext cx="5248275" cy="2362200"/>
+          <a:xfrm>
+            <a:off x="2065815" y="1781360"/>
+            <a:ext cx="8060370" cy="3295280"/>
           </a:xfrm>
-          <a:prstGeom prst="rect">
+          <a:prstGeom prst="ellipse">
             <a:avLst/>
           </a:prstGeom>
           <a:solidFill>
-            <a:schemeClr val="bg1"/>
+            <a:schemeClr val="tx1">
+              <a:lumMod val="50000"/>
+              <a:lumOff val="50000"/>
+            </a:schemeClr>
           </a:solidFill>
-          <a:ln w="28575">
+          <a:ln>
             <a:solidFill>
-              <a:schemeClr val="tx1"/>
+              <a:schemeClr val="bg2"/>
             </a:solidFill>
           </a:ln>
         </p:spPr>
@@ -3422,126 +3400,31 @@
           </a:p>
         </p:txBody>
       </p:sp>
-      <p:sp>
-        <p:nvSpPr>
-          <p:cNvPr id="5" name="Flowchart: Direct Access Storage 4">
-            <a:extLst>
-              <a:ext uri="{FF2B5EF4-FFF2-40B4-BE49-F238E27FC236}">
-                <a16:creationId xmlns:a16="http://schemas.microsoft.com/office/drawing/2014/main" id="{55C279C1-5A7A-4520-9681-EADA202387CF}"/>
-              </a:ext>
-            </a:extLst>
-          </p:cNvPr>
-          <p:cNvSpPr/>
-          <p:nvPr/>
-        </p:nvSpPr>
-        <p:spPr>
-          <a:xfrm>
-            <a:off x="-3629891" y="1653954"/>
-            <a:ext cx="24149482" cy="621437"/>
-          </a:xfrm>
-          <a:prstGeom prst="flowChartMagneticDrum">
-            <a:avLst/>
-          </a:prstGeom>
-          <a:solidFill>
-            <a:schemeClr val="bg1"/>
-          </a:solidFill>
-          <a:ln w="28575">
-            <a:solidFill>
-              <a:schemeClr val="tx1"/>
-            </a:solidFill>
-          </a:ln>
-        </p:spPr>
-        <p:style>
-          <a:lnRef idx="2">
-            <a:schemeClr val="accent1">
-              <a:shade val="50000"/>
-            </a:schemeClr>
-          </a:lnRef>
-          <a:fillRef idx="1">
-            <a:schemeClr val="accent1"/>
-          </a:fillRef>
-          <a:effectRef idx="0">
-            <a:schemeClr val="accent1"/>
-          </a:effectRef>
-          <a:fontRef idx="minor">
-            <a:schemeClr val="lt1"/>
-          </a:fontRef>
-        </p:style>
-        <p:txBody>
-          <a:bodyPr rtlCol="0" anchor="ctr"/>
-          <a:lstStyle/>
-          <a:p>
-            <a:pPr algn="ctr"/>
-            <a:endParaRPr lang="en-CA"/>
-          </a:p>
-        </p:txBody>
-      </p:sp>
-      <p:sp>
-        <p:nvSpPr>
-          <p:cNvPr id="7" name="TextBox 6">
-            <a:extLst>
-              <a:ext uri="{FF2B5EF4-FFF2-40B4-BE49-F238E27FC236}">
-                <a16:creationId xmlns:a16="http://schemas.microsoft.com/office/drawing/2014/main" id="{DE8F5DEB-E8D8-476A-9618-FF4C56C798A2}"/>
-              </a:ext>
-            </a:extLst>
-          </p:cNvPr>
-          <p:cNvSpPr txBox="1"/>
-          <p:nvPr/>
-        </p:nvSpPr>
-        <p:spPr>
-          <a:xfrm rot="21116144">
-            <a:off x="5001490" y="3244334"/>
-            <a:ext cx="2189018" cy="369332"/>
-          </a:xfrm>
-          <a:prstGeom prst="rect">
-            <a:avLst/>
-          </a:prstGeom>
-          <a:noFill/>
-        </p:spPr>
-        <p:txBody>
-          <a:bodyPr wrap="square" rtlCol="0">
-            <a:spAutoFit/>
-          </a:bodyPr>
-          <a:lstStyle/>
-          <a:p>
-            <a:r>
-              <a:rPr lang="en-CA" dirty="0">
-                <a:latin typeface="Times New Roman" panose="02020603050405020304" pitchFamily="18" charset="0"/>
-                <a:cs typeface="Times New Roman" panose="02020603050405020304" pitchFamily="18" charset="0"/>
-              </a:rPr>
-              <a:t>Unilateral Magnet</a:t>
-            </a:r>
-          </a:p>
-        </p:txBody>
-      </p:sp>
       <p:cxnSp>
         <p:nvCxnSpPr>
-          <p:cNvPr id="9" name="Straight Arrow Connector 8">
-            <a:extLst>
-              <a:ext uri="{FF2B5EF4-FFF2-40B4-BE49-F238E27FC236}">
-                <a16:creationId xmlns:a16="http://schemas.microsoft.com/office/drawing/2014/main" id="{31E7C829-08D8-4AF5-87B1-22B8101648E5}"/>
-              </a:ext>
-            </a:extLst>
-          </p:cNvPr>
-          <p:cNvCxnSpPr>
-            <a:cxnSpLocks/>
-          </p:cNvCxnSpPr>
+          <p:cNvPr id="8" name="Straight Arrow Connector 7">
+            <a:extLst>
+              <a:ext uri="{FF2B5EF4-FFF2-40B4-BE49-F238E27FC236}">
+                <a16:creationId xmlns:a16="http://schemas.microsoft.com/office/drawing/2014/main" id="{C39DF19D-F966-490F-A816-280AC9C7D9D7}"/>
+              </a:ext>
+            </a:extLst>
+          </p:cNvPr>
+          <p:cNvCxnSpPr/>
           <p:nvPr/>
         </p:nvCxnSpPr>
         <p:spPr>
-          <a:xfrm>
-            <a:off x="5176836" y="1964672"/>
-            <a:ext cx="1838325" cy="0"/>
+          <a:xfrm flipV="1">
+            <a:off x="1334425" y="1256705"/>
+            <a:ext cx="0" cy="4882719"/>
           </a:xfrm>
           <a:prstGeom prst="straightConnector1">
             <a:avLst/>
           </a:prstGeom>
-          <a:ln w="76200">
+          <a:ln w="104775">
             <a:solidFill>
               <a:schemeClr val="tx1"/>
             </a:solidFill>
-            <a:headEnd type="triangle"/>
-            <a:tailEnd type="none"/>
+            <a:tailEnd type="triangle"/>
           </a:ln>
         </p:spPr>
         <p:style>
@@ -3559,48 +3442,1103 @@
           </a:fontRef>
         </p:style>
       </p:cxnSp>
-      <p:sp>
-        <p:nvSpPr>
-          <p:cNvPr id="17" name="TextBox 16">
-            <a:extLst>
-              <a:ext uri="{FF2B5EF4-FFF2-40B4-BE49-F238E27FC236}">
-                <a16:creationId xmlns:a16="http://schemas.microsoft.com/office/drawing/2014/main" id="{C056CA01-E87A-463A-80DF-71C564A87FB8}"/>
-              </a:ext>
-            </a:extLst>
-          </p:cNvPr>
-          <p:cNvSpPr txBox="1"/>
+      <mc:AlternateContent xmlns:mc="http://schemas.openxmlformats.org/markup-compatibility/2006">
+        <mc:Choice xmlns:a14="http://schemas.microsoft.com/office/drawing/2010/main" Requires="a14">
+          <p:sp>
+            <p:nvSpPr>
+              <p:cNvPr id="9" name="TextBox 8">
+                <a:extLst>
+                  <a:ext uri="{FF2B5EF4-FFF2-40B4-BE49-F238E27FC236}">
+                    <a16:creationId xmlns:a16="http://schemas.microsoft.com/office/drawing/2014/main" id="{2EA7F510-CB3B-4A0A-827B-805FD5ED1013}"/>
+                  </a:ext>
+                </a:extLst>
+              </p:cNvPr>
+              <p:cNvSpPr txBox="1"/>
+              <p:nvPr/>
+            </p:nvSpPr>
+            <p:spPr>
+              <a:xfrm>
+                <a:off x="823996" y="333375"/>
+                <a:ext cx="1020857" cy="923330"/>
+              </a:xfrm>
+              <a:prstGeom prst="rect">
+                <a:avLst/>
+              </a:prstGeom>
+              <a:noFill/>
+            </p:spPr>
+            <p:txBody>
+              <a:bodyPr wrap="none" lIns="0" tIns="0" rIns="0" bIns="0" rtlCol="0">
+                <a:spAutoFit/>
+              </a:bodyPr>
+              <a:lstStyle/>
+              <a:p>
+                <a14:m>
+                  <m:oMathPara xmlns:m="http://schemas.openxmlformats.org/officeDocument/2006/math">
+                    <m:oMathParaPr>
+                      <m:jc m:val="centerGroup"/>
+                    </m:oMathParaPr>
+                    <m:oMath xmlns:m="http://schemas.openxmlformats.org/officeDocument/2006/math">
+                      <m:sSub>
+                        <m:sSubPr>
+                          <m:ctrlPr>
+                            <a:rPr lang="en-CA" sz="6000" b="0" i="1" smtClean="0">
+                              <a:latin typeface="Cambria Math" panose="02040503050406030204" pitchFamily="18" charset="0"/>
+                              <a:cs typeface="Times New Roman" panose="02020603050405020304" pitchFamily="18" charset="0"/>
+                            </a:rPr>
+                          </m:ctrlPr>
+                        </m:sSubPr>
+                        <m:e>
+                          <m:r>
+                            <a:rPr lang="en-CA" sz="6000" b="0" i="1" smtClean="0">
+                              <a:latin typeface="Cambria Math" panose="02040503050406030204" pitchFamily="18" charset="0"/>
+                              <a:cs typeface="Times New Roman" panose="02020603050405020304" pitchFamily="18" charset="0"/>
+                            </a:rPr>
+                            <m:t>𝐵</m:t>
+                          </m:r>
+                        </m:e>
+                        <m:sub>
+                          <m:r>
+                            <a:rPr lang="en-CA" sz="6000" b="0" i="1" smtClean="0">
+                              <a:latin typeface="Cambria Math" panose="02040503050406030204" pitchFamily="18" charset="0"/>
+                              <a:cs typeface="Times New Roman" panose="02020603050405020304" pitchFamily="18" charset="0"/>
+                            </a:rPr>
+                            <m:t>0</m:t>
+                          </m:r>
+                        </m:sub>
+                      </m:sSub>
+                    </m:oMath>
+                  </m:oMathPara>
+                </a14:m>
+                <a:endParaRPr lang="en-CA" sz="3000" dirty="0">
+                  <a:latin typeface="Times New Roman" panose="02020603050405020304" pitchFamily="18" charset="0"/>
+                  <a:cs typeface="Times New Roman" panose="02020603050405020304" pitchFamily="18" charset="0"/>
+                </a:endParaRPr>
+              </a:p>
+            </p:txBody>
+          </p:sp>
+        </mc:Choice>
+        <mc:Fallback>
+          <p:sp>
+            <p:nvSpPr>
+              <p:cNvPr id="9" name="TextBox 8">
+                <a:extLst>
+                  <a:ext uri="{FF2B5EF4-FFF2-40B4-BE49-F238E27FC236}">
+                    <a16:creationId xmlns:a16="http://schemas.microsoft.com/office/drawing/2014/main" id="{2EA7F510-CB3B-4A0A-827B-805FD5ED1013}"/>
+                  </a:ext>
+                </a:extLst>
+              </p:cNvPr>
+              <p:cNvSpPr txBox="1">
+                <a:spLocks noRot="1" noChangeAspect="1" noMove="1" noResize="1" noEditPoints="1" noAdjustHandles="1" noChangeArrowheads="1" noChangeShapeType="1" noTextEdit="1"/>
+              </p:cNvSpPr>
+              <p:nvPr/>
+            </p:nvSpPr>
+            <p:spPr>
+              <a:xfrm>
+                <a:off x="823996" y="333375"/>
+                <a:ext cx="1020857" cy="923330"/>
+              </a:xfrm>
+              <a:prstGeom prst="rect">
+                <a:avLst/>
+              </a:prstGeom>
+              <a:blipFill>
+                <a:blip r:embed="rId2"/>
+                <a:stretch>
+                  <a:fillRect/>
+                </a:stretch>
+              </a:blipFill>
+            </p:spPr>
+            <p:txBody>
+              <a:bodyPr/>
+              <a:lstStyle/>
+              <a:p>
+                <a:r>
+                  <a:rPr lang="en-CA">
+                    <a:noFill/>
+                  </a:rPr>
+                  <a:t> </a:t>
+                </a:r>
+              </a:p>
+            </p:txBody>
+          </p:sp>
+        </mc:Fallback>
+      </mc:AlternateContent>
+      <p:cxnSp>
+        <p:nvCxnSpPr>
+          <p:cNvPr id="16" name="Straight Arrow Connector 15">
+            <a:extLst>
+              <a:ext uri="{FF2B5EF4-FFF2-40B4-BE49-F238E27FC236}">
+                <a16:creationId xmlns:a16="http://schemas.microsoft.com/office/drawing/2014/main" id="{7435A854-7DEF-47FE-84F9-7359B6BC07BF}"/>
+              </a:ext>
+            </a:extLst>
+          </p:cNvPr>
+          <p:cNvCxnSpPr>
+            <a:cxnSpLocks/>
+            <a:endCxn id="4" idx="3"/>
+          </p:cNvCxnSpPr>
           <p:nvPr/>
-        </p:nvSpPr>
+        </p:nvCxnSpPr>
+        <p:spPr>
+          <a:xfrm flipH="1">
+            <a:off x="3246229" y="3076575"/>
+            <a:ext cx="2849770" cy="1517482"/>
+          </a:xfrm>
+          <a:prstGeom prst="straightConnector1">
+            <a:avLst/>
+          </a:prstGeom>
+          <a:ln w="120650">
+            <a:solidFill>
+              <a:schemeClr val="tx1">
+                <a:alpha val="98000"/>
+              </a:schemeClr>
+            </a:solidFill>
+            <a:headEnd type="oval"/>
+            <a:tailEnd type="triangle"/>
+          </a:ln>
+        </p:spPr>
+        <p:style>
+          <a:lnRef idx="1">
+            <a:schemeClr val="accent1"/>
+          </a:lnRef>
+          <a:fillRef idx="0">
+            <a:schemeClr val="accent1"/>
+          </a:fillRef>
+          <a:effectRef idx="0">
+            <a:schemeClr val="accent1"/>
+          </a:effectRef>
+          <a:fontRef idx="minor">
+            <a:schemeClr val="tx1"/>
+          </a:fontRef>
+        </p:style>
+      </p:cxnSp>
+      <p:cxnSp>
+        <p:nvCxnSpPr>
+          <p:cNvPr id="21" name="Straight Arrow Connector 20">
+            <a:extLst>
+              <a:ext uri="{FF2B5EF4-FFF2-40B4-BE49-F238E27FC236}">
+                <a16:creationId xmlns:a16="http://schemas.microsoft.com/office/drawing/2014/main" id="{D1A341B0-57C6-4607-92FF-DB613535BBE2}"/>
+              </a:ext>
+            </a:extLst>
+          </p:cNvPr>
+          <p:cNvCxnSpPr>
+            <a:cxnSpLocks/>
+            <a:endCxn id="4" idx="5"/>
+          </p:cNvCxnSpPr>
+          <p:nvPr/>
+        </p:nvCxnSpPr>
         <p:spPr>
           <a:xfrm>
-            <a:off x="7020861" y="1780006"/>
-            <a:ext cx="2189018" cy="369332"/>
+            <a:off x="6095999" y="3076575"/>
+            <a:ext cx="2849772" cy="1517482"/>
+          </a:xfrm>
+          <a:prstGeom prst="straightConnector1">
+            <a:avLst/>
+          </a:prstGeom>
+          <a:ln w="120650">
+            <a:solidFill>
+              <a:schemeClr val="tx1">
+                <a:alpha val="98000"/>
+              </a:schemeClr>
+            </a:solidFill>
+            <a:headEnd type="oval"/>
+            <a:tailEnd type="triangle"/>
+          </a:ln>
+        </p:spPr>
+        <p:style>
+          <a:lnRef idx="1">
+            <a:schemeClr val="accent1"/>
+          </a:lnRef>
+          <a:fillRef idx="0">
+            <a:schemeClr val="accent1"/>
+          </a:fillRef>
+          <a:effectRef idx="0">
+            <a:schemeClr val="accent1"/>
+          </a:effectRef>
+          <a:fontRef idx="minor">
+            <a:schemeClr val="tx1"/>
+          </a:fontRef>
+        </p:style>
+      </p:cxnSp>
+      <p:cxnSp>
+        <p:nvCxnSpPr>
+          <p:cNvPr id="24" name="Straight Arrow Connector 23">
+            <a:extLst>
+              <a:ext uri="{FF2B5EF4-FFF2-40B4-BE49-F238E27FC236}">
+                <a16:creationId xmlns:a16="http://schemas.microsoft.com/office/drawing/2014/main" id="{D1E01625-9EA3-40E7-A4AE-E513A2D9BE47}"/>
+              </a:ext>
+            </a:extLst>
+          </p:cNvPr>
+          <p:cNvCxnSpPr>
+            <a:cxnSpLocks/>
+            <a:endCxn id="4" idx="4"/>
+          </p:cNvCxnSpPr>
+          <p:nvPr/>
+        </p:nvCxnSpPr>
+        <p:spPr>
+          <a:xfrm>
+            <a:off x="6095999" y="3076575"/>
+            <a:ext cx="1" cy="2000065"/>
+          </a:xfrm>
+          <a:prstGeom prst="straightConnector1">
+            <a:avLst/>
+          </a:prstGeom>
+          <a:ln w="120650">
+            <a:solidFill>
+              <a:schemeClr val="tx1">
+                <a:alpha val="98000"/>
+              </a:schemeClr>
+            </a:solidFill>
+            <a:headEnd type="oval"/>
+            <a:tailEnd type="triangle"/>
+          </a:ln>
+        </p:spPr>
+        <p:style>
+          <a:lnRef idx="1">
+            <a:schemeClr val="accent1"/>
+          </a:lnRef>
+          <a:fillRef idx="0">
+            <a:schemeClr val="accent1"/>
+          </a:fillRef>
+          <a:effectRef idx="0">
+            <a:schemeClr val="accent1"/>
+          </a:effectRef>
+          <a:fontRef idx="minor">
+            <a:schemeClr val="tx1"/>
+          </a:fontRef>
+        </p:style>
+      </p:cxnSp>
+      <mc:AlternateContent xmlns:mc="http://schemas.openxmlformats.org/markup-compatibility/2006">
+        <mc:Choice xmlns:a14="http://schemas.microsoft.com/office/drawing/2010/main" Requires="a14">
+          <p:sp>
+            <p:nvSpPr>
+              <p:cNvPr id="27" name="TextBox 26">
+                <a:extLst>
+                  <a:ext uri="{FF2B5EF4-FFF2-40B4-BE49-F238E27FC236}">
+                    <a16:creationId xmlns:a16="http://schemas.microsoft.com/office/drawing/2014/main" id="{17DAB11C-F98F-4525-914C-BA164EFEF0C4}"/>
+                  </a:ext>
+                </a:extLst>
+              </p:cNvPr>
+              <p:cNvSpPr txBox="1"/>
+              <p:nvPr/>
+            </p:nvSpPr>
+            <p:spPr>
+              <a:xfrm>
+                <a:off x="2645496" y="4594057"/>
+                <a:ext cx="713144" cy="615553"/>
+              </a:xfrm>
+              <a:prstGeom prst="rect">
+                <a:avLst/>
+              </a:prstGeom>
+              <a:noFill/>
+            </p:spPr>
+            <p:txBody>
+              <a:bodyPr wrap="none" lIns="0" tIns="0" rIns="0" bIns="0" rtlCol="0">
+                <a:spAutoFit/>
+              </a:bodyPr>
+              <a:lstStyle/>
+              <a:p>
+                <a14:m>
+                  <m:oMathPara xmlns:m="http://schemas.openxmlformats.org/officeDocument/2006/math">
+                    <m:oMathParaPr>
+                      <m:jc m:val="centerGroup"/>
+                    </m:oMathParaPr>
+                    <m:oMath xmlns:m="http://schemas.openxmlformats.org/officeDocument/2006/math">
+                      <m:sSub>
+                        <m:sSubPr>
+                          <m:ctrlPr>
+                            <a:rPr lang="en-CA" sz="4000" b="0" i="1" smtClean="0">
+                              <a:latin typeface="Cambria Math" panose="02040503050406030204" pitchFamily="18" charset="0"/>
+                              <a:ea typeface="Cambria Math" panose="02040503050406030204" pitchFamily="18" charset="0"/>
+                            </a:rPr>
+                          </m:ctrlPr>
+                        </m:sSubPr>
+                        <m:e>
+                          <m:r>
+                            <a:rPr lang="en-CA" sz="4000" i="1" smtClean="0">
+                              <a:latin typeface="Cambria Math" panose="02040503050406030204" pitchFamily="18" charset="0"/>
+                              <a:ea typeface="Cambria Math" panose="02040503050406030204" pitchFamily="18" charset="0"/>
+                            </a:rPr>
+                            <m:t>𝜔</m:t>
+                          </m:r>
+                        </m:e>
+                        <m:sub>
+                          <m:r>
+                            <a:rPr lang="en-CA" sz="4000" b="0" i="1" smtClean="0">
+                              <a:latin typeface="Cambria Math" panose="02040503050406030204" pitchFamily="18" charset="0"/>
+                              <a:ea typeface="Cambria Math" panose="02040503050406030204" pitchFamily="18" charset="0"/>
+                            </a:rPr>
+                            <m:t>1</m:t>
+                          </m:r>
+                        </m:sub>
+                      </m:sSub>
+                    </m:oMath>
+                  </m:oMathPara>
+                </a14:m>
+                <a:endParaRPr lang="en-CA" sz="4000" dirty="0"/>
+              </a:p>
+            </p:txBody>
+          </p:sp>
+        </mc:Choice>
+        <mc:Fallback>
+          <p:sp>
+            <p:nvSpPr>
+              <p:cNvPr id="27" name="TextBox 26">
+                <a:extLst>
+                  <a:ext uri="{FF2B5EF4-FFF2-40B4-BE49-F238E27FC236}">
+                    <a16:creationId xmlns:a16="http://schemas.microsoft.com/office/drawing/2014/main" id="{17DAB11C-F98F-4525-914C-BA164EFEF0C4}"/>
+                  </a:ext>
+                </a:extLst>
+              </p:cNvPr>
+              <p:cNvSpPr txBox="1">
+                <a:spLocks noRot="1" noChangeAspect="1" noMove="1" noResize="1" noEditPoints="1" noAdjustHandles="1" noChangeArrowheads="1" noChangeShapeType="1" noTextEdit="1"/>
+              </p:cNvSpPr>
+              <p:nvPr/>
+            </p:nvSpPr>
+            <p:spPr>
+              <a:xfrm>
+                <a:off x="2645496" y="4594057"/>
+                <a:ext cx="713144" cy="615553"/>
+              </a:xfrm>
+              <a:prstGeom prst="rect">
+                <a:avLst/>
+              </a:prstGeom>
+              <a:blipFill>
+                <a:blip r:embed="rId3"/>
+                <a:stretch>
+                  <a:fillRect/>
+                </a:stretch>
+              </a:blipFill>
+            </p:spPr>
+            <p:txBody>
+              <a:bodyPr/>
+              <a:lstStyle/>
+              <a:p>
+                <a:r>
+                  <a:rPr lang="en-CA">
+                    <a:noFill/>
+                  </a:rPr>
+                  <a:t> </a:t>
+                </a:r>
+              </a:p>
+            </p:txBody>
+          </p:sp>
+        </mc:Fallback>
+      </mc:AlternateContent>
+      <mc:AlternateContent xmlns:mc="http://schemas.openxmlformats.org/markup-compatibility/2006">
+        <mc:Choice xmlns:a14="http://schemas.microsoft.com/office/drawing/2010/main" Requires="a14">
+          <p:sp>
+            <p:nvSpPr>
+              <p:cNvPr id="28" name="TextBox 27">
+                <a:extLst>
+                  <a:ext uri="{FF2B5EF4-FFF2-40B4-BE49-F238E27FC236}">
+                    <a16:creationId xmlns:a16="http://schemas.microsoft.com/office/drawing/2014/main" id="{01B5EA84-6E61-4C37-8431-E58252266BBC}"/>
+                  </a:ext>
+                </a:extLst>
+              </p:cNvPr>
+              <p:cNvSpPr txBox="1"/>
+              <p:nvPr/>
+            </p:nvSpPr>
+            <p:spPr>
+              <a:xfrm>
+                <a:off x="9128515" y="4594057"/>
+                <a:ext cx="725006" cy="615553"/>
+              </a:xfrm>
+              <a:prstGeom prst="rect">
+                <a:avLst/>
+              </a:prstGeom>
+              <a:noFill/>
+            </p:spPr>
+            <p:txBody>
+              <a:bodyPr wrap="none" lIns="0" tIns="0" rIns="0" bIns="0" rtlCol="0">
+                <a:spAutoFit/>
+              </a:bodyPr>
+              <a:lstStyle/>
+              <a:p>
+                <a14:m>
+                  <m:oMathPara xmlns:m="http://schemas.openxmlformats.org/officeDocument/2006/math">
+                    <m:oMathParaPr>
+                      <m:jc m:val="centerGroup"/>
+                    </m:oMathParaPr>
+                    <m:oMath xmlns:m="http://schemas.openxmlformats.org/officeDocument/2006/math">
+                      <m:sSub>
+                        <m:sSubPr>
+                          <m:ctrlPr>
+                            <a:rPr lang="en-CA" sz="4000" b="0" i="1" smtClean="0">
+                              <a:latin typeface="Cambria Math" panose="02040503050406030204" pitchFamily="18" charset="0"/>
+                              <a:ea typeface="Cambria Math" panose="02040503050406030204" pitchFamily="18" charset="0"/>
+                            </a:rPr>
+                          </m:ctrlPr>
+                        </m:sSubPr>
+                        <m:e>
+                          <m:r>
+                            <a:rPr lang="en-CA" sz="4000" i="1" smtClean="0">
+                              <a:latin typeface="Cambria Math" panose="02040503050406030204" pitchFamily="18" charset="0"/>
+                              <a:ea typeface="Cambria Math" panose="02040503050406030204" pitchFamily="18" charset="0"/>
+                            </a:rPr>
+                            <m:t>𝜔</m:t>
+                          </m:r>
+                        </m:e>
+                        <m:sub>
+                          <m:r>
+                            <a:rPr lang="en-CA" sz="4000" b="0" i="1" smtClean="0">
+                              <a:latin typeface="Cambria Math" panose="02040503050406030204" pitchFamily="18" charset="0"/>
+                              <a:ea typeface="Cambria Math" panose="02040503050406030204" pitchFamily="18" charset="0"/>
+                            </a:rPr>
+                            <m:t>2</m:t>
+                          </m:r>
+                        </m:sub>
+                      </m:sSub>
+                    </m:oMath>
+                  </m:oMathPara>
+                </a14:m>
+                <a:endParaRPr lang="en-CA" sz="4000" dirty="0"/>
+              </a:p>
+            </p:txBody>
+          </p:sp>
+        </mc:Choice>
+        <mc:Fallback>
+          <p:sp>
+            <p:nvSpPr>
+              <p:cNvPr id="28" name="TextBox 27">
+                <a:extLst>
+                  <a:ext uri="{FF2B5EF4-FFF2-40B4-BE49-F238E27FC236}">
+                    <a16:creationId xmlns:a16="http://schemas.microsoft.com/office/drawing/2014/main" id="{01B5EA84-6E61-4C37-8431-E58252266BBC}"/>
+                  </a:ext>
+                </a:extLst>
+              </p:cNvPr>
+              <p:cNvSpPr txBox="1">
+                <a:spLocks noRot="1" noChangeAspect="1" noMove="1" noResize="1" noEditPoints="1" noAdjustHandles="1" noChangeArrowheads="1" noChangeShapeType="1" noTextEdit="1"/>
+              </p:cNvSpPr>
+              <p:nvPr/>
+            </p:nvSpPr>
+            <p:spPr>
+              <a:xfrm>
+                <a:off x="9128515" y="4594057"/>
+                <a:ext cx="725006" cy="615553"/>
+              </a:xfrm>
+              <a:prstGeom prst="rect">
+                <a:avLst/>
+              </a:prstGeom>
+              <a:blipFill>
+                <a:blip r:embed="rId4"/>
+                <a:stretch>
+                  <a:fillRect/>
+                </a:stretch>
+              </a:blipFill>
+            </p:spPr>
+            <p:txBody>
+              <a:bodyPr/>
+              <a:lstStyle/>
+              <a:p>
+                <a:r>
+                  <a:rPr lang="en-CA">
+                    <a:noFill/>
+                  </a:rPr>
+                  <a:t> </a:t>
+                </a:r>
+              </a:p>
+            </p:txBody>
+          </p:sp>
+        </mc:Fallback>
+      </mc:AlternateContent>
+      <mc:AlternateContent xmlns:mc="http://schemas.openxmlformats.org/markup-compatibility/2006">
+        <mc:Choice xmlns:a14="http://schemas.microsoft.com/office/drawing/2010/main" Requires="a14">
+          <p:sp>
+            <p:nvSpPr>
+              <p:cNvPr id="29" name="TextBox 28">
+                <a:extLst>
+                  <a:ext uri="{FF2B5EF4-FFF2-40B4-BE49-F238E27FC236}">
+                    <a16:creationId xmlns:a16="http://schemas.microsoft.com/office/drawing/2014/main" id="{CE30BC5C-57A3-4962-968F-CE96C04C80CD}"/>
+                  </a:ext>
+                </a:extLst>
+              </p:cNvPr>
+              <p:cNvSpPr txBox="1"/>
+              <p:nvPr/>
+            </p:nvSpPr>
+            <p:spPr>
+              <a:xfrm>
+                <a:off x="5806195" y="5076640"/>
+                <a:ext cx="725006" cy="615553"/>
+              </a:xfrm>
+              <a:prstGeom prst="rect">
+                <a:avLst/>
+              </a:prstGeom>
+              <a:noFill/>
+            </p:spPr>
+            <p:txBody>
+              <a:bodyPr wrap="none" lIns="0" tIns="0" rIns="0" bIns="0" rtlCol="0">
+                <a:spAutoFit/>
+              </a:bodyPr>
+              <a:lstStyle/>
+              <a:p>
+                <a14:m>
+                  <m:oMathPara xmlns:m="http://schemas.openxmlformats.org/officeDocument/2006/math">
+                    <m:oMathParaPr>
+                      <m:jc m:val="centerGroup"/>
+                    </m:oMathParaPr>
+                    <m:oMath xmlns:m="http://schemas.openxmlformats.org/officeDocument/2006/math">
+                      <m:sSub>
+                        <m:sSubPr>
+                          <m:ctrlPr>
+                            <a:rPr lang="en-CA" sz="4000" b="0" i="1" smtClean="0">
+                              <a:latin typeface="Cambria Math" panose="02040503050406030204" pitchFamily="18" charset="0"/>
+                              <a:ea typeface="Cambria Math" panose="02040503050406030204" pitchFamily="18" charset="0"/>
+                            </a:rPr>
+                          </m:ctrlPr>
+                        </m:sSubPr>
+                        <m:e>
+                          <m:r>
+                            <a:rPr lang="en-CA" sz="4000" i="1" smtClean="0">
+                              <a:latin typeface="Cambria Math" panose="02040503050406030204" pitchFamily="18" charset="0"/>
+                              <a:ea typeface="Cambria Math" panose="02040503050406030204" pitchFamily="18" charset="0"/>
+                            </a:rPr>
+                            <m:t>𝜔</m:t>
+                          </m:r>
+                        </m:e>
+                        <m:sub>
+                          <m:r>
+                            <a:rPr lang="en-CA" sz="4000" b="0" i="1" smtClean="0">
+                              <a:latin typeface="Cambria Math" panose="02040503050406030204" pitchFamily="18" charset="0"/>
+                              <a:ea typeface="Cambria Math" panose="02040503050406030204" pitchFamily="18" charset="0"/>
+                            </a:rPr>
+                            <m:t>0</m:t>
+                          </m:r>
+                        </m:sub>
+                      </m:sSub>
+                    </m:oMath>
+                  </m:oMathPara>
+                </a14:m>
+                <a:endParaRPr lang="en-CA" sz="4000" dirty="0"/>
+              </a:p>
+            </p:txBody>
+          </p:sp>
+        </mc:Choice>
+        <mc:Fallback>
+          <p:sp>
+            <p:nvSpPr>
+              <p:cNvPr id="29" name="TextBox 28">
+                <a:extLst>
+                  <a:ext uri="{FF2B5EF4-FFF2-40B4-BE49-F238E27FC236}">
+                    <a16:creationId xmlns:a16="http://schemas.microsoft.com/office/drawing/2014/main" id="{CE30BC5C-57A3-4962-968F-CE96C04C80CD}"/>
+                  </a:ext>
+                </a:extLst>
+              </p:cNvPr>
+              <p:cNvSpPr txBox="1">
+                <a:spLocks noRot="1" noChangeAspect="1" noMove="1" noResize="1" noEditPoints="1" noAdjustHandles="1" noChangeArrowheads="1" noChangeShapeType="1" noTextEdit="1"/>
+              </p:cNvSpPr>
+              <p:nvPr/>
+            </p:nvSpPr>
+            <p:spPr>
+              <a:xfrm>
+                <a:off x="5806195" y="5076640"/>
+                <a:ext cx="725006" cy="615553"/>
+              </a:xfrm>
+              <a:prstGeom prst="rect">
+                <a:avLst/>
+              </a:prstGeom>
+              <a:blipFill>
+                <a:blip r:embed="rId5"/>
+                <a:stretch>
+                  <a:fillRect/>
+                </a:stretch>
+              </a:blipFill>
+            </p:spPr>
+            <p:txBody>
+              <a:bodyPr/>
+              <a:lstStyle/>
+              <a:p>
+                <a:r>
+                  <a:rPr lang="en-CA">
+                    <a:noFill/>
+                  </a:rPr>
+                  <a:t> </a:t>
+                </a:r>
+              </a:p>
+            </p:txBody>
+          </p:sp>
+        </mc:Fallback>
+      </mc:AlternateContent>
+    </p:spTree>
+    <p:extLst>
+      <p:ext uri="{BB962C8B-B14F-4D97-AF65-F5344CB8AC3E}">
+        <p14:creationId xmlns:p14="http://schemas.microsoft.com/office/powerpoint/2010/main" val="363977112"/>
+      </p:ext>
+    </p:extLst>
+  </p:cSld>
+  <p:clrMapOvr>
+    <a:masterClrMapping/>
+  </p:clrMapOvr>
+</p:sld>
+</file>
+
+<file path=ppt/slides/slide2.xml><?xml version="1.0" encoding="utf-8"?>
+<p:sld xmlns:a="http://schemas.openxmlformats.org/drawingml/2006/main" xmlns:r="http://schemas.openxmlformats.org/officeDocument/2006/relationships" xmlns:p="http://schemas.openxmlformats.org/presentationml/2006/main">
+  <p:cSld>
+    <p:spTree>
+      <p:nvGrpSpPr>
+        <p:cNvPr id="1" name=""/>
+        <p:cNvGrpSpPr/>
+        <p:nvPr/>
+      </p:nvGrpSpPr>
+      <p:grpSpPr>
+        <a:xfrm>
+          <a:off x="0" y="0"/>
+          <a:ext cx="0" cy="0"/>
+          <a:chOff x="0" y="0"/>
+          <a:chExt cx="0" cy="0"/>
+        </a:xfrm>
+      </p:grpSpPr>
+      <p:pic>
+        <p:nvPicPr>
+          <p:cNvPr id="7" name="Graphic 6">
+            <a:extLst>
+              <a:ext uri="{FF2B5EF4-FFF2-40B4-BE49-F238E27FC236}">
+                <a16:creationId xmlns:a16="http://schemas.microsoft.com/office/drawing/2014/main" id="{E2CFC97C-D3E6-4C8D-86C2-F2523F749061}"/>
+              </a:ext>
+            </a:extLst>
+          </p:cNvPr>
+          <p:cNvPicPr>
+            <a:picLocks noChangeAspect="1"/>
+          </p:cNvPicPr>
+          <p:nvPr/>
+        </p:nvPicPr>
+        <p:blipFill rotWithShape="1">
+          <a:blip r:embed="rId2">
+            <a:extLst>
+              <a:ext uri="{28A0092B-C50C-407E-A947-70E740481C1C}">
+                <a14:useLocalDpi xmlns:a14="http://schemas.microsoft.com/office/drawing/2010/main" val="0"/>
+              </a:ext>
+              <a:ext uri="{96DAC541-7B7A-43D3-8B79-37D633B846F1}">
+                <asvg:svgBlip xmlns:asvg="http://schemas.microsoft.com/office/drawing/2016/SVG/main" r:embed="rId3"/>
+              </a:ext>
+            </a:extLst>
+          </a:blip>
+          <a:srcRect l="13099" t="12489" r="31900" b="14519"/>
+          <a:stretch/>
+        </p:blipFill>
+        <p:spPr>
+          <a:xfrm>
+            <a:off x="2743199" y="1351280"/>
+            <a:ext cx="6705601" cy="4338320"/>
           </a:xfrm>
           <a:prstGeom prst="rect">
             <a:avLst/>
           </a:prstGeom>
-          <a:noFill/>
         </p:spPr>
-        <p:txBody>
-          <a:bodyPr wrap="square" rtlCol="0">
-            <a:spAutoFit/>
-          </a:bodyPr>
-          <a:lstStyle/>
-          <a:p>
-            <a:r>
-              <a:rPr lang="en-CA" dirty="0">
-                <a:latin typeface="Times New Roman" panose="02020603050405020304" pitchFamily="18" charset="0"/>
-                <a:cs typeface="Times New Roman" panose="02020603050405020304" pitchFamily="18" charset="0"/>
-              </a:rPr>
-              <a:t>Flow</a:t>
-            </a:r>
-          </a:p>
-        </p:txBody>
-      </p:sp>
+      </p:pic>
+      <mc:AlternateContent xmlns:mc="http://schemas.openxmlformats.org/markup-compatibility/2006">
+        <mc:Choice xmlns:a14="http://schemas.microsoft.com/office/drawing/2010/main" Requires="a14">
+          <p:sp>
+            <p:nvSpPr>
+              <p:cNvPr id="8" name="TextBox 7">
+                <a:extLst>
+                  <a:ext uri="{FF2B5EF4-FFF2-40B4-BE49-F238E27FC236}">
+                    <a16:creationId xmlns:a16="http://schemas.microsoft.com/office/drawing/2014/main" id="{CA8B8B73-4D70-4F23-A4A7-0F6D5BBBE131}"/>
+                  </a:ext>
+                </a:extLst>
+              </p:cNvPr>
+              <p:cNvSpPr txBox="1"/>
+              <p:nvPr/>
+            </p:nvSpPr>
+            <p:spPr>
+              <a:xfrm>
+                <a:off x="3779520" y="990600"/>
+                <a:ext cx="1637691" cy="867289"/>
+              </a:xfrm>
+              <a:prstGeom prst="rect">
+                <a:avLst/>
+              </a:prstGeom>
+              <a:noFill/>
+            </p:spPr>
+            <p:txBody>
+              <a:bodyPr wrap="none" lIns="0" tIns="0" rIns="0" bIns="0" rtlCol="0">
+                <a:spAutoFit/>
+              </a:bodyPr>
+              <a:lstStyle/>
+              <a:p>
+                <a14:m>
+                  <m:oMathPara xmlns:m="http://schemas.openxmlformats.org/officeDocument/2006/math">
+                    <m:oMathParaPr>
+                      <m:jc m:val="centerGroup"/>
+                    </m:oMathParaPr>
+                    <m:oMath xmlns:m="http://schemas.openxmlformats.org/officeDocument/2006/math">
+                      <m:r>
+                        <m:rPr>
+                          <m:sty m:val="p"/>
+                        </m:rPr>
+                        <a:rPr lang="en-CA" sz="2800" b="0" i="0" smtClean="0">
+                          <a:latin typeface="Cambria Math" panose="02040503050406030204" pitchFamily="18" charset="0"/>
+                        </a:rPr>
+                        <m:t>exp</m:t>
+                      </m:r>
+                      <m:r>
+                        <a:rPr lang="en-CA" sz="2800" b="0" i="1" smtClean="0">
+                          <a:latin typeface="Cambria Math" panose="02040503050406030204" pitchFamily="18" charset="0"/>
+                        </a:rPr>
+                        <m:t>⁡(−</m:t>
+                      </m:r>
+                      <m:f>
+                        <m:fPr>
+                          <m:ctrlPr>
+                            <a:rPr lang="en-CA" sz="2800" b="0" i="1" smtClean="0">
+                              <a:latin typeface="Cambria Math" panose="02040503050406030204" pitchFamily="18" charset="0"/>
+                            </a:rPr>
+                          </m:ctrlPr>
+                        </m:fPr>
+                        <m:num>
+                          <m:r>
+                            <a:rPr lang="en-CA" sz="2800" b="0" i="1" smtClean="0">
+                              <a:latin typeface="Cambria Math" panose="02040503050406030204" pitchFamily="18" charset="0"/>
+                            </a:rPr>
+                            <m:t>𝑡</m:t>
+                          </m:r>
+                        </m:num>
+                        <m:den>
+                          <m:sSubSup>
+                            <m:sSubSupPr>
+                              <m:ctrlPr>
+                                <a:rPr lang="en-CA" sz="2800" b="0" i="1" smtClean="0">
+                                  <a:latin typeface="Cambria Math" panose="02040503050406030204" pitchFamily="18" charset="0"/>
+                                </a:rPr>
+                              </m:ctrlPr>
+                            </m:sSubSupPr>
+                            <m:e>
+                              <m:r>
+                                <a:rPr lang="en-CA" sz="2800" b="0" i="1" smtClean="0">
+                                  <a:latin typeface="Cambria Math" panose="02040503050406030204" pitchFamily="18" charset="0"/>
+                                </a:rPr>
+                                <m:t>𝑇</m:t>
+                              </m:r>
+                            </m:e>
+                            <m:sub>
+                              <m:r>
+                                <a:rPr lang="en-CA" sz="2800" b="0" i="1" smtClean="0">
+                                  <a:latin typeface="Cambria Math" panose="02040503050406030204" pitchFamily="18" charset="0"/>
+                                </a:rPr>
+                                <m:t>2</m:t>
+                              </m:r>
+                            </m:sub>
+                            <m:sup>
+                              <m:r>
+                                <a:rPr lang="en-CA" sz="2800" b="0" i="1" smtClean="0">
+                                  <a:latin typeface="Cambria Math" panose="02040503050406030204" pitchFamily="18" charset="0"/>
+                                </a:rPr>
+                                <m:t>∗</m:t>
+                              </m:r>
+                            </m:sup>
+                          </m:sSubSup>
+                        </m:den>
+                      </m:f>
+                      <m:r>
+                        <a:rPr lang="en-CA" sz="2800" b="0" i="1" smtClean="0">
+                          <a:latin typeface="Cambria Math" panose="02040503050406030204" pitchFamily="18" charset="0"/>
+                        </a:rPr>
+                        <m:t>)</m:t>
+                      </m:r>
+                    </m:oMath>
+                  </m:oMathPara>
+                </a14:m>
+                <a:endParaRPr lang="en-CA" sz="2800" dirty="0">
+                  <a:latin typeface="Times New Roman" panose="02020603050405020304" pitchFamily="18" charset="0"/>
+                  <a:cs typeface="Times New Roman" panose="02020603050405020304" pitchFamily="18" charset="0"/>
+                </a:endParaRPr>
+              </a:p>
+            </p:txBody>
+          </p:sp>
+        </mc:Choice>
+        <mc:Fallback>
+          <p:sp>
+            <p:nvSpPr>
+              <p:cNvPr id="8" name="TextBox 7">
+                <a:extLst>
+                  <a:ext uri="{FF2B5EF4-FFF2-40B4-BE49-F238E27FC236}">
+                    <a16:creationId xmlns:a16="http://schemas.microsoft.com/office/drawing/2014/main" id="{CA8B8B73-4D70-4F23-A4A7-0F6D5BBBE131}"/>
+                  </a:ext>
+                </a:extLst>
+              </p:cNvPr>
+              <p:cNvSpPr txBox="1">
+                <a:spLocks noRot="1" noChangeAspect="1" noMove="1" noResize="1" noEditPoints="1" noAdjustHandles="1" noChangeArrowheads="1" noChangeShapeType="1" noTextEdit="1"/>
+              </p:cNvSpPr>
+              <p:nvPr/>
+            </p:nvSpPr>
+            <p:spPr>
+              <a:xfrm>
+                <a:off x="3779520" y="990600"/>
+                <a:ext cx="1637691" cy="867289"/>
+              </a:xfrm>
+              <a:prstGeom prst="rect">
+                <a:avLst/>
+              </a:prstGeom>
+              <a:blipFill>
+                <a:blip r:embed="rId4"/>
+                <a:stretch>
+                  <a:fillRect/>
+                </a:stretch>
+              </a:blipFill>
+            </p:spPr>
+            <p:txBody>
+              <a:bodyPr/>
+              <a:lstStyle/>
+              <a:p>
+                <a:r>
+                  <a:rPr lang="en-CA">
+                    <a:noFill/>
+                  </a:rPr>
+                  <a:t> </a:t>
+                </a:r>
+              </a:p>
+            </p:txBody>
+          </p:sp>
+        </mc:Fallback>
+      </mc:AlternateContent>
+      <p:cxnSp>
+        <p:nvCxnSpPr>
+          <p:cNvPr id="10" name="Straight Arrow Connector 9">
+            <a:extLst>
+              <a:ext uri="{FF2B5EF4-FFF2-40B4-BE49-F238E27FC236}">
+                <a16:creationId xmlns:a16="http://schemas.microsoft.com/office/drawing/2014/main" id="{E37DD2D8-753E-4DDB-8E93-5792FD8B8F35}"/>
+              </a:ext>
+            </a:extLst>
+          </p:cNvPr>
+          <p:cNvCxnSpPr>
+            <a:cxnSpLocks/>
+          </p:cNvCxnSpPr>
+          <p:nvPr/>
+        </p:nvCxnSpPr>
+        <p:spPr>
+          <a:xfrm flipH="1">
+            <a:off x="2804160" y="1643046"/>
+            <a:ext cx="975360" cy="832063"/>
+          </a:xfrm>
+          <a:prstGeom prst="straightConnector1">
+            <a:avLst/>
+          </a:prstGeom>
+          <a:ln w="50800">
+            <a:solidFill>
+              <a:schemeClr val="tx1"/>
+            </a:solidFill>
+            <a:tailEnd type="triangle"/>
+          </a:ln>
+        </p:spPr>
+        <p:style>
+          <a:lnRef idx="1">
+            <a:schemeClr val="accent1"/>
+          </a:lnRef>
+          <a:fillRef idx="0">
+            <a:schemeClr val="accent1"/>
+          </a:fillRef>
+          <a:effectRef idx="0">
+            <a:schemeClr val="accent1"/>
+          </a:effectRef>
+          <a:fontRef idx="minor">
+            <a:schemeClr val="tx1"/>
+          </a:fontRef>
+        </p:style>
+      </p:cxnSp>
+      <mc:AlternateContent xmlns:mc="http://schemas.openxmlformats.org/markup-compatibility/2006">
+        <mc:Choice xmlns:a14="http://schemas.microsoft.com/office/drawing/2010/main" Requires="a14">
+          <p:sp>
+            <p:nvSpPr>
+              <p:cNvPr id="12" name="TextBox 11">
+                <a:extLst>
+                  <a:ext uri="{FF2B5EF4-FFF2-40B4-BE49-F238E27FC236}">
+                    <a16:creationId xmlns:a16="http://schemas.microsoft.com/office/drawing/2014/main" id="{5E9E6E99-68A3-4FC5-9703-9FA33B4B54C8}"/>
+                  </a:ext>
+                </a:extLst>
+              </p:cNvPr>
+              <p:cNvSpPr txBox="1"/>
+              <p:nvPr/>
+            </p:nvSpPr>
+            <p:spPr>
+              <a:xfrm>
+                <a:off x="7551420" y="1643046"/>
+                <a:ext cx="1605439" cy="848694"/>
+              </a:xfrm>
+              <a:prstGeom prst="rect">
+                <a:avLst/>
+              </a:prstGeom>
+              <a:noFill/>
+            </p:spPr>
+            <p:txBody>
+              <a:bodyPr wrap="none" lIns="0" tIns="0" rIns="0" bIns="0" rtlCol="0">
+                <a:spAutoFit/>
+              </a:bodyPr>
+              <a:lstStyle/>
+              <a:p>
+                <a14:m>
+                  <m:oMathPara xmlns:m="http://schemas.openxmlformats.org/officeDocument/2006/math">
+                    <m:oMathParaPr>
+                      <m:jc m:val="centerGroup"/>
+                    </m:oMathParaPr>
+                    <m:oMath xmlns:m="http://schemas.openxmlformats.org/officeDocument/2006/math">
+                      <m:r>
+                        <m:rPr>
+                          <m:sty m:val="p"/>
+                        </m:rPr>
+                        <a:rPr lang="en-CA" sz="2800" b="0" i="0" smtClean="0">
+                          <a:latin typeface="Cambria Math" panose="02040503050406030204" pitchFamily="18" charset="0"/>
+                        </a:rPr>
+                        <m:t>exp</m:t>
+                      </m:r>
+                      <m:r>
+                        <a:rPr lang="en-CA" sz="2800" b="0" i="1" smtClean="0">
+                          <a:latin typeface="Cambria Math" panose="02040503050406030204" pitchFamily="18" charset="0"/>
+                        </a:rPr>
+                        <m:t>⁡(−</m:t>
+                      </m:r>
+                      <m:f>
+                        <m:fPr>
+                          <m:ctrlPr>
+                            <a:rPr lang="en-CA" sz="2800" b="0" i="1" smtClean="0">
+                              <a:latin typeface="Cambria Math" panose="02040503050406030204" pitchFamily="18" charset="0"/>
+                            </a:rPr>
+                          </m:ctrlPr>
+                        </m:fPr>
+                        <m:num>
+                          <m:r>
+                            <a:rPr lang="en-CA" sz="2800" b="0" i="1" smtClean="0">
+                              <a:latin typeface="Cambria Math" panose="02040503050406030204" pitchFamily="18" charset="0"/>
+                            </a:rPr>
+                            <m:t>𝑡</m:t>
+                          </m:r>
+                        </m:num>
+                        <m:den>
+                          <m:sSub>
+                            <m:sSubPr>
+                              <m:ctrlPr>
+                                <a:rPr lang="en-CA" sz="2800" b="0" i="1" smtClean="0">
+                                  <a:latin typeface="Cambria Math" panose="02040503050406030204" pitchFamily="18" charset="0"/>
+                                </a:rPr>
+                              </m:ctrlPr>
+                            </m:sSubPr>
+                            <m:e>
+                              <m:r>
+                                <a:rPr lang="en-CA" sz="2800" b="0" i="1" smtClean="0">
+                                  <a:latin typeface="Cambria Math" panose="02040503050406030204" pitchFamily="18" charset="0"/>
+                                </a:rPr>
+                                <m:t>𝑇</m:t>
+                              </m:r>
+                            </m:e>
+                            <m:sub>
+                              <m:r>
+                                <a:rPr lang="en-CA" sz="2800" b="0" i="1" smtClean="0">
+                                  <a:latin typeface="Cambria Math" panose="02040503050406030204" pitchFamily="18" charset="0"/>
+                                </a:rPr>
+                                <m:t>2</m:t>
+                              </m:r>
+                            </m:sub>
+                          </m:sSub>
+                        </m:den>
+                      </m:f>
+                      <m:r>
+                        <a:rPr lang="en-CA" sz="2800" b="0" i="1" smtClean="0">
+                          <a:latin typeface="Cambria Math" panose="02040503050406030204" pitchFamily="18" charset="0"/>
+                        </a:rPr>
+                        <m:t>)</m:t>
+                      </m:r>
+                    </m:oMath>
+                  </m:oMathPara>
+                </a14:m>
+                <a:endParaRPr lang="en-CA" sz="2800" dirty="0">
+                  <a:latin typeface="Times New Roman" panose="02020603050405020304" pitchFamily="18" charset="0"/>
+                  <a:cs typeface="Times New Roman" panose="02020603050405020304" pitchFamily="18" charset="0"/>
+                </a:endParaRPr>
+              </a:p>
+            </p:txBody>
+          </p:sp>
+        </mc:Choice>
+        <mc:Fallback>
+          <p:sp>
+            <p:nvSpPr>
+              <p:cNvPr id="12" name="TextBox 11">
+                <a:extLst>
+                  <a:ext uri="{FF2B5EF4-FFF2-40B4-BE49-F238E27FC236}">
+                    <a16:creationId xmlns:a16="http://schemas.microsoft.com/office/drawing/2014/main" id="{5E9E6E99-68A3-4FC5-9703-9FA33B4B54C8}"/>
+                  </a:ext>
+                </a:extLst>
+              </p:cNvPr>
+              <p:cNvSpPr txBox="1">
+                <a:spLocks noRot="1" noChangeAspect="1" noMove="1" noResize="1" noEditPoints="1" noAdjustHandles="1" noChangeArrowheads="1" noChangeShapeType="1" noTextEdit="1"/>
+              </p:cNvSpPr>
+              <p:nvPr/>
+            </p:nvSpPr>
+            <p:spPr>
+              <a:xfrm>
+                <a:off x="7551420" y="1643046"/>
+                <a:ext cx="1605439" cy="848694"/>
+              </a:xfrm>
+              <a:prstGeom prst="rect">
+                <a:avLst/>
+              </a:prstGeom>
+              <a:blipFill>
+                <a:blip r:embed="rId5"/>
+                <a:stretch>
+                  <a:fillRect/>
+                </a:stretch>
+              </a:blipFill>
+            </p:spPr>
+            <p:txBody>
+              <a:bodyPr/>
+              <a:lstStyle/>
+              <a:p>
+                <a:r>
+                  <a:rPr lang="en-CA">
+                    <a:noFill/>
+                  </a:rPr>
+                  <a:t> </a:t>
+                </a:r>
+              </a:p>
+            </p:txBody>
+          </p:sp>
+        </mc:Fallback>
+      </mc:AlternateContent>
+      <p:cxnSp>
+        <p:nvCxnSpPr>
+          <p:cNvPr id="13" name="Straight Arrow Connector 12">
+            <a:extLst>
+              <a:ext uri="{FF2B5EF4-FFF2-40B4-BE49-F238E27FC236}">
+                <a16:creationId xmlns:a16="http://schemas.microsoft.com/office/drawing/2014/main" id="{D5343DE6-9141-4D03-9FB9-787F283F04A8}"/>
+              </a:ext>
+            </a:extLst>
+          </p:cNvPr>
+          <p:cNvCxnSpPr>
+            <a:cxnSpLocks/>
+          </p:cNvCxnSpPr>
+          <p:nvPr/>
+        </p:nvCxnSpPr>
+        <p:spPr>
+          <a:xfrm flipH="1">
+            <a:off x="6362700" y="2247900"/>
+            <a:ext cx="1120140" cy="535606"/>
+          </a:xfrm>
+          <a:prstGeom prst="straightConnector1">
+            <a:avLst/>
+          </a:prstGeom>
+          <a:ln w="50800">
+            <a:solidFill>
+              <a:schemeClr val="tx1"/>
+            </a:solidFill>
+            <a:tailEnd type="triangle"/>
+          </a:ln>
+        </p:spPr>
+        <p:style>
+          <a:lnRef idx="1">
+            <a:schemeClr val="accent1"/>
+          </a:lnRef>
+          <a:fillRef idx="0">
+            <a:schemeClr val="accent1"/>
+          </a:fillRef>
+          <a:effectRef idx="0">
+            <a:schemeClr val="accent1"/>
+          </a:effectRef>
+          <a:fontRef idx="minor">
+            <a:schemeClr val="tx1"/>
+          </a:fontRef>
+        </p:style>
+      </p:cxnSp>
     </p:spTree>
     <p:extLst>
       <p:ext uri="{BB962C8B-B14F-4D97-AF65-F5344CB8AC3E}">
-        <p14:creationId xmlns:p14="http://schemas.microsoft.com/office/powerpoint/2010/main" val="3238404859"/>
+        <p14:creationId xmlns:p14="http://schemas.microsoft.com/office/powerpoint/2010/main" val="4079920522"/>
       </p:ext>
     </p:extLst>
   </p:cSld>

--- a/Figures/Figure.pptx
+++ b/Figures/Figure.pptx
@@ -6,7 +6,15 @@
   </p:sldMasterIdLst>
   <p:sldIdLst>
     <p:sldId id="256" r:id="rId2"/>
-    <p:sldId id="257" r:id="rId3"/>
+    <p:sldId id="258" r:id="rId3"/>
+    <p:sldId id="257" r:id="rId4"/>
+    <p:sldId id="259" r:id="rId5"/>
+    <p:sldId id="260" r:id="rId6"/>
+    <p:sldId id="261" r:id="rId7"/>
+    <p:sldId id="262" r:id="rId8"/>
+    <p:sldId id="263" r:id="rId9"/>
+    <p:sldId id="264" r:id="rId10"/>
+    <p:sldId id="265" r:id="rId11"/>
   </p:sldIdLst>
   <p:sldSz cx="12192000" cy="6858000"/>
   <p:notesSz cx="6858000" cy="9144000"/>
@@ -105,6 +113,11 @@
       </a:defRPr>
     </a:lvl9pPr>
   </p:defaultTextStyle>
+  <p:extLst>
+    <p:ext uri="{EFAFB233-063F-42B5-8137-9DF3F51BA10A}">
+      <p15:sldGuideLst xmlns:p15="http://schemas.microsoft.com/office/powerpoint/2012/main"/>
+    </p:ext>
+  </p:extLst>
 </p:presentation>
 </file>
 
@@ -257,7 +270,7 @@
           <a:p>
             <a:fld id="{490299FF-94BE-410E-A8C0-77C2CAB81B73}" type="datetimeFigureOut">
               <a:rPr lang="en-CA" smtClean="0"/>
-              <a:t>2020-03-05</a:t>
+              <a:t>2020-04-02</a:t>
             </a:fld>
             <a:endParaRPr lang="en-CA"/>
           </a:p>
@@ -457,7 +470,7 @@
           <a:p>
             <a:fld id="{490299FF-94BE-410E-A8C0-77C2CAB81B73}" type="datetimeFigureOut">
               <a:rPr lang="en-CA" smtClean="0"/>
-              <a:t>2020-03-05</a:t>
+              <a:t>2020-04-02</a:t>
             </a:fld>
             <a:endParaRPr lang="en-CA"/>
           </a:p>
@@ -667,7 +680,7 @@
           <a:p>
             <a:fld id="{490299FF-94BE-410E-A8C0-77C2CAB81B73}" type="datetimeFigureOut">
               <a:rPr lang="en-CA" smtClean="0"/>
-              <a:t>2020-03-05</a:t>
+              <a:t>2020-04-02</a:t>
             </a:fld>
             <a:endParaRPr lang="en-CA"/>
           </a:p>
@@ -867,7 +880,7 @@
           <a:p>
             <a:fld id="{490299FF-94BE-410E-A8C0-77C2CAB81B73}" type="datetimeFigureOut">
               <a:rPr lang="en-CA" smtClean="0"/>
-              <a:t>2020-03-05</a:t>
+              <a:t>2020-04-02</a:t>
             </a:fld>
             <a:endParaRPr lang="en-CA"/>
           </a:p>
@@ -1143,7 +1156,7 @@
           <a:p>
             <a:fld id="{490299FF-94BE-410E-A8C0-77C2CAB81B73}" type="datetimeFigureOut">
               <a:rPr lang="en-CA" smtClean="0"/>
-              <a:t>2020-03-05</a:t>
+              <a:t>2020-04-02</a:t>
             </a:fld>
             <a:endParaRPr lang="en-CA"/>
           </a:p>
@@ -1411,7 +1424,7 @@
           <a:p>
             <a:fld id="{490299FF-94BE-410E-A8C0-77C2CAB81B73}" type="datetimeFigureOut">
               <a:rPr lang="en-CA" smtClean="0"/>
-              <a:t>2020-03-05</a:t>
+              <a:t>2020-04-02</a:t>
             </a:fld>
             <a:endParaRPr lang="en-CA"/>
           </a:p>
@@ -1826,7 +1839,7 @@
           <a:p>
             <a:fld id="{490299FF-94BE-410E-A8C0-77C2CAB81B73}" type="datetimeFigureOut">
               <a:rPr lang="en-CA" smtClean="0"/>
-              <a:t>2020-03-05</a:t>
+              <a:t>2020-04-02</a:t>
             </a:fld>
             <a:endParaRPr lang="en-CA"/>
           </a:p>
@@ -1968,7 +1981,7 @@
           <a:p>
             <a:fld id="{490299FF-94BE-410E-A8C0-77C2CAB81B73}" type="datetimeFigureOut">
               <a:rPr lang="en-CA" smtClean="0"/>
-              <a:t>2020-03-05</a:t>
+              <a:t>2020-04-02</a:t>
             </a:fld>
             <a:endParaRPr lang="en-CA"/>
           </a:p>
@@ -2081,7 +2094,7 @@
           <a:p>
             <a:fld id="{490299FF-94BE-410E-A8C0-77C2CAB81B73}" type="datetimeFigureOut">
               <a:rPr lang="en-CA" smtClean="0"/>
-              <a:t>2020-03-05</a:t>
+              <a:t>2020-04-02</a:t>
             </a:fld>
             <a:endParaRPr lang="en-CA"/>
           </a:p>
@@ -2394,7 +2407,7 @@
           <a:p>
             <a:fld id="{490299FF-94BE-410E-A8C0-77C2CAB81B73}" type="datetimeFigureOut">
               <a:rPr lang="en-CA" smtClean="0"/>
-              <a:t>2020-03-05</a:t>
+              <a:t>2020-04-02</a:t>
             </a:fld>
             <a:endParaRPr lang="en-CA"/>
           </a:p>
@@ -2683,7 +2696,7 @@
           <a:p>
             <a:fld id="{490299FF-94BE-410E-A8C0-77C2CAB81B73}" type="datetimeFigureOut">
               <a:rPr lang="en-CA" smtClean="0"/>
-              <a:t>2020-03-05</a:t>
+              <a:t>2020-04-02</a:t>
             </a:fld>
             <a:endParaRPr lang="en-CA"/>
           </a:p>
@@ -2926,7 +2939,7 @@
           <a:p>
             <a:fld id="{490299FF-94BE-410E-A8C0-77C2CAB81B73}" type="datetimeFigureOut">
               <a:rPr lang="en-CA" smtClean="0"/>
-              <a:t>2020-03-05</a:t>
+              <a:t>2020-04-02</a:t>
             </a:fld>
             <a:endParaRPr lang="en-CA"/>
           </a:p>
@@ -3442,8 +3455,8 @@
           </a:fontRef>
         </p:style>
       </p:cxnSp>
-      <mc:AlternateContent xmlns:mc="http://schemas.openxmlformats.org/markup-compatibility/2006">
-        <mc:Choice xmlns:a14="http://schemas.microsoft.com/office/drawing/2010/main" Requires="a14">
+      <mc:AlternateContent xmlns:mc="http://schemas.openxmlformats.org/markup-compatibility/2006" xmlns:a14="http://schemas.microsoft.com/office/drawing/2010/main">
+        <mc:Choice Requires="a14">
           <p:sp>
             <p:nvSpPr>
               <p:cNvPr id="9" name="TextBox 8">
@@ -3472,6 +3485,7 @@
               </a:bodyPr>
               <a:lstStyle/>
               <a:p>
+                <a:pPr/>
                 <a14:m>
                   <m:oMathPara xmlns:m="http://schemas.openxmlformats.org/officeDocument/2006/math">
                     <m:oMathParaPr>
@@ -3517,7 +3531,7 @@
             </p:txBody>
           </p:sp>
         </mc:Choice>
-        <mc:Fallback>
+        <mc:Fallback xmlns="">
           <p:sp>
             <p:nvSpPr>
               <p:cNvPr id="9" name="TextBox 8">
@@ -3706,8 +3720,8 @@
           </a:fontRef>
         </p:style>
       </p:cxnSp>
-      <mc:AlternateContent xmlns:mc="http://schemas.openxmlformats.org/markup-compatibility/2006">
-        <mc:Choice xmlns:a14="http://schemas.microsoft.com/office/drawing/2010/main" Requires="a14">
+      <mc:AlternateContent xmlns:mc="http://schemas.openxmlformats.org/markup-compatibility/2006" xmlns:a14="http://schemas.microsoft.com/office/drawing/2010/main">
+        <mc:Choice Requires="a14">
           <p:sp>
             <p:nvSpPr>
               <p:cNvPr id="27" name="TextBox 26">
@@ -3736,6 +3750,7 @@
               </a:bodyPr>
               <a:lstStyle/>
               <a:p>
+                <a:pPr/>
                 <a14:m>
                   <m:oMathPara xmlns:m="http://schemas.openxmlformats.org/officeDocument/2006/math">
                     <m:oMathParaPr>
@@ -3778,7 +3793,7 @@
             </p:txBody>
           </p:sp>
         </mc:Choice>
-        <mc:Fallback>
+        <mc:Fallback xmlns="">
           <p:sp>
             <p:nvSpPr>
               <p:cNvPr id="27" name="TextBox 26">
@@ -3823,8 +3838,8 @@
           </p:sp>
         </mc:Fallback>
       </mc:AlternateContent>
-      <mc:AlternateContent xmlns:mc="http://schemas.openxmlformats.org/markup-compatibility/2006">
-        <mc:Choice xmlns:a14="http://schemas.microsoft.com/office/drawing/2010/main" Requires="a14">
+      <mc:AlternateContent xmlns:mc="http://schemas.openxmlformats.org/markup-compatibility/2006" xmlns:a14="http://schemas.microsoft.com/office/drawing/2010/main">
+        <mc:Choice Requires="a14">
           <p:sp>
             <p:nvSpPr>
               <p:cNvPr id="28" name="TextBox 27">
@@ -3853,6 +3868,7 @@
               </a:bodyPr>
               <a:lstStyle/>
               <a:p>
+                <a:pPr/>
                 <a14:m>
                   <m:oMathPara xmlns:m="http://schemas.openxmlformats.org/officeDocument/2006/math">
                     <m:oMathParaPr>
@@ -3895,7 +3911,7 @@
             </p:txBody>
           </p:sp>
         </mc:Choice>
-        <mc:Fallback>
+        <mc:Fallback xmlns="">
           <p:sp>
             <p:nvSpPr>
               <p:cNvPr id="28" name="TextBox 27">
@@ -3940,8 +3956,8 @@
           </p:sp>
         </mc:Fallback>
       </mc:AlternateContent>
-      <mc:AlternateContent xmlns:mc="http://schemas.openxmlformats.org/markup-compatibility/2006">
-        <mc:Choice xmlns:a14="http://schemas.microsoft.com/office/drawing/2010/main" Requires="a14">
+      <mc:AlternateContent xmlns:mc="http://schemas.openxmlformats.org/markup-compatibility/2006" xmlns:a14="http://schemas.microsoft.com/office/drawing/2010/main">
+        <mc:Choice Requires="a14">
           <p:sp>
             <p:nvSpPr>
               <p:cNvPr id="29" name="TextBox 28">
@@ -3970,6 +3986,7 @@
               </a:bodyPr>
               <a:lstStyle/>
               <a:p>
+                <a:pPr/>
                 <a14:m>
                   <m:oMathPara xmlns:m="http://schemas.openxmlformats.org/officeDocument/2006/math">
                     <m:oMathParaPr>
@@ -4012,7 +4029,7 @@
             </p:txBody>
           </p:sp>
         </mc:Choice>
-        <mc:Fallback>
+        <mc:Fallback xmlns="">
           <p:sp>
             <p:nvSpPr>
               <p:cNvPr id="29" name="TextBox 28">
@@ -4070,7 +4087,1244 @@
 </p:sld>
 </file>
 
+<file path=ppt/slides/slide10.xml><?xml version="1.0" encoding="utf-8"?>
+<p:sld xmlns:a="http://schemas.openxmlformats.org/drawingml/2006/main" xmlns:r="http://schemas.openxmlformats.org/officeDocument/2006/relationships" xmlns:p="http://schemas.openxmlformats.org/presentationml/2006/main">
+  <p:cSld>
+    <p:spTree>
+      <p:nvGrpSpPr>
+        <p:cNvPr id="1" name=""/>
+        <p:cNvGrpSpPr/>
+        <p:nvPr/>
+      </p:nvGrpSpPr>
+      <p:grpSpPr>
+        <a:xfrm>
+          <a:off x="0" y="0"/>
+          <a:ext cx="0" cy="0"/>
+          <a:chOff x="0" y="0"/>
+          <a:chExt cx="0" cy="0"/>
+        </a:xfrm>
+      </p:grpSpPr>
+      <p:pic>
+        <p:nvPicPr>
+          <p:cNvPr id="5" name="Graphic 4">
+            <a:extLst>
+              <a:ext uri="{FF2B5EF4-FFF2-40B4-BE49-F238E27FC236}">
+                <a16:creationId xmlns:a16="http://schemas.microsoft.com/office/drawing/2014/main" id="{49ADD3E6-B873-4FA8-A459-BE516C634EFA}"/>
+              </a:ext>
+            </a:extLst>
+          </p:cNvPr>
+          <p:cNvPicPr>
+            <a:picLocks noChangeAspect="1"/>
+          </p:cNvPicPr>
+          <p:nvPr/>
+        </p:nvPicPr>
+        <p:blipFill>
+          <a:blip r:embed="rId2">
+            <a:extLst>
+              <a:ext uri="{28A0092B-C50C-407E-A947-70E740481C1C}">
+                <a14:useLocalDpi xmlns:a14="http://schemas.microsoft.com/office/drawing/2010/main" val="0"/>
+              </a:ext>
+              <a:ext uri="{96DAC541-7B7A-43D3-8B79-37D633B846F1}">
+                <asvg:svgBlip xmlns:asvg="http://schemas.microsoft.com/office/drawing/2016/SVG/main" r:embed="rId3"/>
+              </a:ext>
+            </a:extLst>
+          </a:blip>
+          <a:stretch>
+            <a:fillRect/>
+          </a:stretch>
+        </p:blipFill>
+        <p:spPr>
+          <a:xfrm>
+            <a:off x="1634909" y="202813"/>
+            <a:ext cx="8922182" cy="6452373"/>
+          </a:xfrm>
+          <a:prstGeom prst="rect">
+            <a:avLst/>
+          </a:prstGeom>
+        </p:spPr>
+      </p:pic>
+      <mc:AlternateContent xmlns:mc="http://schemas.openxmlformats.org/markup-compatibility/2006" xmlns:a14="http://schemas.microsoft.com/office/drawing/2010/main">
+        <mc:Choice Requires="a14">
+          <p:sp>
+            <p:nvSpPr>
+              <p:cNvPr id="7" name="Rectangle 6">
+                <a:extLst>
+                  <a:ext uri="{FF2B5EF4-FFF2-40B4-BE49-F238E27FC236}">
+                    <a16:creationId xmlns:a16="http://schemas.microsoft.com/office/drawing/2014/main" id="{F412C27E-C630-4506-80F5-E9B225C4F1E3}"/>
+                  </a:ext>
+                </a:extLst>
+              </p:cNvPr>
+              <p:cNvSpPr/>
+              <p:nvPr/>
+            </p:nvSpPr>
+            <p:spPr>
+              <a:xfrm>
+                <a:off x="3180080" y="6304279"/>
+                <a:ext cx="6075680" cy="427107"/>
+              </a:xfrm>
+              <a:prstGeom prst="rect">
+                <a:avLst/>
+              </a:prstGeom>
+              <a:solidFill>
+                <a:schemeClr val="bg1"/>
+              </a:solidFill>
+              <a:ln>
+                <a:solidFill>
+                  <a:schemeClr val="bg1"/>
+                </a:solidFill>
+              </a:ln>
+            </p:spPr>
+            <p:style>
+              <a:lnRef idx="2">
+                <a:schemeClr val="accent1">
+                  <a:shade val="50000"/>
+                </a:schemeClr>
+              </a:lnRef>
+              <a:fillRef idx="1">
+                <a:schemeClr val="accent1"/>
+              </a:fillRef>
+              <a:effectRef idx="0">
+                <a:schemeClr val="accent1"/>
+              </a:effectRef>
+              <a:fontRef idx="minor">
+                <a:schemeClr val="lt1"/>
+              </a:fontRef>
+            </p:style>
+            <p:txBody>
+              <a:bodyPr rtlCol="0" anchor="ctr"/>
+              <a:lstStyle/>
+              <a:p>
+                <a:pPr algn="ctr"/>
+                <a:r>
+                  <a:rPr lang="en-CA" dirty="0"/>
+                  <a:t>YX</a:t>
+                </a:r>
+                <a14:m>
+                  <m:oMath xmlns:m="http://schemas.openxmlformats.org/officeDocument/2006/math">
+                    <a:fld id="{825F15A7-03F4-43D7-82C5-3E23DA2F108C}" type="mathplaceholder">
+                      <a:rPr lang="en-CA" i="1" smtClean="0">
+                        <a:latin typeface="Cambria Math" panose="02040503050406030204" pitchFamily="18" charset="0"/>
+                      </a:rPr>
+                      <a:t>Type equation here.</a:t>
+                    </a:fld>
+                  </m:oMath>
+                </a14:m>
+                <a:endParaRPr lang="en-CA" dirty="0"/>
+              </a:p>
+            </p:txBody>
+          </p:sp>
+        </mc:Choice>
+        <mc:Fallback xmlns="">
+          <p:sp>
+            <p:nvSpPr>
+              <p:cNvPr id="7" name="Rectangle 6">
+                <a:extLst>
+                  <a:ext uri="{FF2B5EF4-FFF2-40B4-BE49-F238E27FC236}">
+                    <a16:creationId xmlns:a16="http://schemas.microsoft.com/office/drawing/2014/main" id="{F412C27E-C630-4506-80F5-E9B225C4F1E3}"/>
+                  </a:ext>
+                </a:extLst>
+              </p:cNvPr>
+              <p:cNvSpPr>
+                <a:spLocks noRot="1" noChangeAspect="1" noMove="1" noResize="1" noEditPoints="1" noAdjustHandles="1" noChangeArrowheads="1" noChangeShapeType="1" noTextEdit="1"/>
+              </p:cNvSpPr>
+              <p:nvPr/>
+            </p:nvSpPr>
+            <p:spPr>
+              <a:xfrm>
+                <a:off x="3180080" y="6304279"/>
+                <a:ext cx="6075680" cy="427107"/>
+              </a:xfrm>
+              <a:prstGeom prst="rect">
+                <a:avLst/>
+              </a:prstGeom>
+              <a:blipFill>
+                <a:blip r:embed="rId4"/>
+                <a:stretch>
+                  <a:fillRect b="-13889"/>
+                </a:stretch>
+              </a:blipFill>
+              <a:ln>
+                <a:solidFill>
+                  <a:schemeClr val="bg1"/>
+                </a:solidFill>
+              </a:ln>
+            </p:spPr>
+            <p:txBody>
+              <a:bodyPr/>
+              <a:lstStyle/>
+              <a:p>
+                <a:r>
+                  <a:rPr lang="en-CA">
+                    <a:noFill/>
+                  </a:rPr>
+                  <a:t> </a:t>
+                </a:r>
+              </a:p>
+            </p:txBody>
+          </p:sp>
+        </mc:Fallback>
+      </mc:AlternateContent>
+      <p:sp>
+        <p:nvSpPr>
+          <p:cNvPr id="6" name="Rectangle 5">
+            <a:extLst>
+              <a:ext uri="{FF2B5EF4-FFF2-40B4-BE49-F238E27FC236}">
+                <a16:creationId xmlns:a16="http://schemas.microsoft.com/office/drawing/2014/main" id="{FE51505B-D2A5-4B26-85AA-CA7568A1FAF9}"/>
+              </a:ext>
+            </a:extLst>
+          </p:cNvPr>
+          <p:cNvSpPr/>
+          <p:nvPr/>
+        </p:nvSpPr>
+        <p:spPr>
+          <a:xfrm>
+            <a:off x="2915920" y="202813"/>
+            <a:ext cx="6075680" cy="427107"/>
+          </a:xfrm>
+          <a:prstGeom prst="rect">
+            <a:avLst/>
+          </a:prstGeom>
+          <a:solidFill>
+            <a:schemeClr val="bg1"/>
+          </a:solidFill>
+          <a:ln>
+            <a:solidFill>
+              <a:schemeClr val="bg1"/>
+            </a:solidFill>
+          </a:ln>
+        </p:spPr>
+        <p:style>
+          <a:lnRef idx="2">
+            <a:schemeClr val="accent1">
+              <a:shade val="50000"/>
+            </a:schemeClr>
+          </a:lnRef>
+          <a:fillRef idx="1">
+            <a:schemeClr val="accent1"/>
+          </a:fillRef>
+          <a:effectRef idx="0">
+            <a:schemeClr val="accent1"/>
+          </a:effectRef>
+          <a:fontRef idx="minor">
+            <a:schemeClr val="lt1"/>
+          </a:fontRef>
+        </p:style>
+        <p:txBody>
+          <a:bodyPr rtlCol="0" anchor="ctr"/>
+          <a:lstStyle/>
+          <a:p>
+            <a:pPr algn="ctr"/>
+            <a:endParaRPr lang="en-CA"/>
+          </a:p>
+        </p:txBody>
+      </p:sp>
+      <mc:AlternateContent xmlns:mc="http://schemas.openxmlformats.org/markup-compatibility/2006" xmlns:a14="http://schemas.microsoft.com/office/drawing/2010/main">
+        <mc:Choice Requires="a14">
+          <p:sp>
+            <p:nvSpPr>
+              <p:cNvPr id="9" name="TextBox 8">
+                <a:extLst>
+                  <a:ext uri="{FF2B5EF4-FFF2-40B4-BE49-F238E27FC236}">
+                    <a16:creationId xmlns:a16="http://schemas.microsoft.com/office/drawing/2014/main" id="{FE55B68D-BEF5-462F-A9DD-1A7831B8151C}"/>
+                  </a:ext>
+                </a:extLst>
+              </p:cNvPr>
+              <p:cNvSpPr txBox="1"/>
+              <p:nvPr/>
+            </p:nvSpPr>
+            <p:spPr>
+              <a:xfrm>
+                <a:off x="4636172" y="6300499"/>
+                <a:ext cx="3163495" cy="430887"/>
+              </a:xfrm>
+              <a:prstGeom prst="rect">
+                <a:avLst/>
+              </a:prstGeom>
+              <a:noFill/>
+            </p:spPr>
+            <p:txBody>
+              <a:bodyPr wrap="none" lIns="0" tIns="0" rIns="0" bIns="0" rtlCol="0">
+                <a:spAutoFit/>
+              </a:bodyPr>
+              <a:lstStyle/>
+              <a:p>
+                <a:pPr/>
+                <a14:m>
+                  <m:oMathPara xmlns:m="http://schemas.openxmlformats.org/officeDocument/2006/math">
+                    <m:oMathParaPr>
+                      <m:jc m:val="centerGroup"/>
+                    </m:oMathParaPr>
+                    <m:oMath xmlns:m="http://schemas.openxmlformats.org/officeDocument/2006/math">
+                      <m:r>
+                        <a:rPr lang="en-CA" sz="2800" b="0" i="1" smtClean="0">
+                          <a:latin typeface="Cambria Math" panose="02040503050406030204" pitchFamily="18" charset="0"/>
+                        </a:rPr>
+                        <m:t>𝑌</m:t>
+                      </m:r>
+                      <m:r>
+                        <a:rPr lang="en-CA" sz="2800" b="0" i="0" smtClean="0">
+                          <a:latin typeface="Cambria Math" panose="02040503050406030204" pitchFamily="18" charset="0"/>
+                        </a:rPr>
+                        <m:t> (</m:t>
+                      </m:r>
+                      <m:r>
+                        <m:rPr>
+                          <m:sty m:val="p"/>
+                        </m:rPr>
+                        <a:rPr lang="en-CA" sz="2800" b="0" i="0" smtClean="0">
+                          <a:latin typeface="Cambria Math" panose="02040503050406030204" pitchFamily="18" charset="0"/>
+                        </a:rPr>
+                        <m:t>cm</m:t>
+                      </m:r>
+                      <m:r>
+                        <a:rPr lang="en-CA" sz="2800" b="0" i="0" smtClean="0">
+                          <a:latin typeface="Cambria Math" panose="02040503050406030204" pitchFamily="18" charset="0"/>
+                        </a:rPr>
+                        <m:t> </m:t>
+                      </m:r>
+                      <m:r>
+                        <m:rPr>
+                          <m:sty m:val="p"/>
+                        </m:rPr>
+                        <a:rPr lang="en-CA" sz="2800" b="0" i="0" smtClean="0">
+                          <a:latin typeface="Cambria Math" panose="02040503050406030204" pitchFamily="18" charset="0"/>
+                        </a:rPr>
+                        <m:t>from</m:t>
+                      </m:r>
+                      <m:r>
+                        <a:rPr lang="en-CA" sz="2800" b="0" i="0" smtClean="0">
+                          <a:latin typeface="Cambria Math" panose="02040503050406030204" pitchFamily="18" charset="0"/>
+                        </a:rPr>
+                        <m:t> </m:t>
+                      </m:r>
+                      <m:r>
+                        <m:rPr>
+                          <m:sty m:val="p"/>
+                        </m:rPr>
+                        <a:rPr lang="en-CA" sz="2800" b="0" i="0" smtClean="0">
+                          <a:latin typeface="Cambria Math" panose="02040503050406030204" pitchFamily="18" charset="0"/>
+                        </a:rPr>
+                        <m:t>surface</m:t>
+                      </m:r>
+                      <m:r>
+                        <a:rPr lang="en-CA" sz="2800" b="0" i="0" smtClean="0">
+                          <a:latin typeface="Cambria Math" panose="02040503050406030204" pitchFamily="18" charset="0"/>
+                        </a:rPr>
+                        <m:t>)</m:t>
+                      </m:r>
+                    </m:oMath>
+                  </m:oMathPara>
+                </a14:m>
+                <a:endParaRPr lang="en-CA" dirty="0"/>
+              </a:p>
+            </p:txBody>
+          </p:sp>
+        </mc:Choice>
+        <mc:Fallback xmlns="">
+          <p:sp>
+            <p:nvSpPr>
+              <p:cNvPr id="9" name="TextBox 8">
+                <a:extLst>
+                  <a:ext uri="{FF2B5EF4-FFF2-40B4-BE49-F238E27FC236}">
+                    <a16:creationId xmlns:a16="http://schemas.microsoft.com/office/drawing/2014/main" id="{FE55B68D-BEF5-462F-A9DD-1A7831B8151C}"/>
+                  </a:ext>
+                </a:extLst>
+              </p:cNvPr>
+              <p:cNvSpPr txBox="1">
+                <a:spLocks noRot="1" noChangeAspect="1" noMove="1" noResize="1" noEditPoints="1" noAdjustHandles="1" noChangeArrowheads="1" noChangeShapeType="1" noTextEdit="1"/>
+              </p:cNvSpPr>
+              <p:nvPr/>
+            </p:nvSpPr>
+            <p:spPr>
+              <a:xfrm>
+                <a:off x="4636172" y="6300499"/>
+                <a:ext cx="3163495" cy="430887"/>
+              </a:xfrm>
+              <a:prstGeom prst="rect">
+                <a:avLst/>
+              </a:prstGeom>
+              <a:blipFill>
+                <a:blip r:embed="rId5"/>
+                <a:stretch>
+                  <a:fillRect/>
+                </a:stretch>
+              </a:blipFill>
+            </p:spPr>
+            <p:txBody>
+              <a:bodyPr/>
+              <a:lstStyle/>
+              <a:p>
+                <a:r>
+                  <a:rPr lang="en-CA">
+                    <a:noFill/>
+                  </a:rPr>
+                  <a:t> </a:t>
+                </a:r>
+              </a:p>
+            </p:txBody>
+          </p:sp>
+        </mc:Fallback>
+      </mc:AlternateContent>
+    </p:spTree>
+    <p:extLst>
+      <p:ext uri="{BB962C8B-B14F-4D97-AF65-F5344CB8AC3E}">
+        <p14:creationId xmlns:p14="http://schemas.microsoft.com/office/powerpoint/2010/main" val="3724676130"/>
+      </p:ext>
+    </p:extLst>
+  </p:cSld>
+  <p:clrMapOvr>
+    <a:masterClrMapping/>
+  </p:clrMapOvr>
+</p:sld>
+</file>
+
 <file path=ppt/slides/slide2.xml><?xml version="1.0" encoding="utf-8"?>
+<p:sld xmlns:a="http://schemas.openxmlformats.org/drawingml/2006/main" xmlns:r="http://schemas.openxmlformats.org/officeDocument/2006/relationships" xmlns:p="http://schemas.openxmlformats.org/presentationml/2006/main">
+  <p:cSld>
+    <p:spTree>
+      <p:nvGrpSpPr>
+        <p:cNvPr id="1" name=""/>
+        <p:cNvGrpSpPr/>
+        <p:nvPr/>
+      </p:nvGrpSpPr>
+      <p:grpSpPr>
+        <a:xfrm>
+          <a:off x="0" y="0"/>
+          <a:ext cx="0" cy="0"/>
+          <a:chOff x="0" y="0"/>
+          <a:chExt cx="0" cy="0"/>
+        </a:xfrm>
+      </p:grpSpPr>
+      <mc:AlternateContent xmlns:mc="http://schemas.openxmlformats.org/markup-compatibility/2006">
+        <mc:Choice xmlns:am3d="http://schemas.microsoft.com/office/drawing/2017/model3d" Requires="am3d">
+          <p:graphicFrame>
+            <p:nvGraphicFramePr>
+              <p:cNvPr id="4" name="3D Model 3">
+                <a:extLst>
+                  <a:ext uri="{FF2B5EF4-FFF2-40B4-BE49-F238E27FC236}">
+                    <a16:creationId xmlns:a16="http://schemas.microsoft.com/office/drawing/2014/main" id="{3E592D3E-4600-4A55-8047-D540AB382F96}"/>
+                  </a:ext>
+                </a:extLst>
+              </p:cNvPr>
+              <p:cNvGraphicFramePr>
+                <a:graphicFrameLocks noChangeAspect="1"/>
+              </p:cNvGraphicFramePr>
+              <p:nvPr>
+                <p:extLst>
+                  <p:ext uri="{D42A27DB-BD31-4B8C-83A1-F6EECF244321}">
+                    <p14:modId xmlns:p14="http://schemas.microsoft.com/office/powerpoint/2010/main" val="3695896195"/>
+                  </p:ext>
+                </p:extLst>
+              </p:nvPr>
+            </p:nvGraphicFramePr>
+            <p:xfrm>
+              <a:off x="1753254" y="1632802"/>
+              <a:ext cx="3143026" cy="3699035"/>
+            </p:xfrm>
+            <a:graphic>
+              <a:graphicData uri="http://schemas.microsoft.com/office/drawing/2017/model3d">
+                <am3d:model3d r:embed="rId2">
+                  <am3d:spPr>
+                    <a:xfrm>
+                      <a:off x="0" y="0"/>
+                      <a:ext cx="3143026" cy="3699035"/>
+                    </a:xfrm>
+                    <a:prstGeom prst="rect">
+                      <a:avLst/>
+                    </a:prstGeom>
+                  </am3d:spPr>
+                  <am3d:camera>
+                    <am3d:pos x="0" y="0" z="73418309"/>
+                    <am3d:up dx="0" dy="36000000" dz="0"/>
+                    <am3d:lookAt x="0" y="0" z="0"/>
+                    <am3d:perspective fov="2700000"/>
+                  </am3d:camera>
+                  <am3d:trans>
+                    <am3d:meterPerModelUnit n="8474" d="1000000"/>
+                    <am3d:preTrans dx="-15254237" dy="-18000000" dz="-15254237"/>
+                    <am3d:scale>
+                      <am3d:sx n="1000000" d="1000000"/>
+                      <am3d:sy n="1000000" d="1000000"/>
+                      <am3d:sz n="1000000" d="1000000"/>
+                    </am3d:scale>
+                    <am3d:rot ax="20400000"/>
+                    <am3d:postTrans dx="0" dy="0" dz="0"/>
+                  </am3d:trans>
+                  <am3d:raster rName="Office3DRenderer" rVer="16.0.8326">
+                    <am3d:blip r:embed="rId3"/>
+                  </am3d:raster>
+                  <am3d:objViewport viewportSz="4517316"/>
+                  <am3d:ambientLight>
+                    <am3d:clr>
+                      <a:scrgbClr r="50000" g="50000" b="50000"/>
+                    </am3d:clr>
+                    <am3d:illuminance n="500000" d="1000000"/>
+                  </am3d:ambientLight>
+                  <am3d:ptLight rad="0">
+                    <am3d:clr>
+                      <a:scrgbClr r="100000" g="75000" b="50000"/>
+                    </am3d:clr>
+                    <am3d:intensity n="9765625" d="1000000"/>
+                    <am3d:pos x="21959998" y="70920001" z="16344003"/>
+                  </am3d:ptLight>
+                  <am3d:ptLight rad="0">
+                    <am3d:clr>
+                      <a:scrgbClr r="40000" g="60000" b="95000"/>
+                    </am3d:clr>
+                    <am3d:intensity n="12250000" d="1000000"/>
+                    <am3d:pos x="-37964106" y="51130435" z="57631972"/>
+                  </am3d:ptLight>
+                  <am3d:ptLight rad="0">
+                    <am3d:clr>
+                      <a:scrgbClr r="86837" g="72700" b="100000"/>
+                    </am3d:clr>
+                    <am3d:intensity n="3125000" d="1000000"/>
+                    <am3d:pos x="-37739122" y="58056624" z="-34769649"/>
+                  </am3d:ptLight>
+                </am3d:model3d>
+              </a:graphicData>
+            </a:graphic>
+          </p:graphicFrame>
+        </mc:Choice>
+        <mc:Fallback>
+          <p:pic>
+            <p:nvPicPr>
+              <p:cNvPr id="4" name="3D Model 3">
+                <a:extLst>
+                  <a:ext uri="{FF2B5EF4-FFF2-40B4-BE49-F238E27FC236}">
+                    <a16:creationId xmlns:a16="http://schemas.microsoft.com/office/drawing/2014/main" id="{3E592D3E-4600-4A55-8047-D540AB382F96}"/>
+                  </a:ext>
+                </a:extLst>
+              </p:cNvPr>
+              <p:cNvPicPr>
+                <a:picLocks noGrp="1" noRot="1" noChangeAspect="1" noMove="1" noResize="1" noEditPoints="1" noAdjustHandles="1" noChangeArrowheads="1" noChangeShapeType="1" noCrop="1"/>
+              </p:cNvPicPr>
+              <p:nvPr/>
+            </p:nvPicPr>
+            <p:blipFill>
+              <a:blip r:embed="rId3"/>
+              <a:stretch>
+                <a:fillRect/>
+              </a:stretch>
+            </p:blipFill>
+            <p:spPr>
+              <a:xfrm>
+                <a:off x="1753254" y="1632802"/>
+                <a:ext cx="3143026" cy="3699035"/>
+              </a:xfrm>
+              <a:prstGeom prst="rect">
+                <a:avLst/>
+              </a:prstGeom>
+            </p:spPr>
+          </p:pic>
+        </mc:Fallback>
+      </mc:AlternateContent>
+      <p:cxnSp>
+        <p:nvCxnSpPr>
+          <p:cNvPr id="5" name="Straight Arrow Connector 4">
+            <a:extLst>
+              <a:ext uri="{FF2B5EF4-FFF2-40B4-BE49-F238E27FC236}">
+                <a16:creationId xmlns:a16="http://schemas.microsoft.com/office/drawing/2014/main" id="{71A9769E-A85E-4FAC-8295-2270B0945FB0}"/>
+              </a:ext>
+            </a:extLst>
+          </p:cNvPr>
+          <p:cNvCxnSpPr>
+            <a:cxnSpLocks/>
+          </p:cNvCxnSpPr>
+          <p:nvPr/>
+        </p:nvCxnSpPr>
+        <p:spPr>
+          <a:xfrm>
+            <a:off x="2720585" y="1847994"/>
+            <a:ext cx="2756370" cy="0"/>
+          </a:xfrm>
+          <a:prstGeom prst="straightConnector1">
+            <a:avLst/>
+          </a:prstGeom>
+          <a:ln w="76200">
+            <a:solidFill>
+              <a:schemeClr val="tx1"/>
+            </a:solidFill>
+            <a:tailEnd type="triangle"/>
+          </a:ln>
+        </p:spPr>
+        <p:style>
+          <a:lnRef idx="1">
+            <a:schemeClr val="accent1"/>
+          </a:lnRef>
+          <a:fillRef idx="0">
+            <a:schemeClr val="accent1"/>
+          </a:fillRef>
+          <a:effectRef idx="0">
+            <a:schemeClr val="accent1"/>
+          </a:effectRef>
+          <a:fontRef idx="minor">
+            <a:schemeClr val="tx1"/>
+          </a:fontRef>
+        </p:style>
+      </p:cxnSp>
+      <mc:AlternateContent xmlns:mc="http://schemas.openxmlformats.org/markup-compatibility/2006" xmlns:a14="http://schemas.microsoft.com/office/drawing/2010/main">
+        <mc:Choice Requires="a14">
+          <p:sp>
+            <p:nvSpPr>
+              <p:cNvPr id="6" name="TextBox 5">
+                <a:extLst>
+                  <a:ext uri="{FF2B5EF4-FFF2-40B4-BE49-F238E27FC236}">
+                    <a16:creationId xmlns:a16="http://schemas.microsoft.com/office/drawing/2014/main" id="{46D7C5C1-39EE-4FB9-8511-ECFEE370A910}"/>
+                  </a:ext>
+                </a:extLst>
+              </p:cNvPr>
+              <p:cNvSpPr txBox="1"/>
+              <p:nvPr/>
+            </p:nvSpPr>
+            <p:spPr>
+              <a:xfrm>
+                <a:off x="5452261" y="1431765"/>
+                <a:ext cx="478294" cy="566565"/>
+              </a:xfrm>
+              <a:prstGeom prst="rect">
+                <a:avLst/>
+              </a:prstGeom>
+              <a:noFill/>
+            </p:spPr>
+            <p:txBody>
+              <a:bodyPr wrap="square" lIns="0" tIns="0" rIns="0" bIns="0" rtlCol="0">
+                <a:spAutoFit/>
+              </a:bodyPr>
+              <a:lstStyle/>
+              <a:p>
+                <a:pPr/>
+                <a14:m>
+                  <m:oMathPara xmlns:m="http://schemas.openxmlformats.org/officeDocument/2006/math">
+                    <m:oMathParaPr>
+                      <m:jc m:val="centerGroup"/>
+                    </m:oMathParaPr>
+                    <m:oMath xmlns:m="http://schemas.openxmlformats.org/officeDocument/2006/math">
+                      <m:sSup>
+                        <m:sSupPr>
+                          <m:ctrlPr>
+                            <a:rPr lang="en-CA" sz="3600" b="0" i="1" smtClean="0">
+                              <a:latin typeface="Cambria Math" panose="02040503050406030204" pitchFamily="18" charset="0"/>
+                            </a:rPr>
+                          </m:ctrlPr>
+                        </m:sSupPr>
+                        <m:e>
+                          <m:r>
+                            <a:rPr lang="en-CA" sz="3600" b="0" i="1" smtClean="0">
+                              <a:latin typeface="Cambria Math" panose="02040503050406030204" pitchFamily="18" charset="0"/>
+                            </a:rPr>
+                            <m:t>0</m:t>
+                          </m:r>
+                        </m:e>
+                        <m:sup>
+                          <m:r>
+                            <a:rPr lang="en-CA" sz="3600" b="0" i="1" smtClean="0">
+                              <a:latin typeface="Cambria Math" panose="02040503050406030204" pitchFamily="18" charset="0"/>
+                              <a:ea typeface="Cambria Math" panose="02040503050406030204" pitchFamily="18" charset="0"/>
+                            </a:rPr>
+                            <m:t>°</m:t>
+                          </m:r>
+                        </m:sup>
+                      </m:sSup>
+                    </m:oMath>
+                  </m:oMathPara>
+                </a14:m>
+                <a:endParaRPr lang="en-CA" dirty="0"/>
+              </a:p>
+            </p:txBody>
+          </p:sp>
+        </mc:Choice>
+        <mc:Fallback xmlns="">
+          <p:sp>
+            <p:nvSpPr>
+              <p:cNvPr id="6" name="TextBox 5">
+                <a:extLst>
+                  <a:ext uri="{FF2B5EF4-FFF2-40B4-BE49-F238E27FC236}">
+                    <a16:creationId xmlns:a16="http://schemas.microsoft.com/office/drawing/2014/main" id="{46D7C5C1-39EE-4FB9-8511-ECFEE370A910}"/>
+                  </a:ext>
+                </a:extLst>
+              </p:cNvPr>
+              <p:cNvSpPr txBox="1">
+                <a:spLocks noRot="1" noChangeAspect="1" noMove="1" noResize="1" noEditPoints="1" noAdjustHandles="1" noChangeArrowheads="1" noChangeShapeType="1" noTextEdit="1"/>
+              </p:cNvSpPr>
+              <p:nvPr/>
+            </p:nvSpPr>
+            <p:spPr>
+              <a:xfrm>
+                <a:off x="5452261" y="1431765"/>
+                <a:ext cx="478294" cy="566565"/>
+              </a:xfrm>
+              <a:prstGeom prst="rect">
+                <a:avLst/>
+              </a:prstGeom>
+              <a:blipFill>
+                <a:blip r:embed="rId4"/>
+                <a:stretch>
+                  <a:fillRect/>
+                </a:stretch>
+              </a:blipFill>
+            </p:spPr>
+            <p:txBody>
+              <a:bodyPr/>
+              <a:lstStyle/>
+              <a:p>
+                <a:r>
+                  <a:rPr lang="en-CA">
+                    <a:noFill/>
+                  </a:rPr>
+                  <a:t> </a:t>
+                </a:r>
+              </a:p>
+            </p:txBody>
+          </p:sp>
+        </mc:Fallback>
+      </mc:AlternateContent>
+      <mc:AlternateContent xmlns:mc="http://schemas.openxmlformats.org/markup-compatibility/2006">
+        <mc:Choice xmlns:am3d="http://schemas.microsoft.com/office/drawing/2017/model3d" Requires="am3d">
+          <p:graphicFrame>
+            <p:nvGraphicFramePr>
+              <p:cNvPr id="7" name="3D Model 6">
+                <a:extLst>
+                  <a:ext uri="{FF2B5EF4-FFF2-40B4-BE49-F238E27FC236}">
+                    <a16:creationId xmlns:a16="http://schemas.microsoft.com/office/drawing/2014/main" id="{72E0EB1C-9B66-41AD-87E6-E0F8BF52110A}"/>
+                  </a:ext>
+                </a:extLst>
+              </p:cNvPr>
+              <p:cNvGraphicFramePr>
+                <a:graphicFrameLocks/>
+              </p:cNvGraphicFramePr>
+              <p:nvPr>
+                <p:extLst>
+                  <p:ext uri="{D42A27DB-BD31-4B8C-83A1-F6EECF244321}">
+                    <p14:modId xmlns:p14="http://schemas.microsoft.com/office/powerpoint/2010/main" val="4040606300"/>
+                  </p:ext>
+                </p:extLst>
+              </p:nvPr>
+            </p:nvGraphicFramePr>
+            <p:xfrm>
+              <a:off x="2021994" y="1715048"/>
+              <a:ext cx="2194899" cy="2678910"/>
+            </p:xfrm>
+            <a:graphic>
+              <a:graphicData uri="http://schemas.microsoft.com/office/drawing/2017/model3d">
+                <am3d:model3d r:embed="rId5">
+                  <am3d:spPr>
+                    <a:xfrm>
+                      <a:off x="0" y="0"/>
+                      <a:ext cx="2194899" cy="2678910"/>
+                    </a:xfrm>
+                    <a:prstGeom prst="rect">
+                      <a:avLst/>
+                    </a:prstGeom>
+                  </am3d:spPr>
+                  <am3d:camera>
+                    <am3d:pos x="0" y="0" z="63301643"/>
+                    <am3d:up dx="0" dy="36000000" dz="0"/>
+                    <am3d:lookAt x="0" y="3600000" z="0"/>
+                    <am3d:perspective fov="2293925"/>
+                  </am3d:camera>
+                  <am3d:trans>
+                    <am3d:meterPerModelUnit n="10526" d="1000000"/>
+                    <am3d:preTrans dx="-15347368" dy="-22547367" dz="-22736841"/>
+                    <am3d:scale>
+                      <am3d:sx n="1000000" d="1000000"/>
+                      <am3d:sy n="1000000" d="1000000"/>
+                      <am3d:sz n="1000000" d="1000000"/>
+                    </am3d:scale>
+                    <am3d:rot/>
+                    <am3d:postTrans dx="0" dy="0" dz="0"/>
+                  </am3d:trans>
+                  <am3d:raster rName="Office3DRenderer" rVer="16.0.8326">
+                    <am3d:blip r:embed="rId6"/>
+                  </am3d:raster>
+                  <am3d:winViewport/>
+                  <am3d:ambientLight>
+                    <am3d:clr>
+                      <a:scrgbClr r="50000" g="50000" b="50000"/>
+                    </am3d:clr>
+                    <am3d:illuminance n="500000" d="1000000"/>
+                  </am3d:ambientLight>
+                  <am3d:ptLight rad="0">
+                    <am3d:clr>
+                      <a:scrgbClr r="100000" g="75000" b="50000"/>
+                    </am3d:clr>
+                    <am3d:intensity n="9765625" d="1000000"/>
+                    <am3d:pos x="21959998" y="70920001" z="16344003"/>
+                  </am3d:ptLight>
+                  <am3d:ptLight rad="0">
+                    <am3d:clr>
+                      <a:scrgbClr r="40000" g="60000" b="95000"/>
+                    </am3d:clr>
+                    <am3d:intensity n="12250000" d="1000000"/>
+                    <am3d:pos x="-37964106" y="51130435" z="57631972"/>
+                  </am3d:ptLight>
+                  <am3d:ptLight rad="0">
+                    <am3d:clr>
+                      <a:scrgbClr r="86837" g="72700" b="100000"/>
+                    </am3d:clr>
+                    <am3d:intensity n="3125000" d="1000000"/>
+                    <am3d:pos x="-37739122" y="58056624" z="-34769649"/>
+                  </am3d:ptLight>
+                </am3d:model3d>
+              </a:graphicData>
+            </a:graphic>
+          </p:graphicFrame>
+        </mc:Choice>
+        <mc:Fallback>
+          <p:pic>
+            <p:nvPicPr>
+              <p:cNvPr id="7" name="3D Model 6">
+                <a:extLst>
+                  <a:ext uri="{FF2B5EF4-FFF2-40B4-BE49-F238E27FC236}">
+                    <a16:creationId xmlns:a16="http://schemas.microsoft.com/office/drawing/2014/main" id="{72E0EB1C-9B66-41AD-87E6-E0F8BF52110A}"/>
+                  </a:ext>
+                </a:extLst>
+              </p:cNvPr>
+              <p:cNvPicPr>
+                <a:picLocks noGrp="1" noRot="1" noChangeAspect="1" noMove="1" noResize="1" noEditPoints="1" noAdjustHandles="1" noChangeArrowheads="1" noChangeShapeType="1" noCrop="1"/>
+              </p:cNvPicPr>
+              <p:nvPr/>
+            </p:nvPicPr>
+            <p:blipFill>
+              <a:blip r:embed="rId6"/>
+              <a:stretch>
+                <a:fillRect/>
+              </a:stretch>
+            </p:blipFill>
+            <p:spPr>
+              <a:xfrm>
+                <a:off x="2021994" y="1715048"/>
+                <a:ext cx="2194899" cy="2678910"/>
+              </a:xfrm>
+              <a:prstGeom prst="rect">
+                <a:avLst/>
+              </a:prstGeom>
+            </p:spPr>
+          </p:pic>
+        </mc:Fallback>
+      </mc:AlternateContent>
+      <mc:AlternateContent xmlns:mc="http://schemas.openxmlformats.org/markup-compatibility/2006">
+        <mc:Choice xmlns:am3d="http://schemas.microsoft.com/office/drawing/2017/model3d" Requires="am3d">
+          <p:graphicFrame>
+            <p:nvGraphicFramePr>
+              <p:cNvPr id="13" name="3D Model 12">
+                <a:extLst>
+                  <a:ext uri="{FF2B5EF4-FFF2-40B4-BE49-F238E27FC236}">
+                    <a16:creationId xmlns:a16="http://schemas.microsoft.com/office/drawing/2014/main" id="{6331305C-7074-4B35-A4F6-8CE7E70E875A}"/>
+                  </a:ext>
+                </a:extLst>
+              </p:cNvPr>
+              <p:cNvGraphicFramePr>
+                <a:graphicFrameLocks noChangeAspect="1"/>
+              </p:cNvGraphicFramePr>
+              <p:nvPr>
+                <p:extLst>
+                  <p:ext uri="{D42A27DB-BD31-4B8C-83A1-F6EECF244321}">
+                    <p14:modId xmlns:p14="http://schemas.microsoft.com/office/powerpoint/2010/main" val="1113087246"/>
+                  </p:ext>
+                </p:extLst>
+              </p:nvPr>
+            </p:nvGraphicFramePr>
+            <p:xfrm>
+              <a:off x="6841638" y="1632802"/>
+              <a:ext cx="3143026" cy="3699035"/>
+            </p:xfrm>
+            <a:graphic>
+              <a:graphicData uri="http://schemas.microsoft.com/office/drawing/2017/model3d">
+                <am3d:model3d r:embed="rId2">
+                  <am3d:spPr>
+                    <a:xfrm>
+                      <a:off x="0" y="0"/>
+                      <a:ext cx="3143026" cy="3699035"/>
+                    </a:xfrm>
+                    <a:prstGeom prst="rect">
+                      <a:avLst/>
+                    </a:prstGeom>
+                  </am3d:spPr>
+                  <am3d:camera>
+                    <am3d:pos x="0" y="0" z="73418309"/>
+                    <am3d:up dx="0" dy="36000000" dz="0"/>
+                    <am3d:lookAt x="0" y="0" z="0"/>
+                    <am3d:perspective fov="2700000"/>
+                  </am3d:camera>
+                  <am3d:trans>
+                    <am3d:meterPerModelUnit n="8474" d="1000000"/>
+                    <am3d:preTrans dx="-15254237" dy="-18000000" dz="-15254237"/>
+                    <am3d:scale>
+                      <am3d:sx n="1000000" d="1000000"/>
+                      <am3d:sy n="1000000" d="1000000"/>
+                      <am3d:sz n="1000000" d="1000000"/>
+                    </am3d:scale>
+                    <am3d:rot ax="20400000"/>
+                    <am3d:postTrans dx="0" dy="0" dz="0"/>
+                  </am3d:trans>
+                  <am3d:raster rName="Office3DRenderer" rVer="16.0.8326">
+                    <am3d:blip r:embed="rId3"/>
+                  </am3d:raster>
+                  <am3d:objViewport viewportSz="4517316"/>
+                  <am3d:ambientLight>
+                    <am3d:clr>
+                      <a:scrgbClr r="50000" g="50000" b="50000"/>
+                    </am3d:clr>
+                    <am3d:illuminance n="500000" d="1000000"/>
+                  </am3d:ambientLight>
+                  <am3d:ptLight rad="0">
+                    <am3d:clr>
+                      <a:scrgbClr r="100000" g="75000" b="50000"/>
+                    </am3d:clr>
+                    <am3d:intensity n="9765625" d="1000000"/>
+                    <am3d:pos x="21959998" y="70920001" z="16344003"/>
+                  </am3d:ptLight>
+                  <am3d:ptLight rad="0">
+                    <am3d:clr>
+                      <a:scrgbClr r="40000" g="60000" b="95000"/>
+                    </am3d:clr>
+                    <am3d:intensity n="12250000" d="1000000"/>
+                    <am3d:pos x="-37964106" y="51130435" z="57631972"/>
+                  </am3d:ptLight>
+                  <am3d:ptLight rad="0">
+                    <am3d:clr>
+                      <a:scrgbClr r="86837" g="72700" b="100000"/>
+                    </am3d:clr>
+                    <am3d:intensity n="3125000" d="1000000"/>
+                    <am3d:pos x="-37739122" y="58056624" z="-34769649"/>
+                  </am3d:ptLight>
+                </am3d:model3d>
+              </a:graphicData>
+            </a:graphic>
+          </p:graphicFrame>
+        </mc:Choice>
+        <mc:Fallback>
+          <p:pic>
+            <p:nvPicPr>
+              <p:cNvPr id="13" name="3D Model 12">
+                <a:extLst>
+                  <a:ext uri="{FF2B5EF4-FFF2-40B4-BE49-F238E27FC236}">
+                    <a16:creationId xmlns:a16="http://schemas.microsoft.com/office/drawing/2014/main" id="{6331305C-7074-4B35-A4F6-8CE7E70E875A}"/>
+                  </a:ext>
+                </a:extLst>
+              </p:cNvPr>
+              <p:cNvPicPr>
+                <a:picLocks noGrp="1" noRot="1" noChangeAspect="1" noMove="1" noResize="1" noEditPoints="1" noAdjustHandles="1" noChangeArrowheads="1" noChangeShapeType="1" noCrop="1"/>
+              </p:cNvPicPr>
+              <p:nvPr/>
+            </p:nvPicPr>
+            <p:blipFill>
+              <a:blip r:embed="rId3"/>
+              <a:stretch>
+                <a:fillRect/>
+              </a:stretch>
+            </p:blipFill>
+            <p:spPr>
+              <a:xfrm>
+                <a:off x="6841638" y="1632802"/>
+                <a:ext cx="3143026" cy="3699035"/>
+              </a:xfrm>
+              <a:prstGeom prst="rect">
+                <a:avLst/>
+              </a:prstGeom>
+            </p:spPr>
+          </p:pic>
+        </mc:Fallback>
+      </mc:AlternateContent>
+      <mc:AlternateContent xmlns:mc="http://schemas.openxmlformats.org/markup-compatibility/2006" xmlns:a14="http://schemas.microsoft.com/office/drawing/2010/main">
+        <mc:Choice Requires="a14">
+          <p:sp>
+            <p:nvSpPr>
+              <p:cNvPr id="15" name="TextBox 14">
+                <a:extLst>
+                  <a:ext uri="{FF2B5EF4-FFF2-40B4-BE49-F238E27FC236}">
+                    <a16:creationId xmlns:a16="http://schemas.microsoft.com/office/drawing/2014/main" id="{A3B464A0-22ED-4834-BCD7-4DB22B337A3A}"/>
+                  </a:ext>
+                </a:extLst>
+              </p:cNvPr>
+              <p:cNvSpPr txBox="1"/>
+              <p:nvPr/>
+            </p:nvSpPr>
+            <p:spPr>
+              <a:xfrm>
+                <a:off x="10520742" y="1922475"/>
+                <a:ext cx="478294" cy="566565"/>
+              </a:xfrm>
+              <a:prstGeom prst="rect">
+                <a:avLst/>
+              </a:prstGeom>
+              <a:noFill/>
+            </p:spPr>
+            <p:txBody>
+              <a:bodyPr wrap="square" lIns="0" tIns="0" rIns="0" bIns="0" rtlCol="0">
+                <a:spAutoFit/>
+              </a:bodyPr>
+              <a:lstStyle/>
+              <a:p>
+                <a:pPr/>
+                <a14:m>
+                  <m:oMathPara xmlns:m="http://schemas.openxmlformats.org/officeDocument/2006/math">
+                    <m:oMathParaPr>
+                      <m:jc m:val="centerGroup"/>
+                    </m:oMathParaPr>
+                    <m:oMath xmlns:m="http://schemas.openxmlformats.org/officeDocument/2006/math">
+                      <m:sSup>
+                        <m:sSupPr>
+                          <m:ctrlPr>
+                            <a:rPr lang="en-CA" sz="3600" b="0" i="1" smtClean="0">
+                              <a:latin typeface="Cambria Math" panose="02040503050406030204" pitchFamily="18" charset="0"/>
+                            </a:rPr>
+                          </m:ctrlPr>
+                        </m:sSupPr>
+                        <m:e>
+                          <m:r>
+                            <a:rPr lang="en-CA" sz="3600" b="0" i="1" smtClean="0">
+                              <a:latin typeface="Cambria Math" panose="02040503050406030204" pitchFamily="18" charset="0"/>
+                            </a:rPr>
+                            <m:t>10</m:t>
+                          </m:r>
+                        </m:e>
+                        <m:sup>
+                          <m:r>
+                            <a:rPr lang="en-CA" sz="3600" b="0" i="1" smtClean="0">
+                              <a:latin typeface="Cambria Math" panose="02040503050406030204" pitchFamily="18" charset="0"/>
+                              <a:ea typeface="Cambria Math" panose="02040503050406030204" pitchFamily="18" charset="0"/>
+                            </a:rPr>
+                            <m:t>°</m:t>
+                          </m:r>
+                        </m:sup>
+                      </m:sSup>
+                    </m:oMath>
+                  </m:oMathPara>
+                </a14:m>
+                <a:endParaRPr lang="en-CA" dirty="0"/>
+              </a:p>
+            </p:txBody>
+          </p:sp>
+        </mc:Choice>
+        <mc:Fallback xmlns="">
+          <p:sp>
+            <p:nvSpPr>
+              <p:cNvPr id="15" name="TextBox 14">
+                <a:extLst>
+                  <a:ext uri="{FF2B5EF4-FFF2-40B4-BE49-F238E27FC236}">
+                    <a16:creationId xmlns:a16="http://schemas.microsoft.com/office/drawing/2014/main" id="{A3B464A0-22ED-4834-BCD7-4DB22B337A3A}"/>
+                  </a:ext>
+                </a:extLst>
+              </p:cNvPr>
+              <p:cNvSpPr txBox="1">
+                <a:spLocks noRot="1" noChangeAspect="1" noMove="1" noResize="1" noEditPoints="1" noAdjustHandles="1" noChangeArrowheads="1" noChangeShapeType="1" noTextEdit="1"/>
+              </p:cNvSpPr>
+              <p:nvPr/>
+            </p:nvSpPr>
+            <p:spPr>
+              <a:xfrm>
+                <a:off x="10520742" y="1922475"/>
+                <a:ext cx="478294" cy="566565"/>
+              </a:xfrm>
+              <a:prstGeom prst="rect">
+                <a:avLst/>
+              </a:prstGeom>
+              <a:blipFill>
+                <a:blip r:embed="rId7"/>
+                <a:stretch>
+                  <a:fillRect r="-32051"/>
+                </a:stretch>
+              </a:blipFill>
+            </p:spPr>
+            <p:txBody>
+              <a:bodyPr/>
+              <a:lstStyle/>
+              <a:p>
+                <a:r>
+                  <a:rPr lang="en-CA">
+                    <a:noFill/>
+                  </a:rPr>
+                  <a:t> </a:t>
+                </a:r>
+              </a:p>
+            </p:txBody>
+          </p:sp>
+        </mc:Fallback>
+      </mc:AlternateContent>
+      <mc:AlternateContent xmlns:mc="http://schemas.openxmlformats.org/markup-compatibility/2006">
+        <mc:Choice xmlns:am3d="http://schemas.microsoft.com/office/drawing/2017/model3d" Requires="am3d">
+          <p:graphicFrame>
+            <p:nvGraphicFramePr>
+              <p:cNvPr id="16" name="3D Model 15">
+                <a:extLst>
+                  <a:ext uri="{FF2B5EF4-FFF2-40B4-BE49-F238E27FC236}">
+                    <a16:creationId xmlns:a16="http://schemas.microsoft.com/office/drawing/2014/main" id="{2E9A35B5-B606-45A5-A1FA-105EF062F8AD}"/>
+                  </a:ext>
+                </a:extLst>
+              </p:cNvPr>
+              <p:cNvGraphicFramePr>
+                <a:graphicFrameLocks/>
+              </p:cNvGraphicFramePr>
+              <p:nvPr>
+                <p:extLst>
+                  <p:ext uri="{D42A27DB-BD31-4B8C-83A1-F6EECF244321}">
+                    <p14:modId xmlns:p14="http://schemas.microsoft.com/office/powerpoint/2010/main" val="2827442095"/>
+                  </p:ext>
+                </p:extLst>
+              </p:nvPr>
+            </p:nvGraphicFramePr>
+            <p:xfrm>
+              <a:off x="6949725" y="1715047"/>
+              <a:ext cx="2194899" cy="2678910"/>
+            </p:xfrm>
+            <a:graphic>
+              <a:graphicData uri="http://schemas.microsoft.com/office/drawing/2017/model3d">
+                <am3d:model3d r:embed="rId5">
+                  <am3d:spPr>
+                    <a:xfrm>
+                      <a:off x="0" y="0"/>
+                      <a:ext cx="2194899" cy="2678910"/>
+                    </a:xfrm>
+                    <a:prstGeom prst="rect">
+                      <a:avLst/>
+                    </a:prstGeom>
+                  </am3d:spPr>
+                  <am3d:camera>
+                    <am3d:pos x="0" y="0" z="63301643"/>
+                    <am3d:up dx="0" dy="36000000" dz="0"/>
+                    <am3d:lookAt x="0" y="3600000" z="0"/>
+                    <am3d:perspective fov="2293925"/>
+                  </am3d:camera>
+                  <am3d:trans>
+                    <am3d:meterPerModelUnit n="10526" d="1000000"/>
+                    <am3d:preTrans dx="-15347368" dy="-26147368" dz="-22736841"/>
+                    <am3d:scale>
+                      <am3d:sx n="1000000" d="1000000"/>
+                      <am3d:sy n="1000000" d="1000000"/>
+                      <am3d:sz n="1000000" d="1000000"/>
+                    </am3d:scale>
+                    <am3d:rot ax="-571091" ay="1426178" az="-231981"/>
+                    <am3d:postTrans dx="0" dy="3600000" dz="0"/>
+                  </am3d:trans>
+                  <am3d:raster rName="Office3DRenderer" rVer="16.0.8326">
+                    <am3d:blip r:embed="rId8"/>
+                  </am3d:raster>
+                  <am3d:winViewport/>
+                  <am3d:ambientLight>
+                    <am3d:clr>
+                      <a:scrgbClr r="50000" g="50000" b="50000"/>
+                    </am3d:clr>
+                    <am3d:illuminance n="500000" d="1000000"/>
+                  </am3d:ambientLight>
+                  <am3d:ptLight rad="0">
+                    <am3d:clr>
+                      <a:scrgbClr r="100000" g="75000" b="50000"/>
+                    </am3d:clr>
+                    <am3d:intensity n="9765625" d="1000000"/>
+                    <am3d:pos x="21959998" y="70920001" z="16344003"/>
+                  </am3d:ptLight>
+                  <am3d:ptLight rad="0">
+                    <am3d:clr>
+                      <a:scrgbClr r="40000" g="60000" b="95000"/>
+                    </am3d:clr>
+                    <am3d:intensity n="12250000" d="1000000"/>
+                    <am3d:pos x="-37964106" y="51130435" z="57631972"/>
+                  </am3d:ptLight>
+                  <am3d:ptLight rad="0">
+                    <am3d:clr>
+                      <a:scrgbClr r="86837" g="72700" b="100000"/>
+                    </am3d:clr>
+                    <am3d:intensity n="3125000" d="1000000"/>
+                    <am3d:pos x="-37739122" y="58056624" z="-34769649"/>
+                  </am3d:ptLight>
+                </am3d:model3d>
+              </a:graphicData>
+            </a:graphic>
+          </p:graphicFrame>
+        </mc:Choice>
+        <mc:Fallback>
+          <p:pic>
+            <p:nvPicPr>
+              <p:cNvPr id="16" name="3D Model 15">
+                <a:extLst>
+                  <a:ext uri="{FF2B5EF4-FFF2-40B4-BE49-F238E27FC236}">
+                    <a16:creationId xmlns:a16="http://schemas.microsoft.com/office/drawing/2014/main" id="{2E9A35B5-B606-45A5-A1FA-105EF062F8AD}"/>
+                  </a:ext>
+                </a:extLst>
+              </p:cNvPr>
+              <p:cNvPicPr>
+                <a:picLocks noGrp="1" noRot="1" noChangeAspect="1" noMove="1" noResize="1" noEditPoints="1" noAdjustHandles="1" noChangeArrowheads="1" noChangeShapeType="1" noCrop="1"/>
+              </p:cNvPicPr>
+              <p:nvPr/>
+            </p:nvPicPr>
+            <p:blipFill>
+              <a:blip r:embed="rId8"/>
+              <a:stretch>
+                <a:fillRect/>
+              </a:stretch>
+            </p:blipFill>
+            <p:spPr>
+              <a:xfrm>
+                <a:off x="6949725" y="1715047"/>
+                <a:ext cx="2194899" cy="2678910"/>
+              </a:xfrm>
+              <a:prstGeom prst="rect">
+                <a:avLst/>
+              </a:prstGeom>
+            </p:spPr>
+          </p:pic>
+        </mc:Fallback>
+      </mc:AlternateContent>
+      <p:cxnSp>
+        <p:nvCxnSpPr>
+          <p:cNvPr id="14" name="Straight Arrow Connector 13">
+            <a:extLst>
+              <a:ext uri="{FF2B5EF4-FFF2-40B4-BE49-F238E27FC236}">
+                <a16:creationId xmlns:a16="http://schemas.microsoft.com/office/drawing/2014/main" id="{B9BE8215-A529-49AE-83C2-430EFE06D4F7}"/>
+              </a:ext>
+            </a:extLst>
+          </p:cNvPr>
+          <p:cNvCxnSpPr>
+            <a:cxnSpLocks/>
+          </p:cNvCxnSpPr>
+          <p:nvPr/>
+        </p:nvCxnSpPr>
+        <p:spPr>
+          <a:xfrm>
+            <a:off x="7808969" y="1847994"/>
+            <a:ext cx="2731676" cy="647556"/>
+          </a:xfrm>
+          <a:prstGeom prst="straightConnector1">
+            <a:avLst/>
+          </a:prstGeom>
+          <a:ln w="76200">
+            <a:solidFill>
+              <a:schemeClr val="tx1"/>
+            </a:solidFill>
+            <a:tailEnd type="triangle"/>
+          </a:ln>
+        </p:spPr>
+        <p:style>
+          <a:lnRef idx="1">
+            <a:schemeClr val="accent1"/>
+          </a:lnRef>
+          <a:fillRef idx="0">
+            <a:schemeClr val="accent1"/>
+          </a:fillRef>
+          <a:effectRef idx="0">
+            <a:schemeClr val="accent1"/>
+          </a:effectRef>
+          <a:fontRef idx="minor">
+            <a:schemeClr val="tx1"/>
+          </a:fontRef>
+        </p:style>
+      </p:cxnSp>
+    </p:spTree>
+    <p:extLst>
+      <p:ext uri="{BB962C8B-B14F-4D97-AF65-F5344CB8AC3E}">
+        <p14:creationId xmlns:p14="http://schemas.microsoft.com/office/powerpoint/2010/main" val="2499164760"/>
+      </p:ext>
+    </p:extLst>
+  </p:cSld>
+  <p:clrMapOvr>
+    <a:masterClrMapping/>
+  </p:clrMapOvr>
+</p:sld>
+</file>
+
+<file path=ppt/slides/slide3.xml><?xml version="1.0" encoding="utf-8"?>
 <p:sld xmlns:a="http://schemas.openxmlformats.org/drawingml/2006/main" xmlns:r="http://schemas.openxmlformats.org/officeDocument/2006/relationships" xmlns:p="http://schemas.openxmlformats.org/presentationml/2006/main">
   <p:cSld>
     <p:spTree>
@@ -4125,8 +5379,8 @@
           </a:prstGeom>
         </p:spPr>
       </p:pic>
-      <mc:AlternateContent xmlns:mc="http://schemas.openxmlformats.org/markup-compatibility/2006">
-        <mc:Choice xmlns:a14="http://schemas.microsoft.com/office/drawing/2010/main" Requires="a14">
+      <mc:AlternateContent xmlns:mc="http://schemas.openxmlformats.org/markup-compatibility/2006" xmlns:a14="http://schemas.microsoft.com/office/drawing/2010/main">
+        <mc:Choice Requires="a14">
           <p:sp>
             <p:nvSpPr>
               <p:cNvPr id="8" name="TextBox 7">
@@ -4155,6 +5409,7 @@
               </a:bodyPr>
               <a:lstStyle/>
               <a:p>
+                <a:pPr/>
                 <a14:m>
                   <m:oMathPara xmlns:m="http://schemas.openxmlformats.org/officeDocument/2006/math">
                     <m:oMathParaPr>
@@ -4245,7 +5500,7 @@
             </p:txBody>
           </p:sp>
         </mc:Choice>
-        <mc:Fallback>
+        <mc:Fallback xmlns="">
           <p:sp>
             <p:nvSpPr>
               <p:cNvPr id="8" name="TextBox 7">
@@ -4334,8 +5589,8 @@
           </a:fontRef>
         </p:style>
       </p:cxnSp>
-      <mc:AlternateContent xmlns:mc="http://schemas.openxmlformats.org/markup-compatibility/2006">
-        <mc:Choice xmlns:a14="http://schemas.microsoft.com/office/drawing/2010/main" Requires="a14">
+      <mc:AlternateContent xmlns:mc="http://schemas.openxmlformats.org/markup-compatibility/2006" xmlns:a14="http://schemas.microsoft.com/office/drawing/2010/main">
+        <mc:Choice Requires="a14">
           <p:sp>
             <p:nvSpPr>
               <p:cNvPr id="12" name="TextBox 11">
@@ -4364,6 +5619,7 @@
               </a:bodyPr>
               <a:lstStyle/>
               <a:p>
+                <a:pPr/>
                 <a14:m>
                   <m:oMathPara xmlns:m="http://schemas.openxmlformats.org/officeDocument/2006/math">
                     <m:oMathParaPr>
@@ -4446,7 +5702,7 @@
             </p:txBody>
           </p:sp>
         </mc:Choice>
-        <mc:Fallback>
+        <mc:Fallback xmlns="">
           <p:sp>
             <p:nvSpPr>
               <p:cNvPr id="12" name="TextBox 11">
@@ -4539,6 +5795,4910 @@
     <p:extLst>
       <p:ext uri="{BB962C8B-B14F-4D97-AF65-F5344CB8AC3E}">
         <p14:creationId xmlns:p14="http://schemas.microsoft.com/office/powerpoint/2010/main" val="4079920522"/>
+      </p:ext>
+    </p:extLst>
+  </p:cSld>
+  <p:clrMapOvr>
+    <a:masterClrMapping/>
+  </p:clrMapOvr>
+</p:sld>
+</file>
+
+<file path=ppt/slides/slide4.xml><?xml version="1.0" encoding="utf-8"?>
+<p:sld xmlns:a="http://schemas.openxmlformats.org/drawingml/2006/main" xmlns:r="http://schemas.openxmlformats.org/officeDocument/2006/relationships" xmlns:p="http://schemas.openxmlformats.org/presentationml/2006/main">
+  <p:cSld>
+    <p:spTree>
+      <p:nvGrpSpPr>
+        <p:cNvPr id="1" name=""/>
+        <p:cNvGrpSpPr/>
+        <p:nvPr/>
+      </p:nvGrpSpPr>
+      <p:grpSpPr>
+        <a:xfrm>
+          <a:off x="0" y="0"/>
+          <a:ext cx="0" cy="0"/>
+          <a:chOff x="0" y="0"/>
+          <a:chExt cx="0" cy="0"/>
+        </a:xfrm>
+      </p:grpSpPr>
+      <p:pic>
+        <p:nvPicPr>
+          <p:cNvPr id="4" name="Picture 3">
+            <a:extLst>
+              <a:ext uri="{FF2B5EF4-FFF2-40B4-BE49-F238E27FC236}">
+                <a16:creationId xmlns:a16="http://schemas.microsoft.com/office/drawing/2014/main" id="{B26E02AA-6859-4BA0-BA21-A2F5277CEDAF}"/>
+              </a:ext>
+            </a:extLst>
+          </p:cNvPr>
+          <p:cNvPicPr>
+            <a:picLocks noChangeAspect="1"/>
+          </p:cNvPicPr>
+          <p:nvPr/>
+        </p:nvPicPr>
+        <p:blipFill rotWithShape="1">
+          <a:blip r:embed="rId2"/>
+          <a:srcRect l="5546" t="9028" r="8907" b="63194"/>
+          <a:stretch/>
+        </p:blipFill>
+        <p:spPr>
+          <a:xfrm>
+            <a:off x="695323" y="371474"/>
+            <a:ext cx="10429875" cy="1905001"/>
+          </a:xfrm>
+          <a:prstGeom prst="rect">
+            <a:avLst/>
+          </a:prstGeom>
+        </p:spPr>
+      </p:pic>
+      <p:pic>
+        <p:nvPicPr>
+          <p:cNvPr id="5" name="Picture 4">
+            <a:extLst>
+              <a:ext uri="{FF2B5EF4-FFF2-40B4-BE49-F238E27FC236}">
+                <a16:creationId xmlns:a16="http://schemas.microsoft.com/office/drawing/2014/main" id="{7B84D625-A53A-42AB-B124-1091F8F56158}"/>
+              </a:ext>
+            </a:extLst>
+          </p:cNvPr>
+          <p:cNvPicPr>
+            <a:picLocks noChangeAspect="1"/>
+          </p:cNvPicPr>
+          <p:nvPr/>
+        </p:nvPicPr>
+        <p:blipFill rotWithShape="1">
+          <a:blip r:embed="rId3"/>
+          <a:srcRect l="4921" t="9445" r="8751" b="62777"/>
+          <a:stretch/>
+        </p:blipFill>
+        <p:spPr>
+          <a:xfrm>
+            <a:off x="647699" y="2552700"/>
+            <a:ext cx="10525125" cy="1905001"/>
+          </a:xfrm>
+          <a:prstGeom prst="rect">
+            <a:avLst/>
+          </a:prstGeom>
+        </p:spPr>
+      </p:pic>
+      <p:pic>
+        <p:nvPicPr>
+          <p:cNvPr id="6" name="Picture 5">
+            <a:extLst>
+              <a:ext uri="{FF2B5EF4-FFF2-40B4-BE49-F238E27FC236}">
+                <a16:creationId xmlns:a16="http://schemas.microsoft.com/office/drawing/2014/main" id="{A54B1D15-EAC6-41F8-979F-0C4370794B0A}"/>
+              </a:ext>
+            </a:extLst>
+          </p:cNvPr>
+          <p:cNvPicPr>
+            <a:picLocks noChangeAspect="1"/>
+          </p:cNvPicPr>
+          <p:nvPr/>
+        </p:nvPicPr>
+        <p:blipFill rotWithShape="1">
+          <a:blip r:embed="rId4"/>
+          <a:srcRect l="5312" t="9028" r="8359" b="62778"/>
+          <a:stretch/>
+        </p:blipFill>
+        <p:spPr>
+          <a:xfrm>
+            <a:off x="695325" y="4733926"/>
+            <a:ext cx="10525125" cy="1933576"/>
+          </a:xfrm>
+          <a:prstGeom prst="rect">
+            <a:avLst/>
+          </a:prstGeom>
+        </p:spPr>
+      </p:pic>
+    </p:spTree>
+    <p:extLst>
+      <p:ext uri="{BB962C8B-B14F-4D97-AF65-F5344CB8AC3E}">
+        <p14:creationId xmlns:p14="http://schemas.microsoft.com/office/powerpoint/2010/main" val="3423007448"/>
+      </p:ext>
+    </p:extLst>
+  </p:cSld>
+  <p:clrMapOvr>
+    <a:masterClrMapping/>
+  </p:clrMapOvr>
+</p:sld>
+</file>
+
+<file path=ppt/slides/slide5.xml><?xml version="1.0" encoding="utf-8"?>
+<p:sld xmlns:a="http://schemas.openxmlformats.org/drawingml/2006/main" xmlns:r="http://schemas.openxmlformats.org/officeDocument/2006/relationships" xmlns:p="http://schemas.openxmlformats.org/presentationml/2006/main">
+  <p:cSld>
+    <p:spTree>
+      <p:nvGrpSpPr>
+        <p:cNvPr id="1" name=""/>
+        <p:cNvGrpSpPr/>
+        <p:nvPr/>
+      </p:nvGrpSpPr>
+      <p:grpSpPr>
+        <a:xfrm>
+          <a:off x="0" y="0"/>
+          <a:ext cx="0" cy="0"/>
+          <a:chOff x="0" y="0"/>
+          <a:chExt cx="0" cy="0"/>
+        </a:xfrm>
+      </p:grpSpPr>
+      <p:pic>
+        <p:nvPicPr>
+          <p:cNvPr id="10" name="Picture 9" descr="A screenshot of a cell phone&#10;&#10;Description automatically generated">
+            <a:extLst>
+              <a:ext uri="{FF2B5EF4-FFF2-40B4-BE49-F238E27FC236}">
+                <a16:creationId xmlns:a16="http://schemas.microsoft.com/office/drawing/2014/main" id="{8F014097-4E9A-49F9-87BA-7BFED29C5C70}"/>
+              </a:ext>
+            </a:extLst>
+          </p:cNvPr>
+          <p:cNvPicPr>
+            <a:picLocks noChangeAspect="1"/>
+          </p:cNvPicPr>
+          <p:nvPr/>
+        </p:nvPicPr>
+        <p:blipFill rotWithShape="1">
+          <a:blip r:embed="rId2">
+            <a:extLst>
+              <a:ext uri="{28A0092B-C50C-407E-A947-70E740481C1C}">
+                <a14:useLocalDpi xmlns:a14="http://schemas.microsoft.com/office/drawing/2010/main" val="0"/>
+              </a:ext>
+            </a:extLst>
+          </a:blip>
+          <a:srcRect l="4478" t="7556" r="6756" b="61454"/>
+          <a:stretch/>
+        </p:blipFill>
+        <p:spPr>
+          <a:xfrm>
+            <a:off x="578735" y="3266844"/>
+            <a:ext cx="10822330" cy="1886675"/>
+          </a:xfrm>
+          <a:prstGeom prst="rect">
+            <a:avLst/>
+          </a:prstGeom>
+        </p:spPr>
+      </p:pic>
+      <p:pic>
+        <p:nvPicPr>
+          <p:cNvPr id="12" name="Picture 11" descr="A screenshot of a cell phone&#10;&#10;Description automatically generated">
+            <a:extLst>
+              <a:ext uri="{FF2B5EF4-FFF2-40B4-BE49-F238E27FC236}">
+                <a16:creationId xmlns:a16="http://schemas.microsoft.com/office/drawing/2014/main" id="{1BE50454-847D-4E20-A0A6-169AF3364BE8}"/>
+              </a:ext>
+            </a:extLst>
+          </p:cNvPr>
+          <p:cNvPicPr>
+            <a:picLocks noChangeAspect="1"/>
+          </p:cNvPicPr>
+          <p:nvPr/>
+        </p:nvPicPr>
+        <p:blipFill rotWithShape="1">
+          <a:blip r:embed="rId3">
+            <a:extLst>
+              <a:ext uri="{28A0092B-C50C-407E-A947-70E740481C1C}">
+                <a14:useLocalDpi xmlns:a14="http://schemas.microsoft.com/office/drawing/2010/main" val="0"/>
+              </a:ext>
+            </a:extLst>
+          </a:blip>
+          <a:srcRect l="5127" t="7365" r="6107" b="61645"/>
+          <a:stretch/>
+        </p:blipFill>
+        <p:spPr>
+          <a:xfrm>
+            <a:off x="578735" y="384968"/>
+            <a:ext cx="10822330" cy="1886674"/>
+          </a:xfrm>
+          <a:prstGeom prst="rect">
+            <a:avLst/>
+          </a:prstGeom>
+        </p:spPr>
+      </p:pic>
+      <mc:AlternateContent xmlns:mc="http://schemas.openxmlformats.org/markup-compatibility/2006" xmlns:a14="http://schemas.microsoft.com/office/drawing/2010/main">
+        <mc:Choice Requires="a14">
+          <p:sp>
+            <p:nvSpPr>
+              <p:cNvPr id="14" name="TextBox 13">
+                <a:extLst>
+                  <a:ext uri="{FF2B5EF4-FFF2-40B4-BE49-F238E27FC236}">
+                    <a16:creationId xmlns:a16="http://schemas.microsoft.com/office/drawing/2014/main" id="{65471A70-A7D9-4064-A68F-AE9D84975D41}"/>
+                  </a:ext>
+                </a:extLst>
+              </p:cNvPr>
+              <p:cNvSpPr txBox="1"/>
+              <p:nvPr/>
+            </p:nvSpPr>
+            <p:spPr>
+              <a:xfrm>
+                <a:off x="4568190" y="3282084"/>
+                <a:ext cx="338746" cy="251800"/>
+              </a:xfrm>
+              <a:prstGeom prst="rect">
+                <a:avLst/>
+              </a:prstGeom>
+              <a:noFill/>
+            </p:spPr>
+            <p:txBody>
+              <a:bodyPr wrap="none" lIns="0" tIns="0" rIns="0" bIns="0" rtlCol="0">
+                <a:spAutoFit/>
+              </a:bodyPr>
+              <a:lstStyle/>
+              <a:p>
+                <a:pPr/>
+                <a14:m>
+                  <m:oMathPara xmlns:m="http://schemas.openxmlformats.org/officeDocument/2006/math">
+                    <m:oMathParaPr>
+                      <m:jc m:val="centerGroup"/>
+                    </m:oMathParaPr>
+                    <m:oMath xmlns:m="http://schemas.openxmlformats.org/officeDocument/2006/math">
+                      <m:sSup>
+                        <m:sSupPr>
+                          <m:ctrlPr>
+                            <a:rPr lang="en-CA" sz="1600" b="0" i="1" smtClean="0">
+                              <a:latin typeface="Cambria Math" panose="02040503050406030204" pitchFamily="18" charset="0"/>
+                            </a:rPr>
+                          </m:ctrlPr>
+                        </m:sSupPr>
+                        <m:e>
+                          <m:r>
+                            <a:rPr lang="en-CA" sz="1600" b="0" i="1" smtClean="0">
+                              <a:latin typeface="Cambria Math" panose="02040503050406030204" pitchFamily="18" charset="0"/>
+                            </a:rPr>
+                            <m:t>15</m:t>
+                          </m:r>
+                        </m:e>
+                        <m:sup>
+                          <m:r>
+                            <a:rPr lang="en-CA" sz="1600" b="0" i="1" smtClean="0">
+                              <a:latin typeface="Cambria Math" panose="02040503050406030204" pitchFamily="18" charset="0"/>
+                              <a:ea typeface="Cambria Math" panose="02040503050406030204" pitchFamily="18" charset="0"/>
+                            </a:rPr>
+                            <m:t>°</m:t>
+                          </m:r>
+                        </m:sup>
+                      </m:sSup>
+                    </m:oMath>
+                  </m:oMathPara>
+                </a14:m>
+                <a:endParaRPr lang="en-CA" dirty="0"/>
+              </a:p>
+            </p:txBody>
+          </p:sp>
+        </mc:Choice>
+        <mc:Fallback xmlns="">
+          <p:sp>
+            <p:nvSpPr>
+              <p:cNvPr id="14" name="TextBox 13">
+                <a:extLst>
+                  <a:ext uri="{FF2B5EF4-FFF2-40B4-BE49-F238E27FC236}">
+                    <a16:creationId xmlns:a16="http://schemas.microsoft.com/office/drawing/2014/main" id="{65471A70-A7D9-4064-A68F-AE9D84975D41}"/>
+                  </a:ext>
+                </a:extLst>
+              </p:cNvPr>
+              <p:cNvSpPr txBox="1">
+                <a:spLocks noRot="1" noChangeAspect="1" noMove="1" noResize="1" noEditPoints="1" noAdjustHandles="1" noChangeArrowheads="1" noChangeShapeType="1" noTextEdit="1"/>
+              </p:cNvSpPr>
+              <p:nvPr/>
+            </p:nvSpPr>
+            <p:spPr>
+              <a:xfrm>
+                <a:off x="4568190" y="3282084"/>
+                <a:ext cx="338746" cy="251800"/>
+              </a:xfrm>
+              <a:prstGeom prst="rect">
+                <a:avLst/>
+              </a:prstGeom>
+              <a:blipFill>
+                <a:blip r:embed="rId4"/>
+                <a:stretch>
+                  <a:fillRect l="-14286" r="-3571" b="-4762"/>
+                </a:stretch>
+              </a:blipFill>
+            </p:spPr>
+            <p:txBody>
+              <a:bodyPr/>
+              <a:lstStyle/>
+              <a:p>
+                <a:r>
+                  <a:rPr lang="en-CA">
+                    <a:noFill/>
+                  </a:rPr>
+                  <a:t> </a:t>
+                </a:r>
+              </a:p>
+            </p:txBody>
+          </p:sp>
+        </mc:Fallback>
+      </mc:AlternateContent>
+      <mc:AlternateContent xmlns:mc="http://schemas.openxmlformats.org/markup-compatibility/2006" xmlns:a14="http://schemas.microsoft.com/office/drawing/2010/main">
+        <mc:Choice Requires="a14">
+          <p:sp>
+            <p:nvSpPr>
+              <p:cNvPr id="15" name="TextBox 14">
+                <a:extLst>
+                  <a:ext uri="{FF2B5EF4-FFF2-40B4-BE49-F238E27FC236}">
+                    <a16:creationId xmlns:a16="http://schemas.microsoft.com/office/drawing/2014/main" id="{75034F2D-F4C5-4E2B-9053-B1CE5024FE94}"/>
+                  </a:ext>
+                </a:extLst>
+              </p:cNvPr>
+              <p:cNvSpPr txBox="1"/>
+              <p:nvPr/>
+            </p:nvSpPr>
+            <p:spPr>
+              <a:xfrm>
+                <a:off x="4568190" y="409733"/>
+                <a:ext cx="224933" cy="251800"/>
+              </a:xfrm>
+              <a:prstGeom prst="rect">
+                <a:avLst/>
+              </a:prstGeom>
+              <a:noFill/>
+            </p:spPr>
+            <p:txBody>
+              <a:bodyPr wrap="none" lIns="0" tIns="0" rIns="0" bIns="0" rtlCol="0">
+                <a:spAutoFit/>
+              </a:bodyPr>
+              <a:lstStyle/>
+              <a:p>
+                <a:pPr/>
+                <a14:m>
+                  <m:oMathPara xmlns:m="http://schemas.openxmlformats.org/officeDocument/2006/math">
+                    <m:oMathParaPr>
+                      <m:jc m:val="centerGroup"/>
+                    </m:oMathParaPr>
+                    <m:oMath xmlns:m="http://schemas.openxmlformats.org/officeDocument/2006/math">
+                      <m:sSup>
+                        <m:sSupPr>
+                          <m:ctrlPr>
+                            <a:rPr lang="en-CA" sz="1600" b="0" i="1" smtClean="0">
+                              <a:latin typeface="Cambria Math" panose="02040503050406030204" pitchFamily="18" charset="0"/>
+                            </a:rPr>
+                          </m:ctrlPr>
+                        </m:sSupPr>
+                        <m:e>
+                          <m:r>
+                            <a:rPr lang="en-CA" sz="1600" b="0" i="1" smtClean="0">
+                              <a:latin typeface="Cambria Math" panose="02040503050406030204" pitchFamily="18" charset="0"/>
+                            </a:rPr>
+                            <m:t>0</m:t>
+                          </m:r>
+                        </m:e>
+                        <m:sup>
+                          <m:r>
+                            <a:rPr lang="en-CA" sz="1600" b="0" i="1" smtClean="0">
+                              <a:latin typeface="Cambria Math" panose="02040503050406030204" pitchFamily="18" charset="0"/>
+                              <a:ea typeface="Cambria Math" panose="02040503050406030204" pitchFamily="18" charset="0"/>
+                            </a:rPr>
+                            <m:t>°</m:t>
+                          </m:r>
+                        </m:sup>
+                      </m:sSup>
+                    </m:oMath>
+                  </m:oMathPara>
+                </a14:m>
+                <a:endParaRPr lang="en-CA" dirty="0"/>
+              </a:p>
+            </p:txBody>
+          </p:sp>
+        </mc:Choice>
+        <mc:Fallback xmlns="">
+          <p:sp>
+            <p:nvSpPr>
+              <p:cNvPr id="15" name="TextBox 14">
+                <a:extLst>
+                  <a:ext uri="{FF2B5EF4-FFF2-40B4-BE49-F238E27FC236}">
+                    <a16:creationId xmlns:a16="http://schemas.microsoft.com/office/drawing/2014/main" id="{75034F2D-F4C5-4E2B-9053-B1CE5024FE94}"/>
+                  </a:ext>
+                </a:extLst>
+              </p:cNvPr>
+              <p:cNvSpPr txBox="1">
+                <a:spLocks noRot="1" noChangeAspect="1" noMove="1" noResize="1" noEditPoints="1" noAdjustHandles="1" noChangeArrowheads="1" noChangeShapeType="1" noTextEdit="1"/>
+              </p:cNvSpPr>
+              <p:nvPr/>
+            </p:nvSpPr>
+            <p:spPr>
+              <a:xfrm>
+                <a:off x="4568190" y="409733"/>
+                <a:ext cx="224933" cy="251800"/>
+              </a:xfrm>
+              <a:prstGeom prst="rect">
+                <a:avLst/>
+              </a:prstGeom>
+              <a:blipFill>
+                <a:blip r:embed="rId5"/>
+                <a:stretch>
+                  <a:fillRect l="-18919" r="-8108" b="-4762"/>
+                </a:stretch>
+              </a:blipFill>
+            </p:spPr>
+            <p:txBody>
+              <a:bodyPr/>
+              <a:lstStyle/>
+              <a:p>
+                <a:r>
+                  <a:rPr lang="en-CA">
+                    <a:noFill/>
+                  </a:rPr>
+                  <a:t> </a:t>
+                </a:r>
+              </a:p>
+            </p:txBody>
+          </p:sp>
+        </mc:Fallback>
+      </mc:AlternateContent>
+      <mc:AlternateContent xmlns:mc="http://schemas.openxmlformats.org/markup-compatibility/2006" xmlns:a14="http://schemas.microsoft.com/office/drawing/2010/main">
+        <mc:Choice Requires="a14">
+          <p:sp>
+            <p:nvSpPr>
+              <p:cNvPr id="16" name="TextBox 15">
+                <a:extLst>
+                  <a:ext uri="{FF2B5EF4-FFF2-40B4-BE49-F238E27FC236}">
+                    <a16:creationId xmlns:a16="http://schemas.microsoft.com/office/drawing/2014/main" id="{A6F29997-D716-4DDB-AAF5-C4C7EB812D43}"/>
+                  </a:ext>
+                </a:extLst>
+              </p:cNvPr>
+              <p:cNvSpPr txBox="1"/>
+              <p:nvPr/>
+            </p:nvSpPr>
+            <p:spPr>
+              <a:xfrm>
+                <a:off x="5809488" y="2353744"/>
+                <a:ext cx="933140" cy="276999"/>
+              </a:xfrm>
+              <a:prstGeom prst="rect">
+                <a:avLst/>
+              </a:prstGeom>
+              <a:noFill/>
+            </p:spPr>
+            <p:txBody>
+              <a:bodyPr wrap="none" lIns="0" tIns="0" rIns="0" bIns="0" rtlCol="0">
+                <a:spAutoFit/>
+              </a:bodyPr>
+              <a:lstStyle/>
+              <a:p>
+                <a:pPr/>
+                <a14:m>
+                  <m:oMathPara xmlns:m="http://schemas.openxmlformats.org/officeDocument/2006/math">
+                    <m:oMathParaPr>
+                      <m:jc m:val="centerGroup"/>
+                    </m:oMathParaPr>
+                    <m:oMath xmlns:m="http://schemas.openxmlformats.org/officeDocument/2006/math">
+                      <m:r>
+                        <a:rPr lang="en-CA" b="0" i="1" smtClean="0">
+                          <a:latin typeface="Cambria Math" panose="02040503050406030204" pitchFamily="18" charset="0"/>
+                        </a:rPr>
+                        <m:t>𝑇𝑖𝑚𝑒</m:t>
+                      </m:r>
+                      <m:r>
+                        <a:rPr lang="en-CA" b="0" i="1" smtClean="0">
+                          <a:latin typeface="Cambria Math" panose="02040503050406030204" pitchFamily="18" charset="0"/>
+                        </a:rPr>
+                        <m:t> (</m:t>
+                      </m:r>
+                      <m:r>
+                        <a:rPr lang="en-CA" b="0" i="1" smtClean="0">
+                          <a:latin typeface="Cambria Math" panose="02040503050406030204" pitchFamily="18" charset="0"/>
+                        </a:rPr>
+                        <m:t>𝑠</m:t>
+                      </m:r>
+                      <m:r>
+                        <a:rPr lang="en-CA" b="0" i="1" smtClean="0">
+                          <a:latin typeface="Cambria Math" panose="02040503050406030204" pitchFamily="18" charset="0"/>
+                        </a:rPr>
+                        <m:t>)</m:t>
+                      </m:r>
+                    </m:oMath>
+                  </m:oMathPara>
+                </a14:m>
+                <a:endParaRPr lang="en-CA" dirty="0"/>
+              </a:p>
+            </p:txBody>
+          </p:sp>
+        </mc:Choice>
+        <mc:Fallback xmlns="">
+          <p:sp>
+            <p:nvSpPr>
+              <p:cNvPr id="16" name="TextBox 15">
+                <a:extLst>
+                  <a:ext uri="{FF2B5EF4-FFF2-40B4-BE49-F238E27FC236}">
+                    <a16:creationId xmlns:a16="http://schemas.microsoft.com/office/drawing/2014/main" id="{A6F29997-D716-4DDB-AAF5-C4C7EB812D43}"/>
+                  </a:ext>
+                </a:extLst>
+              </p:cNvPr>
+              <p:cNvSpPr txBox="1">
+                <a:spLocks noRot="1" noChangeAspect="1" noMove="1" noResize="1" noEditPoints="1" noAdjustHandles="1" noChangeArrowheads="1" noChangeShapeType="1" noTextEdit="1"/>
+              </p:cNvSpPr>
+              <p:nvPr/>
+            </p:nvSpPr>
+            <p:spPr>
+              <a:xfrm>
+                <a:off x="5809488" y="2353744"/>
+                <a:ext cx="933140" cy="276999"/>
+              </a:xfrm>
+              <a:prstGeom prst="rect">
+                <a:avLst/>
+              </a:prstGeom>
+              <a:blipFill>
+                <a:blip r:embed="rId6"/>
+                <a:stretch>
+                  <a:fillRect l="-5882" t="-2174" r="-8497" b="-32609"/>
+                </a:stretch>
+              </a:blipFill>
+            </p:spPr>
+            <p:txBody>
+              <a:bodyPr/>
+              <a:lstStyle/>
+              <a:p>
+                <a:r>
+                  <a:rPr lang="en-CA">
+                    <a:noFill/>
+                  </a:rPr>
+                  <a:t> </a:t>
+                </a:r>
+              </a:p>
+            </p:txBody>
+          </p:sp>
+        </mc:Fallback>
+      </mc:AlternateContent>
+      <mc:AlternateContent xmlns:mc="http://schemas.openxmlformats.org/markup-compatibility/2006" xmlns:a14="http://schemas.microsoft.com/office/drawing/2010/main">
+        <mc:Choice Requires="a14">
+          <p:sp>
+            <p:nvSpPr>
+              <p:cNvPr id="17" name="TextBox 16">
+                <a:extLst>
+                  <a:ext uri="{FF2B5EF4-FFF2-40B4-BE49-F238E27FC236}">
+                    <a16:creationId xmlns:a16="http://schemas.microsoft.com/office/drawing/2014/main" id="{045C82BB-A999-4B5D-8292-57F269B90C3E}"/>
+                  </a:ext>
+                </a:extLst>
+              </p:cNvPr>
+              <p:cNvSpPr txBox="1"/>
+              <p:nvPr/>
+            </p:nvSpPr>
+            <p:spPr>
+              <a:xfrm>
+                <a:off x="5809487" y="5166312"/>
+                <a:ext cx="933140" cy="276999"/>
+              </a:xfrm>
+              <a:prstGeom prst="rect">
+                <a:avLst/>
+              </a:prstGeom>
+              <a:noFill/>
+            </p:spPr>
+            <p:txBody>
+              <a:bodyPr wrap="none" lIns="0" tIns="0" rIns="0" bIns="0" rtlCol="0">
+                <a:spAutoFit/>
+              </a:bodyPr>
+              <a:lstStyle/>
+              <a:p>
+                <a:pPr/>
+                <a14:m>
+                  <m:oMathPara xmlns:m="http://schemas.openxmlformats.org/officeDocument/2006/math">
+                    <m:oMathParaPr>
+                      <m:jc m:val="centerGroup"/>
+                    </m:oMathParaPr>
+                    <m:oMath xmlns:m="http://schemas.openxmlformats.org/officeDocument/2006/math">
+                      <m:r>
+                        <a:rPr lang="en-CA" b="0" i="1" smtClean="0">
+                          <a:latin typeface="Cambria Math" panose="02040503050406030204" pitchFamily="18" charset="0"/>
+                        </a:rPr>
+                        <m:t>𝑇𝑖𝑚𝑒</m:t>
+                      </m:r>
+                      <m:r>
+                        <a:rPr lang="en-CA" b="0" i="1" smtClean="0">
+                          <a:latin typeface="Cambria Math" panose="02040503050406030204" pitchFamily="18" charset="0"/>
+                        </a:rPr>
+                        <m:t> (</m:t>
+                      </m:r>
+                      <m:r>
+                        <a:rPr lang="en-CA" b="0" i="1" smtClean="0">
+                          <a:latin typeface="Cambria Math" panose="02040503050406030204" pitchFamily="18" charset="0"/>
+                        </a:rPr>
+                        <m:t>𝑠</m:t>
+                      </m:r>
+                      <m:r>
+                        <a:rPr lang="en-CA" b="0" i="1" smtClean="0">
+                          <a:latin typeface="Cambria Math" panose="02040503050406030204" pitchFamily="18" charset="0"/>
+                        </a:rPr>
+                        <m:t>)</m:t>
+                      </m:r>
+                    </m:oMath>
+                  </m:oMathPara>
+                </a14:m>
+                <a:endParaRPr lang="en-CA" dirty="0"/>
+              </a:p>
+            </p:txBody>
+          </p:sp>
+        </mc:Choice>
+        <mc:Fallback xmlns="">
+          <p:sp>
+            <p:nvSpPr>
+              <p:cNvPr id="17" name="TextBox 16">
+                <a:extLst>
+                  <a:ext uri="{FF2B5EF4-FFF2-40B4-BE49-F238E27FC236}">
+                    <a16:creationId xmlns:a16="http://schemas.microsoft.com/office/drawing/2014/main" id="{045C82BB-A999-4B5D-8292-57F269B90C3E}"/>
+                  </a:ext>
+                </a:extLst>
+              </p:cNvPr>
+              <p:cNvSpPr txBox="1">
+                <a:spLocks noRot="1" noChangeAspect="1" noMove="1" noResize="1" noEditPoints="1" noAdjustHandles="1" noChangeArrowheads="1" noChangeShapeType="1" noTextEdit="1"/>
+              </p:cNvSpPr>
+              <p:nvPr/>
+            </p:nvSpPr>
+            <p:spPr>
+              <a:xfrm>
+                <a:off x="5809487" y="5166312"/>
+                <a:ext cx="933140" cy="276999"/>
+              </a:xfrm>
+              <a:prstGeom prst="rect">
+                <a:avLst/>
+              </a:prstGeom>
+              <a:blipFill>
+                <a:blip r:embed="rId7"/>
+                <a:stretch>
+                  <a:fillRect l="-5882" t="-2174" r="-8497" b="-32609"/>
+                </a:stretch>
+              </a:blipFill>
+            </p:spPr>
+            <p:txBody>
+              <a:bodyPr/>
+              <a:lstStyle/>
+              <a:p>
+                <a:r>
+                  <a:rPr lang="en-CA">
+                    <a:noFill/>
+                  </a:rPr>
+                  <a:t> </a:t>
+                </a:r>
+              </a:p>
+            </p:txBody>
+          </p:sp>
+        </mc:Fallback>
+      </mc:AlternateContent>
+    </p:spTree>
+    <p:extLst>
+      <p:ext uri="{BB962C8B-B14F-4D97-AF65-F5344CB8AC3E}">
+        <p14:creationId xmlns:p14="http://schemas.microsoft.com/office/powerpoint/2010/main" val="2271406361"/>
+      </p:ext>
+    </p:extLst>
+  </p:cSld>
+  <p:clrMapOvr>
+    <a:masterClrMapping/>
+  </p:clrMapOvr>
+</p:sld>
+</file>
+
+<file path=ppt/slides/slide6.xml><?xml version="1.0" encoding="utf-8"?>
+<p:sld xmlns:a="http://schemas.openxmlformats.org/drawingml/2006/main" xmlns:r="http://schemas.openxmlformats.org/officeDocument/2006/relationships" xmlns:p="http://schemas.openxmlformats.org/presentationml/2006/main">
+  <p:cSld>
+    <p:bg>
+      <p:bgPr>
+        <a:solidFill>
+          <a:schemeClr val="bg1"/>
+        </a:solidFill>
+        <a:effectLst/>
+      </p:bgPr>
+    </p:bg>
+    <p:spTree>
+      <p:nvGrpSpPr>
+        <p:cNvPr id="1" name=""/>
+        <p:cNvGrpSpPr/>
+        <p:nvPr/>
+      </p:nvGrpSpPr>
+      <p:grpSpPr>
+        <a:xfrm>
+          <a:off x="0" y="0"/>
+          <a:ext cx="0" cy="0"/>
+          <a:chOff x="0" y="0"/>
+          <a:chExt cx="0" cy="0"/>
+        </a:xfrm>
+      </p:grpSpPr>
+      <p:pic>
+        <p:nvPicPr>
+          <p:cNvPr id="9" name="Content Placeholder 8">
+            <a:extLst>
+              <a:ext uri="{FF2B5EF4-FFF2-40B4-BE49-F238E27FC236}">
+                <a16:creationId xmlns:a16="http://schemas.microsoft.com/office/drawing/2014/main" id="{1C3B9D53-9067-41F3-ACD2-5BB5F0D1DD05}"/>
+              </a:ext>
+            </a:extLst>
+          </p:cNvPr>
+          <p:cNvPicPr>
+            <a:picLocks noGrp="1" noChangeAspect="1"/>
+          </p:cNvPicPr>
+          <p:nvPr>
+            <p:ph idx="1"/>
+          </p:nvPr>
+        </p:nvPicPr>
+        <p:blipFill rotWithShape="1">
+          <a:blip r:embed="rId2">
+            <a:extLst>
+              <a:ext uri="{28A0092B-C50C-407E-A947-70E740481C1C}">
+                <a14:useLocalDpi xmlns:a14="http://schemas.microsoft.com/office/drawing/2010/main" val="0"/>
+              </a:ext>
+              <a:ext uri="{96DAC541-7B7A-43D3-8B79-37D633B846F1}">
+                <asvg:svgBlip xmlns:asvg="http://schemas.microsoft.com/office/drawing/2016/SVG/main" r:embed="rId3"/>
+              </a:ext>
+            </a:extLst>
+          </a:blip>
+          <a:srcRect l="12705" t="12463" r="68203" b="66149"/>
+          <a:stretch/>
+        </p:blipFill>
+        <p:spPr>
+          <a:xfrm>
+            <a:off x="2529840" y="1418539"/>
+            <a:ext cx="7193280" cy="4020921"/>
+          </a:xfrm>
+          <a:prstGeom prst="rect">
+            <a:avLst/>
+          </a:prstGeom>
+        </p:spPr>
+      </p:pic>
+      <mc:AlternateContent xmlns:mc="http://schemas.openxmlformats.org/markup-compatibility/2006" xmlns:a14="http://schemas.microsoft.com/office/drawing/2010/main">
+        <mc:Choice Requires="a14">
+          <p:sp>
+            <p:nvSpPr>
+              <p:cNvPr id="10" name="TextBox 9">
+                <a:extLst>
+                  <a:ext uri="{FF2B5EF4-FFF2-40B4-BE49-F238E27FC236}">
+                    <a16:creationId xmlns:a16="http://schemas.microsoft.com/office/drawing/2014/main" id="{2184E89C-9F77-4A34-A2D9-DB7E19DEE34C}"/>
+                  </a:ext>
+                </a:extLst>
+              </p:cNvPr>
+              <p:cNvSpPr txBox="1"/>
+              <p:nvPr/>
+            </p:nvSpPr>
+            <p:spPr>
+              <a:xfrm>
+                <a:off x="933635" y="3504460"/>
+                <a:ext cx="1138325" cy="430887"/>
+              </a:xfrm>
+              <a:prstGeom prst="rect">
+                <a:avLst/>
+              </a:prstGeom>
+              <a:noFill/>
+            </p:spPr>
+            <p:txBody>
+              <a:bodyPr wrap="none" lIns="0" tIns="0" rIns="0" bIns="0" rtlCol="0">
+                <a:spAutoFit/>
+              </a:bodyPr>
+              <a:lstStyle/>
+              <a:p>
+                <a:pPr/>
+                <a14:m>
+                  <m:oMathPara xmlns:m="http://schemas.openxmlformats.org/officeDocument/2006/math">
+                    <m:oMathParaPr>
+                      <m:jc m:val="centerGroup"/>
+                    </m:oMathParaPr>
+                    <m:oMath xmlns:m="http://schemas.openxmlformats.org/officeDocument/2006/math">
+                      <m:r>
+                        <a:rPr lang="en-CA" sz="2800" b="0" i="1" smtClean="0">
+                          <a:latin typeface="Cambria Math" panose="02040503050406030204" pitchFamily="18" charset="0"/>
+                        </a:rPr>
+                        <m:t>𝑆𝑖𝑔𝑛𝑎𝑙</m:t>
+                      </m:r>
+                    </m:oMath>
+                  </m:oMathPara>
+                </a14:m>
+                <a:endParaRPr lang="en-CA" dirty="0"/>
+              </a:p>
+            </p:txBody>
+          </p:sp>
+        </mc:Choice>
+        <mc:Fallback xmlns="">
+          <p:sp>
+            <p:nvSpPr>
+              <p:cNvPr id="10" name="TextBox 9">
+                <a:extLst>
+                  <a:ext uri="{FF2B5EF4-FFF2-40B4-BE49-F238E27FC236}">
+                    <a16:creationId xmlns:a16="http://schemas.microsoft.com/office/drawing/2014/main" id="{2184E89C-9F77-4A34-A2D9-DB7E19DEE34C}"/>
+                  </a:ext>
+                </a:extLst>
+              </p:cNvPr>
+              <p:cNvSpPr txBox="1">
+                <a:spLocks noRot="1" noChangeAspect="1" noMove="1" noResize="1" noEditPoints="1" noAdjustHandles="1" noChangeArrowheads="1" noChangeShapeType="1" noTextEdit="1"/>
+              </p:cNvSpPr>
+              <p:nvPr/>
+            </p:nvSpPr>
+            <p:spPr>
+              <a:xfrm>
+                <a:off x="933635" y="3504460"/>
+                <a:ext cx="1138325" cy="430887"/>
+              </a:xfrm>
+              <a:prstGeom prst="rect">
+                <a:avLst/>
+              </a:prstGeom>
+              <a:blipFill>
+                <a:blip r:embed="rId4"/>
+                <a:stretch>
+                  <a:fillRect/>
+                </a:stretch>
+              </a:blipFill>
+            </p:spPr>
+            <p:txBody>
+              <a:bodyPr/>
+              <a:lstStyle/>
+              <a:p>
+                <a:r>
+                  <a:rPr lang="en-CA">
+                    <a:noFill/>
+                  </a:rPr>
+                  <a:t> </a:t>
+                </a:r>
+              </a:p>
+            </p:txBody>
+          </p:sp>
+        </mc:Fallback>
+      </mc:AlternateContent>
+      <mc:AlternateContent xmlns:mc="http://schemas.openxmlformats.org/markup-compatibility/2006" xmlns:a14="http://schemas.microsoft.com/office/drawing/2010/main">
+        <mc:Choice Requires="a14">
+          <p:sp>
+            <p:nvSpPr>
+              <p:cNvPr id="13" name="TextBox 12">
+                <a:extLst>
+                  <a:ext uri="{FF2B5EF4-FFF2-40B4-BE49-F238E27FC236}">
+                    <a16:creationId xmlns:a16="http://schemas.microsoft.com/office/drawing/2014/main" id="{AB3A0287-0BCC-4398-88CA-37C565D4A5A2}"/>
+                  </a:ext>
+                </a:extLst>
+              </p:cNvPr>
+              <p:cNvSpPr txBox="1"/>
+              <p:nvPr/>
+            </p:nvSpPr>
+            <p:spPr>
+              <a:xfrm>
+                <a:off x="5409461" y="5734235"/>
+                <a:ext cx="895951" cy="430887"/>
+              </a:xfrm>
+              <a:prstGeom prst="rect">
+                <a:avLst/>
+              </a:prstGeom>
+              <a:noFill/>
+            </p:spPr>
+            <p:txBody>
+              <a:bodyPr wrap="none" lIns="0" tIns="0" rIns="0" bIns="0" rtlCol="0">
+                <a:spAutoFit/>
+              </a:bodyPr>
+              <a:lstStyle/>
+              <a:p>
+                <a:pPr/>
+                <a14:m>
+                  <m:oMathPara xmlns:m="http://schemas.openxmlformats.org/officeDocument/2006/math">
+                    <m:oMathParaPr>
+                      <m:jc m:val="centerGroup"/>
+                    </m:oMathParaPr>
+                    <m:oMath xmlns:m="http://schemas.openxmlformats.org/officeDocument/2006/math">
+                      <m:r>
+                        <a:rPr lang="en-CA" sz="2800" b="0" i="1" smtClean="0">
+                          <a:latin typeface="Cambria Math" panose="02040503050406030204" pitchFamily="18" charset="0"/>
+                        </a:rPr>
+                        <m:t>𝑇𝑖𝑚𝑒</m:t>
+                      </m:r>
+                    </m:oMath>
+                  </m:oMathPara>
+                </a14:m>
+                <a:endParaRPr lang="en-CA" dirty="0"/>
+              </a:p>
+            </p:txBody>
+          </p:sp>
+        </mc:Choice>
+        <mc:Fallback xmlns="">
+          <p:sp>
+            <p:nvSpPr>
+              <p:cNvPr id="13" name="TextBox 12">
+                <a:extLst>
+                  <a:ext uri="{FF2B5EF4-FFF2-40B4-BE49-F238E27FC236}">
+                    <a16:creationId xmlns:a16="http://schemas.microsoft.com/office/drawing/2014/main" id="{AB3A0287-0BCC-4398-88CA-37C565D4A5A2}"/>
+                  </a:ext>
+                </a:extLst>
+              </p:cNvPr>
+              <p:cNvSpPr txBox="1">
+                <a:spLocks noRot="1" noChangeAspect="1" noMove="1" noResize="1" noEditPoints="1" noAdjustHandles="1" noChangeArrowheads="1" noChangeShapeType="1" noTextEdit="1"/>
+              </p:cNvSpPr>
+              <p:nvPr/>
+            </p:nvSpPr>
+            <p:spPr>
+              <a:xfrm>
+                <a:off x="5409461" y="5734235"/>
+                <a:ext cx="895951" cy="430887"/>
+              </a:xfrm>
+              <a:prstGeom prst="rect">
+                <a:avLst/>
+              </a:prstGeom>
+              <a:blipFill>
+                <a:blip r:embed="rId5"/>
+                <a:stretch>
+                  <a:fillRect/>
+                </a:stretch>
+              </a:blipFill>
+            </p:spPr>
+            <p:txBody>
+              <a:bodyPr/>
+              <a:lstStyle/>
+              <a:p>
+                <a:r>
+                  <a:rPr lang="en-CA">
+                    <a:noFill/>
+                  </a:rPr>
+                  <a:t> </a:t>
+                </a:r>
+              </a:p>
+            </p:txBody>
+          </p:sp>
+        </mc:Fallback>
+      </mc:AlternateContent>
+      <p:cxnSp>
+        <p:nvCxnSpPr>
+          <p:cNvPr id="12" name="Straight Arrow Connector 11">
+            <a:extLst>
+              <a:ext uri="{FF2B5EF4-FFF2-40B4-BE49-F238E27FC236}">
+                <a16:creationId xmlns:a16="http://schemas.microsoft.com/office/drawing/2014/main" id="{64E3BC8F-D068-4C3A-BC5A-1B8F5A2B2A49}"/>
+              </a:ext>
+            </a:extLst>
+          </p:cNvPr>
+          <p:cNvCxnSpPr/>
+          <p:nvPr/>
+        </p:nvCxnSpPr>
+        <p:spPr>
+          <a:xfrm flipV="1">
+            <a:off x="2529840" y="523783"/>
+            <a:ext cx="0" cy="4915677"/>
+          </a:xfrm>
+          <a:prstGeom prst="straightConnector1">
+            <a:avLst/>
+          </a:prstGeom>
+          <a:ln w="38100">
+            <a:tailEnd type="triangle"/>
+          </a:ln>
+        </p:spPr>
+        <p:style>
+          <a:lnRef idx="1">
+            <a:schemeClr val="dk1"/>
+          </a:lnRef>
+          <a:fillRef idx="0">
+            <a:schemeClr val="dk1"/>
+          </a:fillRef>
+          <a:effectRef idx="0">
+            <a:schemeClr val="dk1"/>
+          </a:effectRef>
+          <a:fontRef idx="minor">
+            <a:schemeClr val="tx1"/>
+          </a:fontRef>
+        </p:style>
+      </p:cxnSp>
+      <p:cxnSp>
+        <p:nvCxnSpPr>
+          <p:cNvPr id="17" name="Straight Arrow Connector 16">
+            <a:extLst>
+              <a:ext uri="{FF2B5EF4-FFF2-40B4-BE49-F238E27FC236}">
+                <a16:creationId xmlns:a16="http://schemas.microsoft.com/office/drawing/2014/main" id="{63E66D00-9D43-43FF-98BD-FB9011472263}"/>
+              </a:ext>
+            </a:extLst>
+          </p:cNvPr>
+          <p:cNvCxnSpPr>
+            <a:cxnSpLocks/>
+          </p:cNvCxnSpPr>
+          <p:nvPr/>
+        </p:nvCxnSpPr>
+        <p:spPr>
+          <a:xfrm flipV="1">
+            <a:off x="2529840" y="5442253"/>
+            <a:ext cx="7367282" cy="1"/>
+          </a:xfrm>
+          <a:prstGeom prst="straightConnector1">
+            <a:avLst/>
+          </a:prstGeom>
+          <a:ln w="38100">
+            <a:tailEnd type="triangle"/>
+          </a:ln>
+        </p:spPr>
+        <p:style>
+          <a:lnRef idx="1">
+            <a:schemeClr val="dk1"/>
+          </a:lnRef>
+          <a:fillRef idx="0">
+            <a:schemeClr val="dk1"/>
+          </a:fillRef>
+          <a:effectRef idx="0">
+            <a:schemeClr val="dk1"/>
+          </a:effectRef>
+          <a:fontRef idx="minor">
+            <a:schemeClr val="tx1"/>
+          </a:fontRef>
+        </p:style>
+      </p:cxnSp>
+      <p:cxnSp>
+        <p:nvCxnSpPr>
+          <p:cNvPr id="23" name="Straight Arrow Connector 22">
+            <a:extLst>
+              <a:ext uri="{FF2B5EF4-FFF2-40B4-BE49-F238E27FC236}">
+                <a16:creationId xmlns:a16="http://schemas.microsoft.com/office/drawing/2014/main" id="{CF94330E-C430-4AC5-9F77-8561D30ADCFA}"/>
+              </a:ext>
+            </a:extLst>
+          </p:cNvPr>
+          <p:cNvCxnSpPr>
+            <a:cxnSpLocks/>
+          </p:cNvCxnSpPr>
+          <p:nvPr/>
+        </p:nvCxnSpPr>
+        <p:spPr>
+          <a:xfrm flipH="1">
+            <a:off x="6213482" y="2210540"/>
+            <a:ext cx="737734" cy="1447060"/>
+          </a:xfrm>
+          <a:prstGeom prst="straightConnector1">
+            <a:avLst/>
+          </a:prstGeom>
+          <a:ln w="76200">
+            <a:solidFill>
+              <a:schemeClr val="tx1"/>
+            </a:solidFill>
+            <a:prstDash val="solid"/>
+            <a:tailEnd type="triangle"/>
+          </a:ln>
+        </p:spPr>
+        <p:style>
+          <a:lnRef idx="1">
+            <a:schemeClr val="accent1"/>
+          </a:lnRef>
+          <a:fillRef idx="0">
+            <a:schemeClr val="accent1"/>
+          </a:fillRef>
+          <a:effectRef idx="0">
+            <a:schemeClr val="accent1"/>
+          </a:effectRef>
+          <a:fontRef idx="minor">
+            <a:schemeClr val="tx1"/>
+          </a:fontRef>
+        </p:style>
+      </p:cxnSp>
+      <p:sp>
+        <p:nvSpPr>
+          <p:cNvPr id="26" name="TextBox 25">
+            <a:extLst>
+              <a:ext uri="{FF2B5EF4-FFF2-40B4-BE49-F238E27FC236}">
+                <a16:creationId xmlns:a16="http://schemas.microsoft.com/office/drawing/2014/main" id="{7B1E3206-65D7-457D-9DEC-B71A074A04C4}"/>
+              </a:ext>
+            </a:extLst>
+          </p:cNvPr>
+          <p:cNvSpPr txBox="1"/>
+          <p:nvPr/>
+        </p:nvSpPr>
+        <p:spPr>
+          <a:xfrm>
+            <a:off x="6951215" y="1660124"/>
+            <a:ext cx="2432481" cy="584775"/>
+          </a:xfrm>
+          <a:prstGeom prst="rect">
+            <a:avLst/>
+          </a:prstGeom>
+          <a:noFill/>
+        </p:spPr>
+        <p:txBody>
+          <a:bodyPr wrap="square" rtlCol="0">
+            <a:spAutoFit/>
+          </a:bodyPr>
+          <a:lstStyle/>
+          <a:p>
+            <a:r>
+              <a:rPr lang="en-CA" sz="3200" dirty="0">
+                <a:latin typeface="+mj-lt"/>
+              </a:rPr>
+              <a:t>Peak splitting</a:t>
+            </a:r>
+          </a:p>
+        </p:txBody>
+      </p:sp>
+    </p:spTree>
+    <p:extLst>
+      <p:ext uri="{BB962C8B-B14F-4D97-AF65-F5344CB8AC3E}">
+        <p14:creationId xmlns:p14="http://schemas.microsoft.com/office/powerpoint/2010/main" val="1164120712"/>
+      </p:ext>
+    </p:extLst>
+  </p:cSld>
+  <p:clrMapOvr>
+    <a:masterClrMapping/>
+  </p:clrMapOvr>
+</p:sld>
+</file>
+
+<file path=ppt/slides/slide7.xml><?xml version="1.0" encoding="utf-8"?>
+<p:sld xmlns:a="http://schemas.openxmlformats.org/drawingml/2006/main" xmlns:r="http://schemas.openxmlformats.org/officeDocument/2006/relationships" xmlns:p="http://schemas.openxmlformats.org/presentationml/2006/main">
+  <p:cSld>
+    <p:spTree>
+      <p:nvGrpSpPr>
+        <p:cNvPr id="1" name=""/>
+        <p:cNvGrpSpPr/>
+        <p:nvPr/>
+      </p:nvGrpSpPr>
+      <p:grpSpPr>
+        <a:xfrm>
+          <a:off x="0" y="0"/>
+          <a:ext cx="0" cy="0"/>
+          <a:chOff x="0" y="0"/>
+          <a:chExt cx="0" cy="0"/>
+        </a:xfrm>
+      </p:grpSpPr>
+      <p:sp>
+        <p:nvSpPr>
+          <p:cNvPr id="4" name="Rectangle 3">
+            <a:extLst>
+              <a:ext uri="{FF2B5EF4-FFF2-40B4-BE49-F238E27FC236}">
+                <a16:creationId xmlns:a16="http://schemas.microsoft.com/office/drawing/2014/main" id="{49EDBC8D-6A44-48AA-AE4C-EF2F20358B26}"/>
+              </a:ext>
+            </a:extLst>
+          </p:cNvPr>
+          <p:cNvSpPr/>
+          <p:nvPr/>
+        </p:nvSpPr>
+        <p:spPr>
+          <a:xfrm rot="676548">
+            <a:off x="2147104" y="2354170"/>
+            <a:ext cx="7432159" cy="2238784"/>
+          </a:xfrm>
+          <a:prstGeom prst="rect">
+            <a:avLst/>
+          </a:prstGeom>
+          <a:solidFill>
+            <a:schemeClr val="tx1">
+              <a:lumMod val="50000"/>
+              <a:lumOff val="50000"/>
+            </a:schemeClr>
+          </a:solidFill>
+          <a:ln w="38100">
+            <a:solidFill>
+              <a:schemeClr val="tx1"/>
+            </a:solidFill>
+          </a:ln>
+        </p:spPr>
+        <p:style>
+          <a:lnRef idx="2">
+            <a:schemeClr val="accent1">
+              <a:shade val="50000"/>
+            </a:schemeClr>
+          </a:lnRef>
+          <a:fillRef idx="1">
+            <a:schemeClr val="accent1"/>
+          </a:fillRef>
+          <a:effectRef idx="0">
+            <a:schemeClr val="accent1"/>
+          </a:effectRef>
+          <a:fontRef idx="minor">
+            <a:schemeClr val="lt1"/>
+          </a:fontRef>
+        </p:style>
+        <p:txBody>
+          <a:bodyPr rtlCol="0" anchor="ctr"/>
+          <a:lstStyle/>
+          <a:p>
+            <a:pPr algn="ctr"/>
+            <a:endParaRPr lang="en-CA" dirty="0"/>
+          </a:p>
+        </p:txBody>
+      </p:sp>
+      <mc:AlternateContent xmlns:mc="http://schemas.openxmlformats.org/markup-compatibility/2006" xmlns:a14="http://schemas.microsoft.com/office/drawing/2010/main">
+        <mc:Choice Requires="a14">
+          <p:sp>
+            <p:nvSpPr>
+              <p:cNvPr id="5" name="Rectangle 4">
+                <a:extLst>
+                  <a:ext uri="{FF2B5EF4-FFF2-40B4-BE49-F238E27FC236}">
+                    <a16:creationId xmlns:a16="http://schemas.microsoft.com/office/drawing/2014/main" id="{3FA68361-FC62-4254-A068-986742602058}"/>
+                  </a:ext>
+                </a:extLst>
+              </p:cNvPr>
+              <p:cNvSpPr/>
+              <p:nvPr/>
+            </p:nvSpPr>
+            <p:spPr>
+              <a:xfrm>
+                <a:off x="1929618" y="490025"/>
+                <a:ext cx="9237785" cy="1910861"/>
+              </a:xfrm>
+              <a:prstGeom prst="rect">
+                <a:avLst/>
+              </a:prstGeom>
+              <a:solidFill>
+                <a:schemeClr val="bg1"/>
+              </a:solidFill>
+              <a:ln>
+                <a:solidFill>
+                  <a:schemeClr val="bg1"/>
+                </a:solidFill>
+              </a:ln>
+            </p:spPr>
+            <p:style>
+              <a:lnRef idx="2">
+                <a:schemeClr val="accent1">
+                  <a:shade val="50000"/>
+                </a:schemeClr>
+              </a:lnRef>
+              <a:fillRef idx="1">
+                <a:schemeClr val="accent1"/>
+              </a:fillRef>
+              <a:effectRef idx="0">
+                <a:schemeClr val="accent1"/>
+              </a:effectRef>
+              <a:fontRef idx="minor">
+                <a:schemeClr val="lt1"/>
+              </a:fontRef>
+            </p:style>
+            <p:txBody>
+              <a:bodyPr rtlCol="0" anchor="ctr"/>
+              <a:lstStyle/>
+              <a:p>
+                <a:pPr algn="ctr"/>
+                <a14:m>
+                  <m:oMathPara xmlns:m="http://schemas.openxmlformats.org/officeDocument/2006/math">
+                    <m:oMathParaPr>
+                      <m:jc m:val="centerGroup"/>
+                    </m:oMathParaPr>
+                    <m:oMath xmlns:m="http://schemas.openxmlformats.org/officeDocument/2006/math">
+                      <m:sSub>
+                        <m:sSubPr>
+                          <m:ctrlPr>
+                            <a:rPr lang="en-CA" b="0" i="1" smtClean="0">
+                              <a:latin typeface="Cambria Math" panose="02040503050406030204" pitchFamily="18" charset="0"/>
+                            </a:rPr>
+                          </m:ctrlPr>
+                        </m:sSubPr>
+                        <m:e>
+                          <m:r>
+                            <a:rPr lang="en-CA" b="0" i="1" smtClean="0">
+                              <a:latin typeface="Cambria Math" panose="02040503050406030204" pitchFamily="18" charset="0"/>
+                            </a:rPr>
+                            <m:t>𝐺</m:t>
+                          </m:r>
+                        </m:e>
+                        <m:sub>
+                          <m:r>
+                            <a:rPr lang="en-CA" b="0" i="1" smtClean="0">
+                              <a:latin typeface="Cambria Math" panose="02040503050406030204" pitchFamily="18" charset="0"/>
+                            </a:rPr>
+                            <m:t>𝑧</m:t>
+                          </m:r>
+                        </m:sub>
+                      </m:sSub>
+                      <m:r>
+                        <a:rPr lang="en-CA" b="0" i="1" smtClean="0">
+                          <a:latin typeface="Cambria Math" panose="02040503050406030204" pitchFamily="18" charset="0"/>
+                        </a:rPr>
+                        <m:t>=150 </m:t>
+                      </m:r>
+                      <m:r>
+                        <a:rPr lang="en-CA" b="0" i="1" smtClean="0">
+                          <a:latin typeface="Cambria Math" panose="02040503050406030204" pitchFamily="18" charset="0"/>
+                        </a:rPr>
+                        <m:t>𝐺</m:t>
+                      </m:r>
+                      <m:r>
+                        <a:rPr lang="en-CA" b="0" i="1" smtClean="0">
+                          <a:latin typeface="Cambria Math" panose="02040503050406030204" pitchFamily="18" charset="0"/>
+                        </a:rPr>
+                        <m:t>/</m:t>
+                      </m:r>
+                      <m:r>
+                        <a:rPr lang="en-CA" b="0" i="1" smtClean="0">
+                          <a:latin typeface="Cambria Math" panose="02040503050406030204" pitchFamily="18" charset="0"/>
+                        </a:rPr>
+                        <m:t>𝑚</m:t>
+                      </m:r>
+                    </m:oMath>
+                  </m:oMathPara>
+                </a14:m>
+                <a:endParaRPr lang="en-CA" dirty="0"/>
+              </a:p>
+            </p:txBody>
+          </p:sp>
+        </mc:Choice>
+        <mc:Fallback xmlns="">
+          <p:sp>
+            <p:nvSpPr>
+              <p:cNvPr id="5" name="Rectangle 4">
+                <a:extLst>
+                  <a:ext uri="{FF2B5EF4-FFF2-40B4-BE49-F238E27FC236}">
+                    <a16:creationId xmlns:a16="http://schemas.microsoft.com/office/drawing/2014/main" id="{3FA68361-FC62-4254-A068-986742602058}"/>
+                  </a:ext>
+                </a:extLst>
+              </p:cNvPr>
+              <p:cNvSpPr>
+                <a:spLocks noRot="1" noChangeAspect="1" noMove="1" noResize="1" noEditPoints="1" noAdjustHandles="1" noChangeArrowheads="1" noChangeShapeType="1" noTextEdit="1"/>
+              </p:cNvSpPr>
+              <p:nvPr/>
+            </p:nvSpPr>
+            <p:spPr>
+              <a:xfrm>
+                <a:off x="1929618" y="490025"/>
+                <a:ext cx="9237785" cy="1910861"/>
+              </a:xfrm>
+              <a:prstGeom prst="rect">
+                <a:avLst/>
+              </a:prstGeom>
+              <a:blipFill>
+                <a:blip r:embed="rId2"/>
+                <a:stretch>
+                  <a:fillRect/>
+                </a:stretch>
+              </a:blipFill>
+              <a:ln>
+                <a:solidFill>
+                  <a:schemeClr val="bg1"/>
+                </a:solidFill>
+              </a:ln>
+            </p:spPr>
+            <p:txBody>
+              <a:bodyPr/>
+              <a:lstStyle/>
+              <a:p>
+                <a:r>
+                  <a:rPr lang="en-CA">
+                    <a:noFill/>
+                  </a:rPr>
+                  <a:t> </a:t>
+                </a:r>
+              </a:p>
+            </p:txBody>
+          </p:sp>
+        </mc:Fallback>
+      </mc:AlternateContent>
+      <mc:AlternateContent xmlns:mc="http://schemas.openxmlformats.org/markup-compatibility/2006" xmlns:a14="http://schemas.microsoft.com/office/drawing/2010/main">
+        <mc:Choice Requires="a14">
+          <p:sp>
+            <p:nvSpPr>
+              <p:cNvPr id="6" name="Rectangle 5">
+                <a:extLst>
+                  <a:ext uri="{FF2B5EF4-FFF2-40B4-BE49-F238E27FC236}">
+                    <a16:creationId xmlns:a16="http://schemas.microsoft.com/office/drawing/2014/main" id="{2B0D0C40-44F0-448F-B119-F5E85AB5CF41}"/>
+                  </a:ext>
+                </a:extLst>
+              </p:cNvPr>
+              <p:cNvSpPr/>
+              <p:nvPr/>
+            </p:nvSpPr>
+            <p:spPr>
+              <a:xfrm>
+                <a:off x="1929617" y="4487595"/>
+                <a:ext cx="9237785" cy="1910861"/>
+              </a:xfrm>
+              <a:prstGeom prst="rect">
+                <a:avLst/>
+              </a:prstGeom>
+              <a:solidFill>
+                <a:schemeClr val="bg1"/>
+              </a:solidFill>
+              <a:ln>
+                <a:solidFill>
+                  <a:schemeClr val="bg1"/>
+                </a:solidFill>
+              </a:ln>
+            </p:spPr>
+            <p:style>
+              <a:lnRef idx="2">
+                <a:schemeClr val="accent1">
+                  <a:shade val="50000"/>
+                </a:schemeClr>
+              </a:lnRef>
+              <a:fillRef idx="1">
+                <a:schemeClr val="accent1"/>
+              </a:fillRef>
+              <a:effectRef idx="0">
+                <a:schemeClr val="accent1"/>
+              </a:effectRef>
+              <a:fontRef idx="minor">
+                <a:schemeClr val="lt1"/>
+              </a:fontRef>
+            </p:style>
+            <p:txBody>
+              <a:bodyPr rtlCol="0" anchor="ctr"/>
+              <a:lstStyle/>
+              <a:p>
+                <a:pPr algn="ctr"/>
+                <a14:m>
+                  <m:oMathPara xmlns:m="http://schemas.openxmlformats.org/officeDocument/2006/math">
+                    <m:oMathParaPr>
+                      <m:jc m:val="centerGroup"/>
+                    </m:oMathParaPr>
+                    <m:oMath xmlns:m="http://schemas.openxmlformats.org/officeDocument/2006/math">
+                      <a:fld id="{825F15A7-03F4-43D7-82C5-3E23DA2F108C}" type="mathplaceholder">
+                        <a:rPr lang="en-CA" i="1" smtClean="0">
+                          <a:latin typeface="Cambria Math" panose="02040503050406030204" pitchFamily="18" charset="0"/>
+                        </a:rPr>
+                        <a:t>Type equation here.</a:t>
+                      </a:fld>
+                    </m:oMath>
+                  </m:oMathPara>
+                </a14:m>
+                <a:endParaRPr lang="en-CA" dirty="0"/>
+              </a:p>
+            </p:txBody>
+          </p:sp>
+        </mc:Choice>
+        <mc:Fallback xmlns="">
+          <p:sp>
+            <p:nvSpPr>
+              <p:cNvPr id="6" name="Rectangle 5">
+                <a:extLst>
+                  <a:ext uri="{FF2B5EF4-FFF2-40B4-BE49-F238E27FC236}">
+                    <a16:creationId xmlns:a16="http://schemas.microsoft.com/office/drawing/2014/main" id="{2B0D0C40-44F0-448F-B119-F5E85AB5CF41}"/>
+                  </a:ext>
+                </a:extLst>
+              </p:cNvPr>
+              <p:cNvSpPr>
+                <a:spLocks noRot="1" noChangeAspect="1" noMove="1" noResize="1" noEditPoints="1" noAdjustHandles="1" noChangeArrowheads="1" noChangeShapeType="1" noTextEdit="1"/>
+              </p:cNvSpPr>
+              <p:nvPr/>
+            </p:nvSpPr>
+            <p:spPr>
+              <a:xfrm>
+                <a:off x="1929617" y="4487595"/>
+                <a:ext cx="9237785" cy="1910861"/>
+              </a:xfrm>
+              <a:prstGeom prst="rect">
+                <a:avLst/>
+              </a:prstGeom>
+              <a:blipFill>
+                <a:blip r:embed="rId2"/>
+                <a:stretch>
+                  <a:fillRect/>
+                </a:stretch>
+              </a:blipFill>
+              <a:ln>
+                <a:solidFill>
+                  <a:schemeClr val="bg1"/>
+                </a:solidFill>
+              </a:ln>
+            </p:spPr>
+            <p:txBody>
+              <a:bodyPr/>
+              <a:lstStyle/>
+              <a:p>
+                <a:r>
+                  <a:rPr lang="en-CA">
+                    <a:noFill/>
+                  </a:rPr>
+                  <a:t> </a:t>
+                </a:r>
+              </a:p>
+            </p:txBody>
+          </p:sp>
+        </mc:Fallback>
+      </mc:AlternateContent>
+      <p:sp>
+        <p:nvSpPr>
+          <p:cNvPr id="7" name="Rectangle 6">
+            <a:extLst>
+              <a:ext uri="{FF2B5EF4-FFF2-40B4-BE49-F238E27FC236}">
+                <a16:creationId xmlns:a16="http://schemas.microsoft.com/office/drawing/2014/main" id="{E964187F-AE42-4125-B26A-F294322B59F9}"/>
+              </a:ext>
+            </a:extLst>
+          </p:cNvPr>
+          <p:cNvSpPr/>
+          <p:nvPr/>
+        </p:nvSpPr>
+        <p:spPr>
+          <a:xfrm rot="5400000">
+            <a:off x="-2024462" y="2400887"/>
+            <a:ext cx="9237785" cy="1910861"/>
+          </a:xfrm>
+          <a:prstGeom prst="rect">
+            <a:avLst/>
+          </a:prstGeom>
+          <a:solidFill>
+            <a:schemeClr val="bg1"/>
+          </a:solidFill>
+          <a:ln>
+            <a:solidFill>
+              <a:schemeClr val="bg1"/>
+            </a:solidFill>
+          </a:ln>
+        </p:spPr>
+        <p:style>
+          <a:lnRef idx="2">
+            <a:schemeClr val="accent1">
+              <a:shade val="50000"/>
+            </a:schemeClr>
+          </a:lnRef>
+          <a:fillRef idx="1">
+            <a:schemeClr val="accent1"/>
+          </a:fillRef>
+          <a:effectRef idx="0">
+            <a:schemeClr val="accent1"/>
+          </a:effectRef>
+          <a:fontRef idx="minor">
+            <a:schemeClr val="lt1"/>
+          </a:fontRef>
+        </p:style>
+        <p:txBody>
+          <a:bodyPr rtlCol="0" anchor="ctr"/>
+          <a:lstStyle/>
+          <a:p>
+            <a:pPr algn="ctr"/>
+            <a:r>
+              <a:rPr lang="en-CA" dirty="0"/>
+              <a:t>c</a:t>
+            </a:r>
+          </a:p>
+        </p:txBody>
+      </p:sp>
+      <p:sp>
+        <p:nvSpPr>
+          <p:cNvPr id="8" name="Rectangle 7">
+            <a:extLst>
+              <a:ext uri="{FF2B5EF4-FFF2-40B4-BE49-F238E27FC236}">
+                <a16:creationId xmlns:a16="http://schemas.microsoft.com/office/drawing/2014/main" id="{3084870B-7389-4A9A-912C-0341EBBF42F0}"/>
+              </a:ext>
+            </a:extLst>
+          </p:cNvPr>
+          <p:cNvSpPr/>
+          <p:nvPr/>
+        </p:nvSpPr>
+        <p:spPr>
+          <a:xfrm rot="5400000">
+            <a:off x="5206975" y="2271933"/>
+            <a:ext cx="9237785" cy="1910861"/>
+          </a:xfrm>
+          <a:prstGeom prst="rect">
+            <a:avLst/>
+          </a:prstGeom>
+          <a:solidFill>
+            <a:schemeClr val="bg1"/>
+          </a:solidFill>
+          <a:ln>
+            <a:solidFill>
+              <a:schemeClr val="bg1"/>
+            </a:solidFill>
+          </a:ln>
+        </p:spPr>
+        <p:style>
+          <a:lnRef idx="2">
+            <a:schemeClr val="accent1">
+              <a:shade val="50000"/>
+            </a:schemeClr>
+          </a:lnRef>
+          <a:fillRef idx="1">
+            <a:schemeClr val="accent1"/>
+          </a:fillRef>
+          <a:effectRef idx="0">
+            <a:schemeClr val="accent1"/>
+          </a:effectRef>
+          <a:fontRef idx="minor">
+            <a:schemeClr val="lt1"/>
+          </a:fontRef>
+        </p:style>
+        <p:txBody>
+          <a:bodyPr rtlCol="0" anchor="ctr"/>
+          <a:lstStyle/>
+          <a:p>
+            <a:pPr algn="ctr"/>
+            <a:endParaRPr lang="en-CA"/>
+          </a:p>
+        </p:txBody>
+      </p:sp>
+      <p:cxnSp>
+        <p:nvCxnSpPr>
+          <p:cNvPr id="10" name="Straight Arrow Connector 9">
+            <a:extLst>
+              <a:ext uri="{FF2B5EF4-FFF2-40B4-BE49-F238E27FC236}">
+                <a16:creationId xmlns:a16="http://schemas.microsoft.com/office/drawing/2014/main" id="{FE4AAE13-8767-46BA-AA97-6BFA0A752741}"/>
+              </a:ext>
+            </a:extLst>
+          </p:cNvPr>
+          <p:cNvCxnSpPr/>
+          <p:nvPr/>
+        </p:nvCxnSpPr>
+        <p:spPr>
+          <a:xfrm>
+            <a:off x="3549862" y="2107809"/>
+            <a:ext cx="5320575" cy="0"/>
+          </a:xfrm>
+          <a:prstGeom prst="straightConnector1">
+            <a:avLst/>
+          </a:prstGeom>
+          <a:ln w="76200">
+            <a:solidFill>
+              <a:schemeClr val="tx1"/>
+            </a:solidFill>
+            <a:headEnd type="triangle"/>
+            <a:tailEnd type="triangle"/>
+          </a:ln>
+        </p:spPr>
+        <p:style>
+          <a:lnRef idx="1">
+            <a:schemeClr val="accent1"/>
+          </a:lnRef>
+          <a:fillRef idx="0">
+            <a:schemeClr val="accent1"/>
+          </a:fillRef>
+          <a:effectRef idx="0">
+            <a:schemeClr val="accent1"/>
+          </a:effectRef>
+          <a:fontRef idx="minor">
+            <a:schemeClr val="tx1"/>
+          </a:fontRef>
+        </p:style>
+      </p:cxnSp>
+      <p:sp>
+        <p:nvSpPr>
+          <p:cNvPr id="12" name="Rectangle 11">
+            <a:extLst>
+              <a:ext uri="{FF2B5EF4-FFF2-40B4-BE49-F238E27FC236}">
+                <a16:creationId xmlns:a16="http://schemas.microsoft.com/office/drawing/2014/main" id="{B5543E78-93A7-4A09-B1E8-8DA99E21A5A5}"/>
+              </a:ext>
+            </a:extLst>
+          </p:cNvPr>
+          <p:cNvSpPr/>
+          <p:nvPr/>
+        </p:nvSpPr>
+        <p:spPr>
+          <a:xfrm rot="5400000">
+            <a:off x="5890698" y="696066"/>
+            <a:ext cx="644962" cy="2511949"/>
+          </a:xfrm>
+          <a:prstGeom prst="rect">
+            <a:avLst/>
+          </a:prstGeom>
+          <a:solidFill>
+            <a:schemeClr val="bg1"/>
+          </a:solidFill>
+          <a:ln>
+            <a:solidFill>
+              <a:schemeClr val="bg1"/>
+            </a:solidFill>
+          </a:ln>
+        </p:spPr>
+        <p:style>
+          <a:lnRef idx="2">
+            <a:schemeClr val="accent1">
+              <a:shade val="50000"/>
+            </a:schemeClr>
+          </a:lnRef>
+          <a:fillRef idx="1">
+            <a:schemeClr val="accent1"/>
+          </a:fillRef>
+          <a:effectRef idx="0">
+            <a:schemeClr val="accent1"/>
+          </a:effectRef>
+          <a:fontRef idx="minor">
+            <a:schemeClr val="lt1"/>
+          </a:fontRef>
+        </p:style>
+        <p:txBody>
+          <a:bodyPr rtlCol="0" anchor="ctr"/>
+          <a:lstStyle/>
+          <a:p>
+            <a:pPr algn="ctr"/>
+            <a:endParaRPr lang="en-CA"/>
+          </a:p>
+        </p:txBody>
+      </p:sp>
+      <p:sp>
+        <p:nvSpPr>
+          <p:cNvPr id="11" name="TextBox 10">
+            <a:extLst>
+              <a:ext uri="{FF2B5EF4-FFF2-40B4-BE49-F238E27FC236}">
+                <a16:creationId xmlns:a16="http://schemas.microsoft.com/office/drawing/2014/main" id="{1ACF3CF2-0BE7-4C04-B5CF-D59958CF8E12}"/>
+              </a:ext>
+            </a:extLst>
+          </p:cNvPr>
+          <p:cNvSpPr txBox="1"/>
+          <p:nvPr/>
+        </p:nvSpPr>
+        <p:spPr>
+          <a:xfrm>
+            <a:off x="5113849" y="1539112"/>
+            <a:ext cx="2140792" cy="861774"/>
+          </a:xfrm>
+          <a:prstGeom prst="rect">
+            <a:avLst/>
+          </a:prstGeom>
+          <a:noFill/>
+        </p:spPr>
+        <p:txBody>
+          <a:bodyPr wrap="square" rtlCol="0">
+            <a:spAutoFit/>
+          </a:bodyPr>
+          <a:lstStyle/>
+          <a:p>
+            <a:pPr algn="ctr"/>
+            <a:r>
+              <a:rPr lang="en-CA" sz="2500" dirty="0">
+                <a:latin typeface="+mj-lt"/>
+              </a:rPr>
+              <a:t>Length of coil</a:t>
+            </a:r>
+          </a:p>
+          <a:p>
+            <a:pPr algn="ctr"/>
+            <a:r>
+              <a:rPr lang="en-CA" sz="2500" dirty="0">
+                <a:latin typeface="+mj-lt"/>
+              </a:rPr>
+              <a:t>22mm</a:t>
+            </a:r>
+          </a:p>
+        </p:txBody>
+      </p:sp>
+      <p:cxnSp>
+        <p:nvCxnSpPr>
+          <p:cNvPr id="14" name="Straight Connector 13">
+            <a:extLst>
+              <a:ext uri="{FF2B5EF4-FFF2-40B4-BE49-F238E27FC236}">
+                <a16:creationId xmlns:a16="http://schemas.microsoft.com/office/drawing/2014/main" id="{108380F2-A635-42B8-8465-76E4D8F1FFE4}"/>
+              </a:ext>
+            </a:extLst>
+          </p:cNvPr>
+          <p:cNvCxnSpPr>
+            <a:cxnSpLocks/>
+          </p:cNvCxnSpPr>
+          <p:nvPr/>
+        </p:nvCxnSpPr>
+        <p:spPr>
+          <a:xfrm>
+            <a:off x="4125675" y="3108034"/>
+            <a:ext cx="2237909" cy="406343"/>
+          </a:xfrm>
+          <a:prstGeom prst="line">
+            <a:avLst/>
+          </a:prstGeom>
+          <a:ln w="57150">
+            <a:solidFill>
+              <a:schemeClr val="tx1"/>
+            </a:solidFill>
+          </a:ln>
+        </p:spPr>
+        <p:style>
+          <a:lnRef idx="1">
+            <a:schemeClr val="accent1"/>
+          </a:lnRef>
+          <a:fillRef idx="0">
+            <a:schemeClr val="accent1"/>
+          </a:fillRef>
+          <a:effectRef idx="0">
+            <a:schemeClr val="accent1"/>
+          </a:effectRef>
+          <a:fontRef idx="minor">
+            <a:schemeClr val="tx1"/>
+          </a:fontRef>
+        </p:style>
+      </p:cxnSp>
+      <p:cxnSp>
+        <p:nvCxnSpPr>
+          <p:cNvPr id="21" name="Straight Connector 20">
+            <a:extLst>
+              <a:ext uri="{FF2B5EF4-FFF2-40B4-BE49-F238E27FC236}">
+                <a16:creationId xmlns:a16="http://schemas.microsoft.com/office/drawing/2014/main" id="{7965EAF4-DF5E-44F8-B0B8-9474E8DF7903}"/>
+              </a:ext>
+            </a:extLst>
+          </p:cNvPr>
+          <p:cNvCxnSpPr>
+            <a:cxnSpLocks/>
+          </p:cNvCxnSpPr>
+          <p:nvPr/>
+        </p:nvCxnSpPr>
+        <p:spPr>
+          <a:xfrm>
+            <a:off x="3994580" y="3526504"/>
+            <a:ext cx="2369004" cy="0"/>
+          </a:xfrm>
+          <a:prstGeom prst="line">
+            <a:avLst/>
+          </a:prstGeom>
+          <a:ln w="57150">
+            <a:solidFill>
+              <a:schemeClr val="tx1"/>
+            </a:solidFill>
+          </a:ln>
+        </p:spPr>
+        <p:style>
+          <a:lnRef idx="1">
+            <a:schemeClr val="accent1"/>
+          </a:lnRef>
+          <a:fillRef idx="0">
+            <a:schemeClr val="accent1"/>
+          </a:fillRef>
+          <a:effectRef idx="0">
+            <a:schemeClr val="accent1"/>
+          </a:effectRef>
+          <a:fontRef idx="minor">
+            <a:schemeClr val="tx1"/>
+          </a:fontRef>
+        </p:style>
+      </p:cxnSp>
+      <p:sp>
+        <p:nvSpPr>
+          <p:cNvPr id="25" name="Arc 24">
+            <a:extLst>
+              <a:ext uri="{FF2B5EF4-FFF2-40B4-BE49-F238E27FC236}">
+                <a16:creationId xmlns:a16="http://schemas.microsoft.com/office/drawing/2014/main" id="{59EC7E25-466A-4116-AD80-3188E7E98129}"/>
+              </a:ext>
+            </a:extLst>
+          </p:cNvPr>
+          <p:cNvSpPr/>
+          <p:nvPr/>
+        </p:nvSpPr>
+        <p:spPr>
+          <a:xfrm rot="15040412">
+            <a:off x="4741958" y="3052758"/>
+            <a:ext cx="847400" cy="723502"/>
+          </a:xfrm>
+          <a:prstGeom prst="arc">
+            <a:avLst>
+              <a:gd name="adj1" fmla="val 16200000"/>
+              <a:gd name="adj2" fmla="val 18970508"/>
+            </a:avLst>
+          </a:prstGeom>
+          <a:ln w="57150">
+            <a:solidFill>
+              <a:schemeClr val="tx1"/>
+            </a:solidFill>
+          </a:ln>
+        </p:spPr>
+        <p:style>
+          <a:lnRef idx="1">
+            <a:schemeClr val="accent1"/>
+          </a:lnRef>
+          <a:fillRef idx="0">
+            <a:schemeClr val="accent1"/>
+          </a:fillRef>
+          <a:effectRef idx="0">
+            <a:schemeClr val="accent1"/>
+          </a:effectRef>
+          <a:fontRef idx="minor">
+            <a:schemeClr val="tx1"/>
+          </a:fontRef>
+        </p:style>
+        <p:txBody>
+          <a:bodyPr rtlCol="0" anchor="ctr"/>
+          <a:lstStyle/>
+          <a:p>
+            <a:pPr algn="ctr"/>
+            <a:endParaRPr lang="en-CA"/>
+          </a:p>
+        </p:txBody>
+      </p:sp>
+      <mc:AlternateContent xmlns:mc="http://schemas.openxmlformats.org/markup-compatibility/2006" xmlns:a14="http://schemas.microsoft.com/office/drawing/2010/main">
+        <mc:Choice Requires="a14">
+          <p:sp>
+            <p:nvSpPr>
+              <p:cNvPr id="26" name="TextBox 25">
+                <a:extLst>
+                  <a:ext uri="{FF2B5EF4-FFF2-40B4-BE49-F238E27FC236}">
+                    <a16:creationId xmlns:a16="http://schemas.microsoft.com/office/drawing/2014/main" id="{7E3966F9-32F1-498E-9942-D243A9609746}"/>
+                  </a:ext>
+                </a:extLst>
+              </p:cNvPr>
+              <p:cNvSpPr txBox="1"/>
+              <p:nvPr/>
+            </p:nvSpPr>
+            <p:spPr>
+              <a:xfrm>
+                <a:off x="4125675" y="3234398"/>
+                <a:ext cx="381450" cy="283219"/>
+              </a:xfrm>
+              <a:prstGeom prst="rect">
+                <a:avLst/>
+              </a:prstGeom>
+              <a:noFill/>
+            </p:spPr>
+            <p:txBody>
+              <a:bodyPr wrap="none" lIns="0" tIns="0" rIns="0" bIns="0" rtlCol="0">
+                <a:spAutoFit/>
+              </a:bodyPr>
+              <a:lstStyle/>
+              <a:p>
+                <a:pPr/>
+                <a14:m>
+                  <m:oMathPara xmlns:m="http://schemas.openxmlformats.org/officeDocument/2006/math">
+                    <m:oMathParaPr>
+                      <m:jc m:val="centerGroup"/>
+                    </m:oMathParaPr>
+                    <m:oMath xmlns:m="http://schemas.openxmlformats.org/officeDocument/2006/math">
+                      <m:sSup>
+                        <m:sSupPr>
+                          <m:ctrlPr>
+                            <a:rPr lang="en-CA" b="0" i="1" smtClean="0">
+                              <a:latin typeface="Cambria Math" panose="02040503050406030204" pitchFamily="18" charset="0"/>
+                            </a:rPr>
+                          </m:ctrlPr>
+                        </m:sSupPr>
+                        <m:e>
+                          <m:r>
+                            <a:rPr lang="en-CA" b="0" i="1" smtClean="0">
+                              <a:latin typeface="Cambria Math" panose="02040503050406030204" pitchFamily="18" charset="0"/>
+                            </a:rPr>
+                            <m:t>10</m:t>
+                          </m:r>
+                        </m:e>
+                        <m:sup>
+                          <m:r>
+                            <a:rPr lang="en-CA" b="0" i="1" smtClean="0">
+                              <a:latin typeface="Cambria Math" panose="02040503050406030204" pitchFamily="18" charset="0"/>
+                              <a:ea typeface="Cambria Math" panose="02040503050406030204" pitchFamily="18" charset="0"/>
+                            </a:rPr>
+                            <m:t>°</m:t>
+                          </m:r>
+                        </m:sup>
+                      </m:sSup>
+                    </m:oMath>
+                  </m:oMathPara>
+                </a14:m>
+                <a:endParaRPr lang="en-CA" dirty="0"/>
+              </a:p>
+            </p:txBody>
+          </p:sp>
+        </mc:Choice>
+        <mc:Fallback xmlns="">
+          <p:sp>
+            <p:nvSpPr>
+              <p:cNvPr id="26" name="TextBox 25">
+                <a:extLst>
+                  <a:ext uri="{FF2B5EF4-FFF2-40B4-BE49-F238E27FC236}">
+                    <a16:creationId xmlns:a16="http://schemas.microsoft.com/office/drawing/2014/main" id="{7E3966F9-32F1-498E-9942-D243A9609746}"/>
+                  </a:ext>
+                </a:extLst>
+              </p:cNvPr>
+              <p:cNvSpPr txBox="1">
+                <a:spLocks noRot="1" noChangeAspect="1" noMove="1" noResize="1" noEditPoints="1" noAdjustHandles="1" noChangeArrowheads="1" noChangeShapeType="1" noTextEdit="1"/>
+              </p:cNvSpPr>
+              <p:nvPr/>
+            </p:nvSpPr>
+            <p:spPr>
+              <a:xfrm>
+                <a:off x="4125675" y="3234398"/>
+                <a:ext cx="381450" cy="283219"/>
+              </a:xfrm>
+              <a:prstGeom prst="rect">
+                <a:avLst/>
+              </a:prstGeom>
+              <a:blipFill>
+                <a:blip r:embed="rId3"/>
+                <a:stretch>
+                  <a:fillRect l="-14516" t="-6522" r="-8065" b="-6522"/>
+                </a:stretch>
+              </a:blipFill>
+            </p:spPr>
+            <p:txBody>
+              <a:bodyPr/>
+              <a:lstStyle/>
+              <a:p>
+                <a:r>
+                  <a:rPr lang="en-CA">
+                    <a:noFill/>
+                  </a:rPr>
+                  <a:t> </a:t>
+                </a:r>
+              </a:p>
+            </p:txBody>
+          </p:sp>
+        </mc:Fallback>
+      </mc:AlternateContent>
+      <p:sp>
+        <p:nvSpPr>
+          <p:cNvPr id="30" name="TextBox 29">
+            <a:extLst>
+              <a:ext uri="{FF2B5EF4-FFF2-40B4-BE49-F238E27FC236}">
+                <a16:creationId xmlns:a16="http://schemas.microsoft.com/office/drawing/2014/main" id="{45FE4616-7A69-49F9-977F-A2A66BEE2672}"/>
+              </a:ext>
+            </a:extLst>
+          </p:cNvPr>
+          <p:cNvSpPr txBox="1"/>
+          <p:nvPr/>
+        </p:nvSpPr>
+        <p:spPr>
+          <a:xfrm>
+            <a:off x="1194282" y="3011059"/>
+            <a:ext cx="968267" cy="477054"/>
+          </a:xfrm>
+          <a:prstGeom prst="rect">
+            <a:avLst/>
+          </a:prstGeom>
+          <a:noFill/>
+        </p:spPr>
+        <p:txBody>
+          <a:bodyPr wrap="square" rtlCol="0">
+            <a:spAutoFit/>
+          </a:bodyPr>
+          <a:lstStyle/>
+          <a:p>
+            <a:r>
+              <a:rPr lang="en-CA" sz="2500" dirty="0">
+                <a:latin typeface="+mj-lt"/>
+              </a:rPr>
+              <a:t>Flow</a:t>
+            </a:r>
+          </a:p>
+        </p:txBody>
+      </p:sp>
+      <p:cxnSp>
+        <p:nvCxnSpPr>
+          <p:cNvPr id="32" name="Straight Arrow Connector 31">
+            <a:extLst>
+              <a:ext uri="{FF2B5EF4-FFF2-40B4-BE49-F238E27FC236}">
+                <a16:creationId xmlns:a16="http://schemas.microsoft.com/office/drawing/2014/main" id="{03EAC430-BAEF-43B0-BC13-4298C048A47A}"/>
+              </a:ext>
+            </a:extLst>
+          </p:cNvPr>
+          <p:cNvCxnSpPr/>
+          <p:nvPr/>
+        </p:nvCxnSpPr>
+        <p:spPr>
+          <a:xfrm>
+            <a:off x="1999957" y="3234398"/>
+            <a:ext cx="1296841" cy="0"/>
+          </a:xfrm>
+          <a:prstGeom prst="straightConnector1">
+            <a:avLst/>
+          </a:prstGeom>
+          <a:ln w="76200">
+            <a:solidFill>
+              <a:schemeClr val="tx1"/>
+            </a:solidFill>
+            <a:prstDash val="dash"/>
+            <a:tailEnd type="triangle"/>
+          </a:ln>
+        </p:spPr>
+        <p:style>
+          <a:lnRef idx="1">
+            <a:schemeClr val="accent1"/>
+          </a:lnRef>
+          <a:fillRef idx="0">
+            <a:schemeClr val="accent1"/>
+          </a:fillRef>
+          <a:effectRef idx="0">
+            <a:schemeClr val="accent1"/>
+          </a:effectRef>
+          <a:fontRef idx="minor">
+            <a:schemeClr val="tx1"/>
+          </a:fontRef>
+        </p:style>
+      </p:cxnSp>
+      <p:cxnSp>
+        <p:nvCxnSpPr>
+          <p:cNvPr id="34" name="Straight Arrow Connector 33">
+            <a:extLst>
+              <a:ext uri="{FF2B5EF4-FFF2-40B4-BE49-F238E27FC236}">
+                <a16:creationId xmlns:a16="http://schemas.microsoft.com/office/drawing/2014/main" id="{30B1858F-C3B1-4B70-ADB1-6523C7103234}"/>
+              </a:ext>
+            </a:extLst>
+          </p:cNvPr>
+          <p:cNvCxnSpPr/>
+          <p:nvPr/>
+        </p:nvCxnSpPr>
+        <p:spPr>
+          <a:xfrm flipV="1">
+            <a:off x="9404580" y="712177"/>
+            <a:ext cx="0" cy="5288280"/>
+          </a:xfrm>
+          <a:prstGeom prst="straightConnector1">
+            <a:avLst/>
+          </a:prstGeom>
+          <a:ln w="76200">
+            <a:solidFill>
+              <a:schemeClr val="tx1"/>
+            </a:solidFill>
+            <a:tailEnd type="triangle"/>
+          </a:ln>
+        </p:spPr>
+        <p:style>
+          <a:lnRef idx="1">
+            <a:schemeClr val="accent1"/>
+          </a:lnRef>
+          <a:fillRef idx="0">
+            <a:schemeClr val="accent1"/>
+          </a:fillRef>
+          <a:effectRef idx="0">
+            <a:schemeClr val="accent1"/>
+          </a:effectRef>
+          <a:fontRef idx="minor">
+            <a:schemeClr val="tx1"/>
+          </a:fontRef>
+        </p:style>
+      </p:cxnSp>
+      <p:sp>
+        <p:nvSpPr>
+          <p:cNvPr id="35" name="Rectangle 34">
+            <a:extLst>
+              <a:ext uri="{FF2B5EF4-FFF2-40B4-BE49-F238E27FC236}">
+                <a16:creationId xmlns:a16="http://schemas.microsoft.com/office/drawing/2014/main" id="{8B1AC577-2FF8-48EF-A1D9-6FE4CC9001AA}"/>
+              </a:ext>
+            </a:extLst>
+          </p:cNvPr>
+          <p:cNvSpPr/>
+          <p:nvPr/>
+        </p:nvSpPr>
+        <p:spPr>
+          <a:xfrm>
+            <a:off x="3549862" y="2433014"/>
+            <a:ext cx="5320575" cy="2054581"/>
+          </a:xfrm>
+          <a:prstGeom prst="rect">
+            <a:avLst/>
+          </a:prstGeom>
+          <a:noFill/>
+          <a:ln w="38100">
+            <a:solidFill>
+              <a:schemeClr val="tx1"/>
+            </a:solidFill>
+          </a:ln>
+        </p:spPr>
+        <p:style>
+          <a:lnRef idx="2">
+            <a:schemeClr val="accent1">
+              <a:shade val="50000"/>
+            </a:schemeClr>
+          </a:lnRef>
+          <a:fillRef idx="1">
+            <a:schemeClr val="accent1"/>
+          </a:fillRef>
+          <a:effectRef idx="0">
+            <a:schemeClr val="accent1"/>
+          </a:effectRef>
+          <a:fontRef idx="minor">
+            <a:schemeClr val="lt1"/>
+          </a:fontRef>
+        </p:style>
+        <p:txBody>
+          <a:bodyPr rtlCol="0" anchor="ctr"/>
+          <a:lstStyle/>
+          <a:p>
+            <a:pPr algn="ctr"/>
+            <a:endParaRPr lang="en-CA" dirty="0"/>
+          </a:p>
+        </p:txBody>
+      </p:sp>
+      <mc:AlternateContent xmlns:mc="http://schemas.openxmlformats.org/markup-compatibility/2006" xmlns:a14="http://schemas.microsoft.com/office/drawing/2010/main">
+        <mc:Choice Requires="a14">
+          <p:sp>
+            <p:nvSpPr>
+              <p:cNvPr id="36" name="TextBox 35">
+                <a:extLst>
+                  <a:ext uri="{FF2B5EF4-FFF2-40B4-BE49-F238E27FC236}">
+                    <a16:creationId xmlns:a16="http://schemas.microsoft.com/office/drawing/2014/main" id="{82EEF30E-B82F-4AD4-BE19-AA94A8D4FBE7}"/>
+                  </a:ext>
+                </a:extLst>
+              </p:cNvPr>
+              <p:cNvSpPr txBox="1"/>
+              <p:nvPr/>
+            </p:nvSpPr>
+            <p:spPr>
+              <a:xfrm>
+                <a:off x="9673338" y="2900132"/>
+                <a:ext cx="2401170" cy="430887"/>
+              </a:xfrm>
+              <a:prstGeom prst="rect">
+                <a:avLst/>
+              </a:prstGeom>
+              <a:noFill/>
+            </p:spPr>
+            <p:txBody>
+              <a:bodyPr wrap="none" lIns="0" tIns="0" rIns="0" bIns="0" rtlCol="0">
+                <a:spAutoFit/>
+              </a:bodyPr>
+              <a:lstStyle/>
+              <a:p>
+                <a:pPr/>
+                <a14:m>
+                  <m:oMathPara xmlns:m="http://schemas.openxmlformats.org/officeDocument/2006/math">
+                    <m:oMathParaPr>
+                      <m:jc m:val="centerGroup"/>
+                    </m:oMathParaPr>
+                    <m:oMath xmlns:m="http://schemas.openxmlformats.org/officeDocument/2006/math">
+                      <m:sSub>
+                        <m:sSubPr>
+                          <m:ctrlPr>
+                            <a:rPr lang="en-CA" sz="2800" b="0" i="1" smtClean="0">
+                              <a:latin typeface="Cambria Math" panose="02040503050406030204" pitchFamily="18" charset="0"/>
+                            </a:rPr>
+                          </m:ctrlPr>
+                        </m:sSubPr>
+                        <m:e>
+                          <m:r>
+                            <a:rPr lang="en-CA" sz="2800" b="0" i="1" smtClean="0">
+                              <a:latin typeface="Cambria Math" panose="02040503050406030204" pitchFamily="18" charset="0"/>
+                            </a:rPr>
+                            <m:t>𝐺</m:t>
+                          </m:r>
+                        </m:e>
+                        <m:sub>
+                          <m:r>
+                            <a:rPr lang="en-CA" sz="2800" b="0" i="1" smtClean="0">
+                              <a:latin typeface="Cambria Math" panose="02040503050406030204" pitchFamily="18" charset="0"/>
+                            </a:rPr>
+                            <m:t>𝑧</m:t>
+                          </m:r>
+                        </m:sub>
+                      </m:sSub>
+                      <m:r>
+                        <a:rPr lang="en-CA" sz="2800" b="0" i="1" smtClean="0">
+                          <a:latin typeface="Cambria Math" panose="02040503050406030204" pitchFamily="18" charset="0"/>
+                        </a:rPr>
+                        <m:t>=150</m:t>
+                      </m:r>
+                      <m:r>
+                        <a:rPr lang="en-CA" sz="2800" b="0" i="1" smtClean="0">
+                          <a:latin typeface="Cambria Math" panose="02040503050406030204" pitchFamily="18" charset="0"/>
+                        </a:rPr>
+                        <m:t>𝐺</m:t>
+                      </m:r>
+                      <m:r>
+                        <a:rPr lang="en-CA" sz="2800" b="0" i="1" smtClean="0">
+                          <a:latin typeface="Cambria Math" panose="02040503050406030204" pitchFamily="18" charset="0"/>
+                        </a:rPr>
+                        <m:t>/</m:t>
+                      </m:r>
+                      <m:r>
+                        <a:rPr lang="en-CA" sz="2800" b="0" i="1" smtClean="0">
+                          <a:latin typeface="Cambria Math" panose="02040503050406030204" pitchFamily="18" charset="0"/>
+                        </a:rPr>
+                        <m:t>𝑐𝑚</m:t>
+                      </m:r>
+                    </m:oMath>
+                  </m:oMathPara>
+                </a14:m>
+                <a:endParaRPr lang="en-CA" sz="3200" dirty="0"/>
+              </a:p>
+            </p:txBody>
+          </p:sp>
+        </mc:Choice>
+        <mc:Fallback xmlns="">
+          <p:sp>
+            <p:nvSpPr>
+              <p:cNvPr id="36" name="TextBox 35">
+                <a:extLst>
+                  <a:ext uri="{FF2B5EF4-FFF2-40B4-BE49-F238E27FC236}">
+                    <a16:creationId xmlns:a16="http://schemas.microsoft.com/office/drawing/2014/main" id="{82EEF30E-B82F-4AD4-BE19-AA94A8D4FBE7}"/>
+                  </a:ext>
+                </a:extLst>
+              </p:cNvPr>
+              <p:cNvSpPr txBox="1">
+                <a:spLocks noRot="1" noChangeAspect="1" noMove="1" noResize="1" noEditPoints="1" noAdjustHandles="1" noChangeArrowheads="1" noChangeShapeType="1" noTextEdit="1"/>
+              </p:cNvSpPr>
+              <p:nvPr/>
+            </p:nvSpPr>
+            <p:spPr>
+              <a:xfrm>
+                <a:off x="9673338" y="2900132"/>
+                <a:ext cx="2401170" cy="430887"/>
+              </a:xfrm>
+              <a:prstGeom prst="rect">
+                <a:avLst/>
+              </a:prstGeom>
+              <a:blipFill>
+                <a:blip r:embed="rId4"/>
+                <a:stretch>
+                  <a:fillRect/>
+                </a:stretch>
+              </a:blipFill>
+            </p:spPr>
+            <p:txBody>
+              <a:bodyPr/>
+              <a:lstStyle/>
+              <a:p>
+                <a:r>
+                  <a:rPr lang="en-CA">
+                    <a:noFill/>
+                  </a:rPr>
+                  <a:t> </a:t>
+                </a:r>
+              </a:p>
+            </p:txBody>
+          </p:sp>
+        </mc:Fallback>
+      </mc:AlternateContent>
+    </p:spTree>
+    <p:extLst>
+      <p:ext uri="{BB962C8B-B14F-4D97-AF65-F5344CB8AC3E}">
+        <p14:creationId xmlns:p14="http://schemas.microsoft.com/office/powerpoint/2010/main" val="437100364"/>
+      </p:ext>
+    </p:extLst>
+  </p:cSld>
+  <p:clrMapOvr>
+    <a:masterClrMapping/>
+  </p:clrMapOvr>
+</p:sld>
+</file>
+
+<file path=ppt/slides/slide8.xml><?xml version="1.0" encoding="utf-8"?>
+<p:sld xmlns:a="http://schemas.openxmlformats.org/drawingml/2006/main" xmlns:r="http://schemas.openxmlformats.org/officeDocument/2006/relationships" xmlns:p="http://schemas.openxmlformats.org/presentationml/2006/main">
+  <p:cSld>
+    <p:spTree>
+      <p:nvGrpSpPr>
+        <p:cNvPr id="1" name=""/>
+        <p:cNvGrpSpPr/>
+        <p:nvPr/>
+      </p:nvGrpSpPr>
+      <p:grpSpPr>
+        <a:xfrm>
+          <a:off x="0" y="0"/>
+          <a:ext cx="0" cy="0"/>
+          <a:chOff x="0" y="0"/>
+          <a:chExt cx="0" cy="0"/>
+        </a:xfrm>
+      </p:grpSpPr>
+      <mc:AlternateContent xmlns:mc="http://schemas.openxmlformats.org/markup-compatibility/2006">
+        <mc:Choice xmlns:am3d="http://schemas.microsoft.com/office/drawing/2017/model3d" Requires="am3d">
+          <p:graphicFrame>
+            <p:nvGraphicFramePr>
+              <p:cNvPr id="5" name="3D Model 4">
+                <a:extLst>
+                  <a:ext uri="{FF2B5EF4-FFF2-40B4-BE49-F238E27FC236}">
+                    <a16:creationId xmlns:a16="http://schemas.microsoft.com/office/drawing/2014/main" id="{9AD9FCF8-42A9-4D25-8396-AA4BDB0CFABF}"/>
+                  </a:ext>
+                </a:extLst>
+              </p:cNvPr>
+              <p:cNvGraphicFramePr>
+                <a:graphicFrameLocks noChangeAspect="1"/>
+              </p:cNvGraphicFramePr>
+              <p:nvPr>
+                <p:extLst>
+                  <p:ext uri="{D42A27DB-BD31-4B8C-83A1-F6EECF244321}">
+                    <p14:modId xmlns:p14="http://schemas.microsoft.com/office/powerpoint/2010/main" val="1352253332"/>
+                  </p:ext>
+                </p:extLst>
+              </p:nvPr>
+            </p:nvGraphicFramePr>
+            <p:xfrm>
+              <a:off x="2776971" y="1579482"/>
+              <a:ext cx="3143026" cy="3699035"/>
+            </p:xfrm>
+            <a:graphic>
+              <a:graphicData uri="http://schemas.microsoft.com/office/drawing/2017/model3d">
+                <am3d:model3d r:embed="rId2">
+                  <am3d:spPr>
+                    <a:xfrm>
+                      <a:off x="0" y="0"/>
+                      <a:ext cx="3143026" cy="3699035"/>
+                    </a:xfrm>
+                    <a:prstGeom prst="rect">
+                      <a:avLst/>
+                    </a:prstGeom>
+                  </am3d:spPr>
+                  <am3d:camera>
+                    <am3d:pos x="0" y="0" z="73418309"/>
+                    <am3d:up dx="0" dy="36000000" dz="0"/>
+                    <am3d:lookAt x="0" y="0" z="0"/>
+                    <am3d:perspective fov="2700000"/>
+                  </am3d:camera>
+                  <am3d:trans>
+                    <am3d:meterPerModelUnit n="8474" d="1000000"/>
+                    <am3d:preTrans dx="-15254237" dy="-18000000" dz="-15254237"/>
+                    <am3d:scale>
+                      <am3d:sx n="1000000" d="1000000"/>
+                      <am3d:sy n="1000000" d="1000000"/>
+                      <am3d:sz n="1000000" d="1000000"/>
+                    </am3d:scale>
+                    <am3d:rot ax="20400000"/>
+                    <am3d:postTrans dx="0" dy="0" dz="0"/>
+                  </am3d:trans>
+                  <am3d:raster rName="Office3DRenderer" rVer="16.0.8326">
+                    <am3d:blip r:embed="rId3"/>
+                  </am3d:raster>
+                  <am3d:objViewport viewportSz="4517316"/>
+                  <am3d:ambientLight>
+                    <am3d:clr>
+                      <a:scrgbClr r="50000" g="50000" b="50000"/>
+                    </am3d:clr>
+                    <am3d:illuminance n="500000" d="1000000"/>
+                  </am3d:ambientLight>
+                  <am3d:ptLight rad="0">
+                    <am3d:clr>
+                      <a:scrgbClr r="100000" g="75000" b="50000"/>
+                    </am3d:clr>
+                    <am3d:intensity n="9765625" d="1000000"/>
+                    <am3d:pos x="21959998" y="70920001" z="16344003"/>
+                  </am3d:ptLight>
+                  <am3d:ptLight rad="0">
+                    <am3d:clr>
+                      <a:scrgbClr r="40000" g="60000" b="95000"/>
+                    </am3d:clr>
+                    <am3d:intensity n="12250000" d="1000000"/>
+                    <am3d:pos x="-37964106" y="51130435" z="57631972"/>
+                  </am3d:ptLight>
+                  <am3d:ptLight rad="0">
+                    <am3d:clr>
+                      <a:scrgbClr r="86837" g="72700" b="100000"/>
+                    </am3d:clr>
+                    <am3d:intensity n="3125000" d="1000000"/>
+                    <am3d:pos x="-37739122" y="58056624" z="-34769649"/>
+                  </am3d:ptLight>
+                </am3d:model3d>
+              </a:graphicData>
+            </a:graphic>
+          </p:graphicFrame>
+        </mc:Choice>
+        <mc:Fallback>
+          <p:pic>
+            <p:nvPicPr>
+              <p:cNvPr id="5" name="3D Model 4">
+                <a:extLst>
+                  <a:ext uri="{FF2B5EF4-FFF2-40B4-BE49-F238E27FC236}">
+                    <a16:creationId xmlns:a16="http://schemas.microsoft.com/office/drawing/2014/main" id="{9AD9FCF8-42A9-4D25-8396-AA4BDB0CFABF}"/>
+                  </a:ext>
+                </a:extLst>
+              </p:cNvPr>
+              <p:cNvPicPr>
+                <a:picLocks noGrp="1" noRot="1" noChangeAspect="1" noMove="1" noResize="1" noEditPoints="1" noAdjustHandles="1" noChangeArrowheads="1" noChangeShapeType="1" noCrop="1"/>
+              </p:cNvPicPr>
+              <p:nvPr/>
+            </p:nvPicPr>
+            <p:blipFill>
+              <a:blip r:embed="rId3"/>
+              <a:stretch>
+                <a:fillRect/>
+              </a:stretch>
+            </p:blipFill>
+            <p:spPr>
+              <a:xfrm>
+                <a:off x="2776971" y="1579482"/>
+                <a:ext cx="3143026" cy="3699035"/>
+              </a:xfrm>
+              <a:prstGeom prst="rect">
+                <a:avLst/>
+              </a:prstGeom>
+            </p:spPr>
+          </p:pic>
+        </mc:Fallback>
+      </mc:AlternateContent>
+      <mc:AlternateContent xmlns:mc="http://schemas.openxmlformats.org/markup-compatibility/2006">
+        <mc:Choice xmlns:am3d="http://schemas.microsoft.com/office/drawing/2017/model3d" Requires="am3d">
+          <p:graphicFrame>
+            <p:nvGraphicFramePr>
+              <p:cNvPr id="8" name="3D Model 7">
+                <a:extLst>
+                  <a:ext uri="{FF2B5EF4-FFF2-40B4-BE49-F238E27FC236}">
+                    <a16:creationId xmlns:a16="http://schemas.microsoft.com/office/drawing/2014/main" id="{0A1463CF-93AB-4EE1-A6B8-1CD165B8392B}"/>
+                  </a:ext>
+                </a:extLst>
+              </p:cNvPr>
+              <p:cNvGraphicFramePr>
+                <a:graphicFrameLocks/>
+              </p:cNvGraphicFramePr>
+              <p:nvPr>
+                <p:extLst>
+                  <p:ext uri="{D42A27DB-BD31-4B8C-83A1-F6EECF244321}">
+                    <p14:modId xmlns:p14="http://schemas.microsoft.com/office/powerpoint/2010/main" val="1059163515"/>
+                  </p:ext>
+                </p:extLst>
+              </p:nvPr>
+            </p:nvGraphicFramePr>
+            <p:xfrm>
+              <a:off x="3045711" y="1661728"/>
+              <a:ext cx="2194899" cy="2678910"/>
+            </p:xfrm>
+            <a:graphic>
+              <a:graphicData uri="http://schemas.microsoft.com/office/drawing/2017/model3d">
+                <am3d:model3d r:embed="rId4">
+                  <am3d:spPr>
+                    <a:xfrm>
+                      <a:off x="0" y="0"/>
+                      <a:ext cx="2194899" cy="2678910"/>
+                    </a:xfrm>
+                    <a:prstGeom prst="rect">
+                      <a:avLst/>
+                    </a:prstGeom>
+                  </am3d:spPr>
+                  <am3d:camera>
+                    <am3d:pos x="0" y="0" z="63301643"/>
+                    <am3d:up dx="0" dy="36000000" dz="0"/>
+                    <am3d:lookAt x="0" y="3600000" z="0"/>
+                    <am3d:perspective fov="2293925"/>
+                  </am3d:camera>
+                  <am3d:trans>
+                    <am3d:meterPerModelUnit n="10526" d="1000000"/>
+                    <am3d:preTrans dx="-15347368" dy="-22547367" dz="-22736841"/>
+                    <am3d:scale>
+                      <am3d:sx n="1000000" d="1000000"/>
+                      <am3d:sy n="1000000" d="1000000"/>
+                      <am3d:sz n="1000000" d="1000000"/>
+                    </am3d:scale>
+                    <am3d:rot/>
+                    <am3d:postTrans dx="0" dy="0" dz="0"/>
+                  </am3d:trans>
+                  <am3d:raster rName="Office3DRenderer" rVer="16.0.8326">
+                    <am3d:blip r:embed="rId5"/>
+                  </am3d:raster>
+                  <am3d:winViewport/>
+                  <am3d:ambientLight>
+                    <am3d:clr>
+                      <a:scrgbClr r="50000" g="50000" b="50000"/>
+                    </am3d:clr>
+                    <am3d:illuminance n="500000" d="1000000"/>
+                  </am3d:ambientLight>
+                  <am3d:ptLight rad="0">
+                    <am3d:clr>
+                      <a:scrgbClr r="100000" g="75000" b="50000"/>
+                    </am3d:clr>
+                    <am3d:intensity n="9765625" d="1000000"/>
+                    <am3d:pos x="21959998" y="70920001" z="16344003"/>
+                  </am3d:ptLight>
+                  <am3d:ptLight rad="0">
+                    <am3d:clr>
+                      <a:scrgbClr r="40000" g="60000" b="95000"/>
+                    </am3d:clr>
+                    <am3d:intensity n="12250000" d="1000000"/>
+                    <am3d:pos x="-37964106" y="51130435" z="57631972"/>
+                  </am3d:ptLight>
+                  <am3d:ptLight rad="0">
+                    <am3d:clr>
+                      <a:scrgbClr r="86837" g="72700" b="100000"/>
+                    </am3d:clr>
+                    <am3d:intensity n="3125000" d="1000000"/>
+                    <am3d:pos x="-37739122" y="58056624" z="-34769649"/>
+                  </am3d:ptLight>
+                </am3d:model3d>
+              </a:graphicData>
+            </a:graphic>
+          </p:graphicFrame>
+        </mc:Choice>
+        <mc:Fallback>
+          <p:pic>
+            <p:nvPicPr>
+              <p:cNvPr id="8" name="3D Model 7">
+                <a:extLst>
+                  <a:ext uri="{FF2B5EF4-FFF2-40B4-BE49-F238E27FC236}">
+                    <a16:creationId xmlns:a16="http://schemas.microsoft.com/office/drawing/2014/main" id="{0A1463CF-93AB-4EE1-A6B8-1CD165B8392B}"/>
+                  </a:ext>
+                </a:extLst>
+              </p:cNvPr>
+              <p:cNvPicPr>
+                <a:picLocks noGrp="1" noRot="1" noChangeAspect="1" noMove="1" noResize="1" noEditPoints="1" noAdjustHandles="1" noChangeArrowheads="1" noChangeShapeType="1" noCrop="1"/>
+              </p:cNvPicPr>
+              <p:nvPr/>
+            </p:nvPicPr>
+            <p:blipFill>
+              <a:blip r:embed="rId5"/>
+              <a:stretch>
+                <a:fillRect/>
+              </a:stretch>
+            </p:blipFill>
+            <p:spPr>
+              <a:xfrm>
+                <a:off x="3045711" y="1661728"/>
+                <a:ext cx="2194899" cy="2678910"/>
+              </a:xfrm>
+              <a:prstGeom prst="rect">
+                <a:avLst/>
+              </a:prstGeom>
+            </p:spPr>
+          </p:pic>
+        </mc:Fallback>
+      </mc:AlternateContent>
+      <p:sp>
+        <p:nvSpPr>
+          <p:cNvPr id="9" name="Rectangle 8">
+            <a:extLst>
+              <a:ext uri="{FF2B5EF4-FFF2-40B4-BE49-F238E27FC236}">
+                <a16:creationId xmlns:a16="http://schemas.microsoft.com/office/drawing/2014/main" id="{62D1A5A6-AE01-49E6-8553-095449185E92}"/>
+              </a:ext>
+            </a:extLst>
+          </p:cNvPr>
+          <p:cNvSpPr/>
+          <p:nvPr/>
+        </p:nvSpPr>
+        <p:spPr>
+          <a:xfrm>
+            <a:off x="3523077" y="2339360"/>
+            <a:ext cx="1234440" cy="634994"/>
+          </a:xfrm>
+          <a:prstGeom prst="rect">
+            <a:avLst/>
+          </a:prstGeom>
+          <a:solidFill>
+            <a:schemeClr val="bg2">
+              <a:lumMod val="90000"/>
+            </a:schemeClr>
+          </a:solidFill>
+          <a:ln>
+            <a:solidFill>
+              <a:schemeClr val="tx1"/>
+            </a:solidFill>
+          </a:ln>
+        </p:spPr>
+        <p:style>
+          <a:lnRef idx="2">
+            <a:schemeClr val="accent1">
+              <a:shade val="50000"/>
+            </a:schemeClr>
+          </a:lnRef>
+          <a:fillRef idx="1">
+            <a:schemeClr val="accent1"/>
+          </a:fillRef>
+          <a:effectRef idx="0">
+            <a:schemeClr val="accent1"/>
+          </a:effectRef>
+          <a:fontRef idx="minor">
+            <a:schemeClr val="lt1"/>
+          </a:fontRef>
+        </p:style>
+        <p:txBody>
+          <a:bodyPr rtlCol="0" anchor="ctr"/>
+          <a:lstStyle/>
+          <a:p>
+            <a:pPr algn="ctr"/>
+            <a:endParaRPr lang="en-CA"/>
+          </a:p>
+        </p:txBody>
+      </p:sp>
+      <p:sp>
+        <p:nvSpPr>
+          <p:cNvPr id="10" name="Rectangle 9">
+            <a:extLst>
+              <a:ext uri="{FF2B5EF4-FFF2-40B4-BE49-F238E27FC236}">
+                <a16:creationId xmlns:a16="http://schemas.microsoft.com/office/drawing/2014/main" id="{07C33D4E-5609-46E8-81A0-1E84E85F83ED}"/>
+              </a:ext>
+            </a:extLst>
+          </p:cNvPr>
+          <p:cNvSpPr/>
+          <p:nvPr/>
+        </p:nvSpPr>
+        <p:spPr>
+          <a:xfrm>
+            <a:off x="3523077" y="3353942"/>
+            <a:ext cx="1234440" cy="634994"/>
+          </a:xfrm>
+          <a:prstGeom prst="rect">
+            <a:avLst/>
+          </a:prstGeom>
+          <a:solidFill>
+            <a:schemeClr val="bg2">
+              <a:lumMod val="90000"/>
+            </a:schemeClr>
+          </a:solidFill>
+          <a:ln>
+            <a:solidFill>
+              <a:schemeClr val="tx1"/>
+            </a:solidFill>
+          </a:ln>
+        </p:spPr>
+        <p:style>
+          <a:lnRef idx="2">
+            <a:schemeClr val="accent1">
+              <a:shade val="50000"/>
+            </a:schemeClr>
+          </a:lnRef>
+          <a:fillRef idx="1">
+            <a:schemeClr val="accent1"/>
+          </a:fillRef>
+          <a:effectRef idx="0">
+            <a:schemeClr val="accent1"/>
+          </a:effectRef>
+          <a:fontRef idx="minor">
+            <a:schemeClr val="lt1"/>
+          </a:fontRef>
+        </p:style>
+        <p:txBody>
+          <a:bodyPr rtlCol="0" anchor="ctr"/>
+          <a:lstStyle/>
+          <a:p>
+            <a:pPr algn="ctr"/>
+            <a:endParaRPr lang="en-CA"/>
+          </a:p>
+        </p:txBody>
+      </p:sp>
+      <p:sp>
+        <p:nvSpPr>
+          <p:cNvPr id="11" name="Rectangle 10">
+            <a:extLst>
+              <a:ext uri="{FF2B5EF4-FFF2-40B4-BE49-F238E27FC236}">
+                <a16:creationId xmlns:a16="http://schemas.microsoft.com/office/drawing/2014/main" id="{31DFE36C-B1A3-40FA-8791-5C7CD72370C4}"/>
+              </a:ext>
+            </a:extLst>
+          </p:cNvPr>
+          <p:cNvSpPr/>
+          <p:nvPr/>
+        </p:nvSpPr>
+        <p:spPr>
+          <a:xfrm>
+            <a:off x="3523077" y="2974354"/>
+            <a:ext cx="1234440" cy="379588"/>
+          </a:xfrm>
+          <a:prstGeom prst="rect">
+            <a:avLst/>
+          </a:prstGeom>
+          <a:solidFill>
+            <a:schemeClr val="bg2">
+              <a:lumMod val="75000"/>
+            </a:schemeClr>
+          </a:solidFill>
+          <a:ln>
+            <a:solidFill>
+              <a:schemeClr val="tx1">
+                <a:lumMod val="65000"/>
+                <a:lumOff val="35000"/>
+              </a:schemeClr>
+            </a:solidFill>
+          </a:ln>
+        </p:spPr>
+        <p:style>
+          <a:lnRef idx="2">
+            <a:schemeClr val="accent1">
+              <a:shade val="50000"/>
+            </a:schemeClr>
+          </a:lnRef>
+          <a:fillRef idx="1">
+            <a:schemeClr val="accent1"/>
+          </a:fillRef>
+          <a:effectRef idx="0">
+            <a:schemeClr val="accent1"/>
+          </a:effectRef>
+          <a:fontRef idx="minor">
+            <a:schemeClr val="lt1"/>
+          </a:fontRef>
+        </p:style>
+        <p:txBody>
+          <a:bodyPr rtlCol="0" anchor="ctr"/>
+          <a:lstStyle/>
+          <a:p>
+            <a:pPr algn="ctr"/>
+            <a:endParaRPr lang="en-CA"/>
+          </a:p>
+        </p:txBody>
+      </p:sp>
+      <p:sp>
+        <p:nvSpPr>
+          <p:cNvPr id="12" name="TextBox 11">
+            <a:extLst>
+              <a:ext uri="{FF2B5EF4-FFF2-40B4-BE49-F238E27FC236}">
+                <a16:creationId xmlns:a16="http://schemas.microsoft.com/office/drawing/2014/main" id="{F068B021-0E3C-44D0-BFB2-7E7826279125}"/>
+              </a:ext>
+            </a:extLst>
+          </p:cNvPr>
+          <p:cNvSpPr txBox="1"/>
+          <p:nvPr/>
+        </p:nvSpPr>
+        <p:spPr>
+          <a:xfrm>
+            <a:off x="3572861" y="2590169"/>
+            <a:ext cx="1184656" cy="446276"/>
+          </a:xfrm>
+          <a:prstGeom prst="rect">
+            <a:avLst/>
+          </a:prstGeom>
+          <a:noFill/>
+        </p:spPr>
+        <p:txBody>
+          <a:bodyPr wrap="square" rtlCol="0">
+            <a:spAutoFit/>
+          </a:bodyPr>
+          <a:lstStyle/>
+          <a:p>
+            <a:r>
+              <a:rPr lang="en-CA" sz="2300" dirty="0">
+                <a:latin typeface="+mj-lt"/>
+              </a:rPr>
+              <a:t>Magnet</a:t>
+            </a:r>
+          </a:p>
+        </p:txBody>
+      </p:sp>
+      <p:sp>
+        <p:nvSpPr>
+          <p:cNvPr id="13" name="Rectangle 12">
+            <a:extLst>
+              <a:ext uri="{FF2B5EF4-FFF2-40B4-BE49-F238E27FC236}">
+                <a16:creationId xmlns:a16="http://schemas.microsoft.com/office/drawing/2014/main" id="{7B420639-CC37-489F-9535-5F2176AF11D6}"/>
+              </a:ext>
+            </a:extLst>
+          </p:cNvPr>
+          <p:cNvSpPr/>
+          <p:nvPr/>
+        </p:nvSpPr>
+        <p:spPr>
+          <a:xfrm>
+            <a:off x="1428085" y="3036445"/>
+            <a:ext cx="5925312" cy="250810"/>
+          </a:xfrm>
+          <a:prstGeom prst="rect">
+            <a:avLst/>
+          </a:prstGeom>
+          <a:solidFill>
+            <a:srgbClr val="080808">
+              <a:alpha val="62745"/>
+            </a:srgbClr>
+          </a:solidFill>
+        </p:spPr>
+        <p:style>
+          <a:lnRef idx="2">
+            <a:schemeClr val="accent1">
+              <a:shade val="50000"/>
+            </a:schemeClr>
+          </a:lnRef>
+          <a:fillRef idx="1">
+            <a:schemeClr val="accent1"/>
+          </a:fillRef>
+          <a:effectRef idx="0">
+            <a:schemeClr val="accent1"/>
+          </a:effectRef>
+          <a:fontRef idx="minor">
+            <a:schemeClr val="lt1"/>
+          </a:fontRef>
+        </p:style>
+        <p:txBody>
+          <a:bodyPr rtlCol="0" anchor="ctr"/>
+          <a:lstStyle/>
+          <a:p>
+            <a:pPr algn="ctr"/>
+            <a:endParaRPr lang="en-CA"/>
+          </a:p>
+        </p:txBody>
+      </p:sp>
+      <p:sp>
+        <p:nvSpPr>
+          <p:cNvPr id="14" name="TextBox 13">
+            <a:extLst>
+              <a:ext uri="{FF2B5EF4-FFF2-40B4-BE49-F238E27FC236}">
+                <a16:creationId xmlns:a16="http://schemas.microsoft.com/office/drawing/2014/main" id="{E37946F1-C41A-4EF5-A7A1-D64C60B3AE0D}"/>
+              </a:ext>
+            </a:extLst>
+          </p:cNvPr>
+          <p:cNvSpPr txBox="1"/>
+          <p:nvPr/>
+        </p:nvSpPr>
+        <p:spPr>
+          <a:xfrm>
+            <a:off x="271877" y="2974354"/>
+            <a:ext cx="1026160" cy="369332"/>
+          </a:xfrm>
+          <a:prstGeom prst="rect">
+            <a:avLst/>
+          </a:prstGeom>
+          <a:noFill/>
+        </p:spPr>
+        <p:txBody>
+          <a:bodyPr wrap="square" rtlCol="0">
+            <a:spAutoFit/>
+          </a:bodyPr>
+          <a:lstStyle/>
+          <a:p>
+            <a:r>
+              <a:rPr lang="en-CA" dirty="0">
+                <a:latin typeface="+mj-lt"/>
+              </a:rPr>
+              <a:t>Pipe</a:t>
+            </a:r>
+          </a:p>
+        </p:txBody>
+      </p:sp>
+      <p:cxnSp>
+        <p:nvCxnSpPr>
+          <p:cNvPr id="16" name="Straight Arrow Connector 15">
+            <a:extLst>
+              <a:ext uri="{FF2B5EF4-FFF2-40B4-BE49-F238E27FC236}">
+                <a16:creationId xmlns:a16="http://schemas.microsoft.com/office/drawing/2014/main" id="{F0AA2962-7890-44E5-9AFC-B5E1AA6E49CC}"/>
+              </a:ext>
+            </a:extLst>
+          </p:cNvPr>
+          <p:cNvCxnSpPr>
+            <a:endCxn id="14" idx="3"/>
+          </p:cNvCxnSpPr>
+          <p:nvPr/>
+        </p:nvCxnSpPr>
+        <p:spPr>
+          <a:xfrm flipV="1">
+            <a:off x="840837" y="3159020"/>
+            <a:ext cx="457200" cy="2830"/>
+          </a:xfrm>
+          <a:prstGeom prst="straightConnector1">
+            <a:avLst/>
+          </a:prstGeom>
+          <a:ln w="57150">
+            <a:solidFill>
+              <a:schemeClr val="tx1"/>
+            </a:solidFill>
+            <a:tailEnd type="triangle"/>
+          </a:ln>
+        </p:spPr>
+        <p:style>
+          <a:lnRef idx="1">
+            <a:schemeClr val="accent1"/>
+          </a:lnRef>
+          <a:fillRef idx="0">
+            <a:schemeClr val="accent1"/>
+          </a:fillRef>
+          <a:effectRef idx="0">
+            <a:schemeClr val="accent1"/>
+          </a:effectRef>
+          <a:fontRef idx="minor">
+            <a:schemeClr val="tx1"/>
+          </a:fontRef>
+        </p:style>
+      </p:cxnSp>
+      <p:sp>
+        <p:nvSpPr>
+          <p:cNvPr id="23" name="TextBox 22">
+            <a:extLst>
+              <a:ext uri="{FF2B5EF4-FFF2-40B4-BE49-F238E27FC236}">
+                <a16:creationId xmlns:a16="http://schemas.microsoft.com/office/drawing/2014/main" id="{AB03711C-32C9-4FEB-8A5B-EE34296E65A2}"/>
+              </a:ext>
+            </a:extLst>
+          </p:cNvPr>
+          <p:cNvSpPr txBox="1"/>
+          <p:nvPr/>
+        </p:nvSpPr>
+        <p:spPr>
+          <a:xfrm>
+            <a:off x="8959572" y="2116222"/>
+            <a:ext cx="1944131" cy="446276"/>
+          </a:xfrm>
+          <a:prstGeom prst="rect">
+            <a:avLst/>
+          </a:prstGeom>
+          <a:noFill/>
+        </p:spPr>
+        <p:txBody>
+          <a:bodyPr wrap="square" rtlCol="0">
+            <a:spAutoFit/>
+          </a:bodyPr>
+          <a:lstStyle/>
+          <a:p>
+            <a:r>
+              <a:rPr lang="en-CA" sz="2300" dirty="0">
+                <a:latin typeface="+mj-lt"/>
+              </a:rPr>
+              <a:t>Magnet </a:t>
+            </a:r>
+          </a:p>
+        </p:txBody>
+      </p:sp>
+      <p:sp>
+        <p:nvSpPr>
+          <p:cNvPr id="4" name="Rectangle 3">
+            <a:extLst>
+              <a:ext uri="{FF2B5EF4-FFF2-40B4-BE49-F238E27FC236}">
+                <a16:creationId xmlns:a16="http://schemas.microsoft.com/office/drawing/2014/main" id="{5248AC93-7CAC-4A34-81F4-4C63F0DEE44D}"/>
+              </a:ext>
+            </a:extLst>
+          </p:cNvPr>
+          <p:cNvSpPr/>
+          <p:nvPr/>
+        </p:nvSpPr>
+        <p:spPr>
+          <a:xfrm>
+            <a:off x="9281680" y="3036445"/>
+            <a:ext cx="1790699" cy="868361"/>
+          </a:xfrm>
+          <a:prstGeom prst="rect">
+            <a:avLst/>
+          </a:prstGeom>
+          <a:solidFill>
+            <a:schemeClr val="bg2">
+              <a:lumMod val="50000"/>
+            </a:schemeClr>
+          </a:solidFill>
+          <a:ln>
+            <a:solidFill>
+              <a:schemeClr val="bg2">
+                <a:lumMod val="50000"/>
+              </a:schemeClr>
+            </a:solidFill>
+          </a:ln>
+          <a:scene3d>
+            <a:camera prst="isometricOffAxis1Left"/>
+            <a:lightRig rig="threePt" dir="t">
+              <a:rot lat="0" lon="0" rev="2400000"/>
+            </a:lightRig>
+          </a:scene3d>
+          <a:sp3d extrusionH="889000"/>
+        </p:spPr>
+        <p:style>
+          <a:lnRef idx="2">
+            <a:schemeClr val="accent1">
+              <a:shade val="50000"/>
+            </a:schemeClr>
+          </a:lnRef>
+          <a:fillRef idx="1">
+            <a:schemeClr val="accent1"/>
+          </a:fillRef>
+          <a:effectRef idx="0">
+            <a:schemeClr val="accent1"/>
+          </a:effectRef>
+          <a:fontRef idx="minor">
+            <a:schemeClr val="lt1"/>
+          </a:fontRef>
+        </p:style>
+        <p:txBody>
+          <a:bodyPr rtlCol="0" anchor="ctr"/>
+          <a:lstStyle/>
+          <a:p>
+            <a:pPr algn="ctr"/>
+            <a:endParaRPr lang="en-CA"/>
+          </a:p>
+        </p:txBody>
+      </p:sp>
+      <p:sp>
+        <p:nvSpPr>
+          <p:cNvPr id="37" name="Rectangle 36">
+            <a:extLst>
+              <a:ext uri="{FF2B5EF4-FFF2-40B4-BE49-F238E27FC236}">
+                <a16:creationId xmlns:a16="http://schemas.microsoft.com/office/drawing/2014/main" id="{F246EDD0-64F1-47D2-9429-1C13C144E383}"/>
+              </a:ext>
+            </a:extLst>
+          </p:cNvPr>
+          <p:cNvSpPr/>
+          <p:nvPr/>
+        </p:nvSpPr>
+        <p:spPr>
+          <a:xfrm>
+            <a:off x="8481568" y="3261141"/>
+            <a:ext cx="1790699" cy="762000"/>
+          </a:xfrm>
+          <a:prstGeom prst="rect">
+            <a:avLst/>
+          </a:prstGeom>
+          <a:solidFill>
+            <a:schemeClr val="bg2">
+              <a:lumMod val="50000"/>
+            </a:schemeClr>
+          </a:solidFill>
+          <a:ln>
+            <a:solidFill>
+              <a:schemeClr val="bg2">
+                <a:lumMod val="50000"/>
+              </a:schemeClr>
+            </a:solidFill>
+          </a:ln>
+          <a:scene3d>
+            <a:camera prst="isometricOffAxis1Left"/>
+            <a:lightRig rig="threePt" dir="t">
+              <a:rot lat="0" lon="0" rev="2400000"/>
+            </a:lightRig>
+          </a:scene3d>
+          <a:sp3d extrusionH="889000"/>
+        </p:spPr>
+        <p:style>
+          <a:lnRef idx="2">
+            <a:schemeClr val="accent1">
+              <a:shade val="50000"/>
+            </a:schemeClr>
+          </a:lnRef>
+          <a:fillRef idx="1">
+            <a:schemeClr val="accent1"/>
+          </a:fillRef>
+          <a:effectRef idx="0">
+            <a:schemeClr val="accent1"/>
+          </a:effectRef>
+          <a:fontRef idx="minor">
+            <a:schemeClr val="lt1"/>
+          </a:fontRef>
+        </p:style>
+        <p:txBody>
+          <a:bodyPr rtlCol="0" anchor="ctr"/>
+          <a:lstStyle/>
+          <a:p>
+            <a:pPr algn="ctr"/>
+            <a:endParaRPr lang="en-CA"/>
+          </a:p>
+        </p:txBody>
+      </p:sp>
+      <p:sp>
+        <p:nvSpPr>
+          <p:cNvPr id="38" name="Rectangle 37">
+            <a:extLst>
+              <a:ext uri="{FF2B5EF4-FFF2-40B4-BE49-F238E27FC236}">
+                <a16:creationId xmlns:a16="http://schemas.microsoft.com/office/drawing/2014/main" id="{A934BC1F-A01F-4190-A060-73DD39ED4FCF}"/>
+              </a:ext>
+            </a:extLst>
+          </p:cNvPr>
+          <p:cNvSpPr/>
+          <p:nvPr/>
+        </p:nvSpPr>
+        <p:spPr>
+          <a:xfrm>
+            <a:off x="7696200" y="3287255"/>
+            <a:ext cx="1790699" cy="856651"/>
+          </a:xfrm>
+          <a:prstGeom prst="rect">
+            <a:avLst/>
+          </a:prstGeom>
+          <a:solidFill>
+            <a:schemeClr val="bg2">
+              <a:lumMod val="50000"/>
+            </a:schemeClr>
+          </a:solidFill>
+          <a:ln>
+            <a:solidFill>
+              <a:schemeClr val="bg2">
+                <a:lumMod val="50000"/>
+              </a:schemeClr>
+            </a:solidFill>
+          </a:ln>
+          <a:scene3d>
+            <a:camera prst="isometricOffAxis1Left"/>
+            <a:lightRig rig="threePt" dir="t">
+              <a:rot lat="0" lon="0" rev="2400000"/>
+            </a:lightRig>
+          </a:scene3d>
+          <a:sp3d extrusionH="889000"/>
+        </p:spPr>
+        <p:style>
+          <a:lnRef idx="2">
+            <a:schemeClr val="accent1">
+              <a:shade val="50000"/>
+            </a:schemeClr>
+          </a:lnRef>
+          <a:fillRef idx="1">
+            <a:schemeClr val="accent1"/>
+          </a:fillRef>
+          <a:effectRef idx="0">
+            <a:schemeClr val="accent1"/>
+          </a:effectRef>
+          <a:fontRef idx="minor">
+            <a:schemeClr val="lt1"/>
+          </a:fontRef>
+        </p:style>
+        <p:txBody>
+          <a:bodyPr rtlCol="0" anchor="ctr"/>
+          <a:lstStyle/>
+          <a:p>
+            <a:pPr algn="ctr"/>
+            <a:endParaRPr lang="en-CA"/>
+          </a:p>
+        </p:txBody>
+      </p:sp>
+    </p:spTree>
+    <p:extLst>
+      <p:ext uri="{BB962C8B-B14F-4D97-AF65-F5344CB8AC3E}">
+        <p14:creationId xmlns:p14="http://schemas.microsoft.com/office/powerpoint/2010/main" val="2934736014"/>
+      </p:ext>
+    </p:extLst>
+  </p:cSld>
+  <p:clrMapOvr>
+    <a:masterClrMapping/>
+  </p:clrMapOvr>
+</p:sld>
+</file>
+
+<file path=ppt/slides/slide9.xml><?xml version="1.0" encoding="utf-8"?>
+<p:sld xmlns:a="http://schemas.openxmlformats.org/drawingml/2006/main" xmlns:r="http://schemas.openxmlformats.org/officeDocument/2006/relationships" xmlns:p="http://schemas.openxmlformats.org/presentationml/2006/main">
+  <p:cSld>
+    <p:spTree>
+      <p:nvGrpSpPr>
+        <p:cNvPr id="1" name=""/>
+        <p:cNvGrpSpPr/>
+        <p:nvPr/>
+      </p:nvGrpSpPr>
+      <p:grpSpPr>
+        <a:xfrm>
+          <a:off x="0" y="0"/>
+          <a:ext cx="0" cy="0"/>
+          <a:chOff x="0" y="0"/>
+          <a:chExt cx="0" cy="0"/>
+        </a:xfrm>
+      </p:grpSpPr>
+      <p:sp>
+        <p:nvSpPr>
+          <p:cNvPr id="105" name="Flowchart: Summing Junction 104">
+            <a:extLst>
+              <a:ext uri="{FF2B5EF4-FFF2-40B4-BE49-F238E27FC236}">
+                <a16:creationId xmlns:a16="http://schemas.microsoft.com/office/drawing/2014/main" id="{22B0CA98-779F-4F97-8AEE-2940AB2A3919}"/>
+              </a:ext>
+            </a:extLst>
+          </p:cNvPr>
+          <p:cNvSpPr/>
+          <p:nvPr/>
+        </p:nvSpPr>
+        <p:spPr>
+          <a:xfrm>
+            <a:off x="2646717" y="1527074"/>
+            <a:ext cx="220577" cy="216458"/>
+          </a:xfrm>
+          <a:prstGeom prst="flowChartSummingJunction">
+            <a:avLst/>
+          </a:prstGeom>
+          <a:solidFill>
+            <a:schemeClr val="bg1"/>
+          </a:solidFill>
+          <a:ln w="38100">
+            <a:solidFill>
+              <a:schemeClr val="tx1"/>
+            </a:solidFill>
+          </a:ln>
+        </p:spPr>
+        <p:style>
+          <a:lnRef idx="2">
+            <a:schemeClr val="accent1">
+              <a:shade val="50000"/>
+            </a:schemeClr>
+          </a:lnRef>
+          <a:fillRef idx="1">
+            <a:schemeClr val="accent1"/>
+          </a:fillRef>
+          <a:effectRef idx="0">
+            <a:schemeClr val="accent1"/>
+          </a:effectRef>
+          <a:fontRef idx="minor">
+            <a:schemeClr val="lt1"/>
+          </a:fontRef>
+        </p:style>
+        <p:txBody>
+          <a:bodyPr rtlCol="0" anchor="ctr"/>
+          <a:lstStyle/>
+          <a:p>
+            <a:pPr algn="ctr"/>
+            <a:endParaRPr lang="en-CA"/>
+          </a:p>
+        </p:txBody>
+      </p:sp>
+      <p:cxnSp>
+        <p:nvCxnSpPr>
+          <p:cNvPr id="4" name="Straight Arrow Connector 3">
+            <a:extLst>
+              <a:ext uri="{FF2B5EF4-FFF2-40B4-BE49-F238E27FC236}">
+                <a16:creationId xmlns:a16="http://schemas.microsoft.com/office/drawing/2014/main" id="{902C0888-2241-42DA-83DE-538B3BF2A568}"/>
+              </a:ext>
+            </a:extLst>
+          </p:cNvPr>
+          <p:cNvCxnSpPr>
+            <a:cxnSpLocks/>
+          </p:cNvCxnSpPr>
+          <p:nvPr/>
+        </p:nvCxnSpPr>
+        <p:spPr>
+          <a:xfrm>
+            <a:off x="2729700" y="1635303"/>
+            <a:ext cx="1056132" cy="0"/>
+          </a:xfrm>
+          <a:prstGeom prst="straightConnector1">
+            <a:avLst/>
+          </a:prstGeom>
+          <a:ln w="57150">
+            <a:solidFill>
+              <a:schemeClr val="tx1"/>
+            </a:solidFill>
+            <a:tailEnd type="triangle"/>
+          </a:ln>
+        </p:spPr>
+        <p:style>
+          <a:lnRef idx="1">
+            <a:schemeClr val="accent1"/>
+          </a:lnRef>
+          <a:fillRef idx="0">
+            <a:schemeClr val="accent1"/>
+          </a:fillRef>
+          <a:effectRef idx="0">
+            <a:schemeClr val="accent1"/>
+          </a:effectRef>
+          <a:fontRef idx="minor">
+            <a:schemeClr val="tx1"/>
+          </a:fontRef>
+        </p:style>
+      </p:cxnSp>
+      <p:cxnSp>
+        <p:nvCxnSpPr>
+          <p:cNvPr id="5" name="Straight Arrow Connector 4">
+            <a:extLst>
+              <a:ext uri="{FF2B5EF4-FFF2-40B4-BE49-F238E27FC236}">
+                <a16:creationId xmlns:a16="http://schemas.microsoft.com/office/drawing/2014/main" id="{FAA5E8D9-DCAB-46C7-914D-194AE9308317}"/>
+              </a:ext>
+            </a:extLst>
+          </p:cNvPr>
+          <p:cNvCxnSpPr>
+            <a:cxnSpLocks/>
+          </p:cNvCxnSpPr>
+          <p:nvPr/>
+        </p:nvCxnSpPr>
+        <p:spPr>
+          <a:xfrm flipV="1">
+            <a:off x="2757006" y="579120"/>
+            <a:ext cx="0" cy="1056183"/>
+          </a:xfrm>
+          <a:prstGeom prst="straightConnector1">
+            <a:avLst/>
+          </a:prstGeom>
+          <a:ln w="57150">
+            <a:solidFill>
+              <a:schemeClr val="tx1"/>
+            </a:solidFill>
+            <a:tailEnd type="triangle"/>
+          </a:ln>
+        </p:spPr>
+        <p:style>
+          <a:lnRef idx="1">
+            <a:schemeClr val="accent1"/>
+          </a:lnRef>
+          <a:fillRef idx="0">
+            <a:schemeClr val="accent1"/>
+          </a:fillRef>
+          <a:effectRef idx="0">
+            <a:schemeClr val="accent1"/>
+          </a:effectRef>
+          <a:fontRef idx="minor">
+            <a:schemeClr val="tx1"/>
+          </a:fontRef>
+        </p:style>
+      </p:cxnSp>
+      <mc:AlternateContent xmlns:mc="http://schemas.openxmlformats.org/markup-compatibility/2006" xmlns:a14="http://schemas.microsoft.com/office/drawing/2010/main">
+        <mc:Choice Requires="a14">
+          <p:sp>
+            <p:nvSpPr>
+              <p:cNvPr id="6" name="TextBox 5">
+                <a:extLst>
+                  <a:ext uri="{FF2B5EF4-FFF2-40B4-BE49-F238E27FC236}">
+                    <a16:creationId xmlns:a16="http://schemas.microsoft.com/office/drawing/2014/main" id="{A893027B-1B39-41DF-9383-F370059FA386}"/>
+                  </a:ext>
+                </a:extLst>
+              </p:cNvPr>
+              <p:cNvSpPr txBox="1"/>
+              <p:nvPr/>
+            </p:nvSpPr>
+            <p:spPr>
+              <a:xfrm>
+                <a:off x="2587760" y="1663065"/>
+                <a:ext cx="336415" cy="373362"/>
+              </a:xfrm>
+              <a:prstGeom prst="rect">
+                <a:avLst/>
+              </a:prstGeom>
+              <a:noFill/>
+            </p:spPr>
+            <p:txBody>
+              <a:bodyPr wrap="square" lIns="0" tIns="0" rIns="0" bIns="0" rtlCol="0">
+                <a:spAutoFit/>
+              </a:bodyPr>
+              <a:lstStyle/>
+              <a:p>
+                <a:pPr/>
+                <a14:m>
+                  <m:oMathPara xmlns:m="http://schemas.openxmlformats.org/officeDocument/2006/math">
+                    <m:oMathParaPr>
+                      <m:jc m:val="centerGroup"/>
+                    </m:oMathParaPr>
+                    <m:oMath xmlns:m="http://schemas.openxmlformats.org/officeDocument/2006/math">
+                      <m:r>
+                        <a:rPr lang="en-CA" sz="2400" b="0" i="1" smtClean="0">
+                          <a:latin typeface="Cambria Math" panose="02040503050406030204" pitchFamily="18" charset="0"/>
+                        </a:rPr>
+                        <m:t>𝑥</m:t>
+                      </m:r>
+                    </m:oMath>
+                  </m:oMathPara>
+                </a14:m>
+                <a:endParaRPr lang="en-CA" sz="2400" dirty="0"/>
+              </a:p>
+            </p:txBody>
+          </p:sp>
+        </mc:Choice>
+        <mc:Fallback xmlns="">
+          <p:sp>
+            <p:nvSpPr>
+              <p:cNvPr id="6" name="TextBox 5">
+                <a:extLst>
+                  <a:ext uri="{FF2B5EF4-FFF2-40B4-BE49-F238E27FC236}">
+                    <a16:creationId xmlns:a16="http://schemas.microsoft.com/office/drawing/2014/main" id="{A893027B-1B39-41DF-9383-F370059FA386}"/>
+                  </a:ext>
+                </a:extLst>
+              </p:cNvPr>
+              <p:cNvSpPr txBox="1">
+                <a:spLocks noRot="1" noChangeAspect="1" noMove="1" noResize="1" noEditPoints="1" noAdjustHandles="1" noChangeArrowheads="1" noChangeShapeType="1" noTextEdit="1"/>
+              </p:cNvSpPr>
+              <p:nvPr/>
+            </p:nvSpPr>
+            <p:spPr>
+              <a:xfrm>
+                <a:off x="2587760" y="1663065"/>
+                <a:ext cx="336415" cy="373362"/>
+              </a:xfrm>
+              <a:prstGeom prst="rect">
+                <a:avLst/>
+              </a:prstGeom>
+              <a:blipFill>
+                <a:blip r:embed="rId2"/>
+                <a:stretch>
+                  <a:fillRect/>
+                </a:stretch>
+              </a:blipFill>
+            </p:spPr>
+            <p:txBody>
+              <a:bodyPr/>
+              <a:lstStyle/>
+              <a:p>
+                <a:r>
+                  <a:rPr lang="en-CA">
+                    <a:noFill/>
+                  </a:rPr>
+                  <a:t> </a:t>
+                </a:r>
+              </a:p>
+            </p:txBody>
+          </p:sp>
+        </mc:Fallback>
+      </mc:AlternateContent>
+      <mc:AlternateContent xmlns:mc="http://schemas.openxmlformats.org/markup-compatibility/2006" xmlns:a14="http://schemas.microsoft.com/office/drawing/2010/main">
+        <mc:Choice Requires="a14">
+          <p:sp>
+            <p:nvSpPr>
+              <p:cNvPr id="7" name="TextBox 6">
+                <a:extLst>
+                  <a:ext uri="{FF2B5EF4-FFF2-40B4-BE49-F238E27FC236}">
+                    <a16:creationId xmlns:a16="http://schemas.microsoft.com/office/drawing/2014/main" id="{2B4A6473-C39A-4F33-A18E-1A55A6C4C843}"/>
+                  </a:ext>
+                </a:extLst>
+              </p:cNvPr>
+              <p:cNvSpPr txBox="1"/>
+              <p:nvPr/>
+            </p:nvSpPr>
+            <p:spPr>
+              <a:xfrm>
+                <a:off x="2587760" y="209788"/>
+                <a:ext cx="338487" cy="369332"/>
+              </a:xfrm>
+              <a:prstGeom prst="rect">
+                <a:avLst/>
+              </a:prstGeom>
+              <a:noFill/>
+            </p:spPr>
+            <p:txBody>
+              <a:bodyPr wrap="square" lIns="0" tIns="0" rIns="0" bIns="0" rtlCol="0">
+                <a:spAutoFit/>
+              </a:bodyPr>
+              <a:lstStyle/>
+              <a:p>
+                <a:pPr/>
+                <a14:m>
+                  <m:oMathPara xmlns:m="http://schemas.openxmlformats.org/officeDocument/2006/math">
+                    <m:oMathParaPr>
+                      <m:jc m:val="centerGroup"/>
+                    </m:oMathParaPr>
+                    <m:oMath xmlns:m="http://schemas.openxmlformats.org/officeDocument/2006/math">
+                      <m:r>
+                        <a:rPr lang="en-CA" sz="2400" b="0" i="1" smtClean="0">
+                          <a:latin typeface="Cambria Math" panose="02040503050406030204" pitchFamily="18" charset="0"/>
+                        </a:rPr>
+                        <m:t>𝑦</m:t>
+                      </m:r>
+                    </m:oMath>
+                  </m:oMathPara>
+                </a14:m>
+                <a:endParaRPr lang="en-CA" sz="2400" dirty="0"/>
+              </a:p>
+            </p:txBody>
+          </p:sp>
+        </mc:Choice>
+        <mc:Fallback xmlns="">
+          <p:sp>
+            <p:nvSpPr>
+              <p:cNvPr id="7" name="TextBox 6">
+                <a:extLst>
+                  <a:ext uri="{FF2B5EF4-FFF2-40B4-BE49-F238E27FC236}">
+                    <a16:creationId xmlns:a16="http://schemas.microsoft.com/office/drawing/2014/main" id="{2B4A6473-C39A-4F33-A18E-1A55A6C4C843}"/>
+                  </a:ext>
+                </a:extLst>
+              </p:cNvPr>
+              <p:cNvSpPr txBox="1">
+                <a:spLocks noRot="1" noChangeAspect="1" noMove="1" noResize="1" noEditPoints="1" noAdjustHandles="1" noChangeArrowheads="1" noChangeShapeType="1" noTextEdit="1"/>
+              </p:cNvSpPr>
+              <p:nvPr/>
+            </p:nvSpPr>
+            <p:spPr>
+              <a:xfrm>
+                <a:off x="2587760" y="209788"/>
+                <a:ext cx="338487" cy="369332"/>
+              </a:xfrm>
+              <a:prstGeom prst="rect">
+                <a:avLst/>
+              </a:prstGeom>
+              <a:blipFill>
+                <a:blip r:embed="rId3"/>
+                <a:stretch>
+                  <a:fillRect l="-9091" r="-7273" b="-24590"/>
+                </a:stretch>
+              </a:blipFill>
+            </p:spPr>
+            <p:txBody>
+              <a:bodyPr/>
+              <a:lstStyle/>
+              <a:p>
+                <a:r>
+                  <a:rPr lang="en-CA">
+                    <a:noFill/>
+                  </a:rPr>
+                  <a:t> </a:t>
+                </a:r>
+              </a:p>
+            </p:txBody>
+          </p:sp>
+        </mc:Fallback>
+      </mc:AlternateContent>
+      <mc:AlternateContent xmlns:mc="http://schemas.openxmlformats.org/markup-compatibility/2006" xmlns:a14="http://schemas.microsoft.com/office/drawing/2010/main">
+        <mc:Choice Requires="a14">
+          <p:sp>
+            <p:nvSpPr>
+              <p:cNvPr id="10" name="TextBox 9">
+                <a:extLst>
+                  <a:ext uri="{FF2B5EF4-FFF2-40B4-BE49-F238E27FC236}">
+                    <a16:creationId xmlns:a16="http://schemas.microsoft.com/office/drawing/2014/main" id="{B2653D4C-61AB-4A86-96CC-EAE7C78F4C9A}"/>
+                  </a:ext>
+                </a:extLst>
+              </p:cNvPr>
+              <p:cNvSpPr txBox="1"/>
+              <p:nvPr/>
+            </p:nvSpPr>
+            <p:spPr>
+              <a:xfrm>
+                <a:off x="3738600" y="1428101"/>
+                <a:ext cx="338487" cy="369332"/>
+              </a:xfrm>
+              <a:prstGeom prst="rect">
+                <a:avLst/>
+              </a:prstGeom>
+              <a:noFill/>
+            </p:spPr>
+            <p:txBody>
+              <a:bodyPr wrap="square" lIns="0" tIns="0" rIns="0" bIns="0" rtlCol="0">
+                <a:spAutoFit/>
+              </a:bodyPr>
+              <a:lstStyle/>
+              <a:p>
+                <a:pPr/>
+                <a14:m>
+                  <m:oMathPara xmlns:m="http://schemas.openxmlformats.org/officeDocument/2006/math">
+                    <m:oMathParaPr>
+                      <m:jc m:val="centerGroup"/>
+                    </m:oMathParaPr>
+                    <m:oMath xmlns:m="http://schemas.openxmlformats.org/officeDocument/2006/math">
+                      <m:r>
+                        <a:rPr lang="en-CA" sz="2400" b="0" i="1" smtClean="0">
+                          <a:latin typeface="Cambria Math" panose="02040503050406030204" pitchFamily="18" charset="0"/>
+                        </a:rPr>
+                        <m:t>𝑧</m:t>
+                      </m:r>
+                    </m:oMath>
+                  </m:oMathPara>
+                </a14:m>
+                <a:endParaRPr lang="en-CA" sz="2400" dirty="0"/>
+              </a:p>
+            </p:txBody>
+          </p:sp>
+        </mc:Choice>
+        <mc:Fallback xmlns="">
+          <p:sp>
+            <p:nvSpPr>
+              <p:cNvPr id="10" name="TextBox 9">
+                <a:extLst>
+                  <a:ext uri="{FF2B5EF4-FFF2-40B4-BE49-F238E27FC236}">
+                    <a16:creationId xmlns:a16="http://schemas.microsoft.com/office/drawing/2014/main" id="{B2653D4C-61AB-4A86-96CC-EAE7C78F4C9A}"/>
+                  </a:ext>
+                </a:extLst>
+              </p:cNvPr>
+              <p:cNvSpPr txBox="1">
+                <a:spLocks noRot="1" noChangeAspect="1" noMove="1" noResize="1" noEditPoints="1" noAdjustHandles="1" noChangeArrowheads="1" noChangeShapeType="1" noTextEdit="1"/>
+              </p:cNvSpPr>
+              <p:nvPr/>
+            </p:nvSpPr>
+            <p:spPr>
+              <a:xfrm>
+                <a:off x="3738600" y="1428101"/>
+                <a:ext cx="338487" cy="369332"/>
+              </a:xfrm>
+              <a:prstGeom prst="rect">
+                <a:avLst/>
+              </a:prstGeom>
+              <a:blipFill>
+                <a:blip r:embed="rId4"/>
+                <a:stretch>
+                  <a:fillRect/>
+                </a:stretch>
+              </a:blipFill>
+            </p:spPr>
+            <p:txBody>
+              <a:bodyPr/>
+              <a:lstStyle/>
+              <a:p>
+                <a:r>
+                  <a:rPr lang="en-CA">
+                    <a:noFill/>
+                  </a:rPr>
+                  <a:t> </a:t>
+                </a:r>
+              </a:p>
+            </p:txBody>
+          </p:sp>
+        </mc:Fallback>
+      </mc:AlternateContent>
+      <p:sp>
+        <p:nvSpPr>
+          <p:cNvPr id="11" name="Rectangle 10">
+            <a:extLst>
+              <a:ext uri="{FF2B5EF4-FFF2-40B4-BE49-F238E27FC236}">
+                <a16:creationId xmlns:a16="http://schemas.microsoft.com/office/drawing/2014/main" id="{D8DD678E-36D6-4464-96C6-C49ABD9C0BC5}"/>
+              </a:ext>
+            </a:extLst>
+          </p:cNvPr>
+          <p:cNvSpPr/>
+          <p:nvPr/>
+        </p:nvSpPr>
+        <p:spPr>
+          <a:xfrm>
+            <a:off x="3715008" y="2323890"/>
+            <a:ext cx="1571348" cy="2844492"/>
+          </a:xfrm>
+          <a:prstGeom prst="rect">
+            <a:avLst/>
+          </a:prstGeom>
+          <a:solidFill>
+            <a:schemeClr val="bg1"/>
+          </a:solidFill>
+          <a:ln w="57150">
+            <a:solidFill>
+              <a:schemeClr val="tx1"/>
+            </a:solidFill>
+          </a:ln>
+        </p:spPr>
+        <p:style>
+          <a:lnRef idx="2">
+            <a:schemeClr val="accent1">
+              <a:shade val="50000"/>
+            </a:schemeClr>
+          </a:lnRef>
+          <a:fillRef idx="1">
+            <a:schemeClr val="accent1"/>
+          </a:fillRef>
+          <a:effectRef idx="0">
+            <a:schemeClr val="accent1"/>
+          </a:effectRef>
+          <a:fontRef idx="minor">
+            <a:schemeClr val="lt1"/>
+          </a:fontRef>
+        </p:style>
+        <p:txBody>
+          <a:bodyPr rtlCol="0" anchor="ctr"/>
+          <a:lstStyle/>
+          <a:p>
+            <a:pPr algn="ctr"/>
+            <a:endParaRPr lang="en-CA"/>
+          </a:p>
+        </p:txBody>
+      </p:sp>
+      <p:sp>
+        <p:nvSpPr>
+          <p:cNvPr id="12" name="Rectangle 11">
+            <a:extLst>
+              <a:ext uri="{FF2B5EF4-FFF2-40B4-BE49-F238E27FC236}">
+                <a16:creationId xmlns:a16="http://schemas.microsoft.com/office/drawing/2014/main" id="{7CAF61D3-866A-43E6-BE0F-FD6B9E34B9C6}"/>
+              </a:ext>
+            </a:extLst>
+          </p:cNvPr>
+          <p:cNvSpPr/>
+          <p:nvPr/>
+        </p:nvSpPr>
+        <p:spPr>
+          <a:xfrm>
+            <a:off x="5545288" y="2476290"/>
+            <a:ext cx="1276905" cy="2844492"/>
+          </a:xfrm>
+          <a:prstGeom prst="rect">
+            <a:avLst/>
+          </a:prstGeom>
+          <a:solidFill>
+            <a:schemeClr val="bg1"/>
+          </a:solidFill>
+          <a:ln w="57150">
+            <a:solidFill>
+              <a:schemeClr val="tx1"/>
+            </a:solidFill>
+          </a:ln>
+        </p:spPr>
+        <p:style>
+          <a:lnRef idx="2">
+            <a:schemeClr val="accent1">
+              <a:shade val="50000"/>
+            </a:schemeClr>
+          </a:lnRef>
+          <a:fillRef idx="1">
+            <a:schemeClr val="accent1"/>
+          </a:fillRef>
+          <a:effectRef idx="0">
+            <a:schemeClr val="accent1"/>
+          </a:effectRef>
+          <a:fontRef idx="minor">
+            <a:schemeClr val="lt1"/>
+          </a:fontRef>
+        </p:style>
+        <p:txBody>
+          <a:bodyPr rtlCol="0" anchor="ctr"/>
+          <a:lstStyle/>
+          <a:p>
+            <a:pPr algn="ctr"/>
+            <a:endParaRPr lang="en-CA"/>
+          </a:p>
+        </p:txBody>
+      </p:sp>
+      <p:sp>
+        <p:nvSpPr>
+          <p:cNvPr id="13" name="Rectangle 12">
+            <a:extLst>
+              <a:ext uri="{FF2B5EF4-FFF2-40B4-BE49-F238E27FC236}">
+                <a16:creationId xmlns:a16="http://schemas.microsoft.com/office/drawing/2014/main" id="{5A199A9A-EDB5-454D-9586-8211281306E8}"/>
+              </a:ext>
+            </a:extLst>
+          </p:cNvPr>
+          <p:cNvSpPr/>
+          <p:nvPr/>
+        </p:nvSpPr>
+        <p:spPr>
+          <a:xfrm>
+            <a:off x="7081125" y="2323890"/>
+            <a:ext cx="1571348" cy="2844492"/>
+          </a:xfrm>
+          <a:prstGeom prst="rect">
+            <a:avLst/>
+          </a:prstGeom>
+          <a:solidFill>
+            <a:schemeClr val="bg1"/>
+          </a:solidFill>
+          <a:ln w="57150">
+            <a:solidFill>
+              <a:schemeClr val="tx1"/>
+            </a:solidFill>
+          </a:ln>
+        </p:spPr>
+        <p:style>
+          <a:lnRef idx="2">
+            <a:schemeClr val="accent1">
+              <a:shade val="50000"/>
+            </a:schemeClr>
+          </a:lnRef>
+          <a:fillRef idx="1">
+            <a:schemeClr val="accent1"/>
+          </a:fillRef>
+          <a:effectRef idx="0">
+            <a:schemeClr val="accent1"/>
+          </a:effectRef>
+          <a:fontRef idx="minor">
+            <a:schemeClr val="lt1"/>
+          </a:fontRef>
+        </p:style>
+        <p:txBody>
+          <a:bodyPr rtlCol="0" anchor="ctr"/>
+          <a:lstStyle/>
+          <a:p>
+            <a:pPr algn="ctr"/>
+            <a:endParaRPr lang="en-CA"/>
+          </a:p>
+        </p:txBody>
+      </p:sp>
+      <mc:AlternateContent xmlns:mc="http://schemas.openxmlformats.org/markup-compatibility/2006" xmlns:a14="http://schemas.microsoft.com/office/drawing/2010/main">
+        <mc:Choice Requires="a14">
+          <p:sp>
+            <p:nvSpPr>
+              <p:cNvPr id="14" name="TextBox 13">
+                <a:extLst>
+                  <a:ext uri="{FF2B5EF4-FFF2-40B4-BE49-F238E27FC236}">
+                    <a16:creationId xmlns:a16="http://schemas.microsoft.com/office/drawing/2014/main" id="{D533A932-C35E-4B40-B96E-38F8263D9F75}"/>
+                  </a:ext>
+                </a:extLst>
+              </p:cNvPr>
+              <p:cNvSpPr txBox="1"/>
+              <p:nvPr/>
+            </p:nvSpPr>
+            <p:spPr>
+              <a:xfrm>
+                <a:off x="4200756" y="5365102"/>
+                <a:ext cx="643253" cy="369332"/>
+              </a:xfrm>
+              <a:prstGeom prst="rect">
+                <a:avLst/>
+              </a:prstGeom>
+              <a:noFill/>
+            </p:spPr>
+            <p:txBody>
+              <a:bodyPr wrap="none" lIns="0" tIns="0" rIns="0" bIns="0" rtlCol="0">
+                <a:spAutoFit/>
+              </a:bodyPr>
+              <a:lstStyle/>
+              <a:p>
+                <a:pPr/>
+                <a14:m>
+                  <m:oMathPara xmlns:m="http://schemas.openxmlformats.org/officeDocument/2006/math">
+                    <m:oMathParaPr>
+                      <m:jc m:val="centerGroup"/>
+                    </m:oMathParaPr>
+                    <m:oMath xmlns:m="http://schemas.openxmlformats.org/officeDocument/2006/math">
+                      <m:r>
+                        <a:rPr lang="en-CA" sz="2400" b="0" i="1" smtClean="0">
+                          <a:latin typeface="Cambria Math" panose="02040503050406030204" pitchFamily="18" charset="0"/>
+                        </a:rPr>
+                        <m:t>3</m:t>
+                      </m:r>
+                      <m:r>
+                        <a:rPr lang="en-CA" sz="2400" b="0" i="1" smtClean="0">
+                          <a:latin typeface="Cambria Math" panose="02040503050406030204" pitchFamily="18" charset="0"/>
+                        </a:rPr>
+                        <m:t>𝑐𝑚</m:t>
+                      </m:r>
+                    </m:oMath>
+                  </m:oMathPara>
+                </a14:m>
+                <a:endParaRPr lang="en-CA" dirty="0"/>
+              </a:p>
+            </p:txBody>
+          </p:sp>
+        </mc:Choice>
+        <mc:Fallback xmlns="">
+          <p:sp>
+            <p:nvSpPr>
+              <p:cNvPr id="14" name="TextBox 13">
+                <a:extLst>
+                  <a:ext uri="{FF2B5EF4-FFF2-40B4-BE49-F238E27FC236}">
+                    <a16:creationId xmlns:a16="http://schemas.microsoft.com/office/drawing/2014/main" id="{D533A932-C35E-4B40-B96E-38F8263D9F75}"/>
+                  </a:ext>
+                </a:extLst>
+              </p:cNvPr>
+              <p:cNvSpPr txBox="1">
+                <a:spLocks noRot="1" noChangeAspect="1" noMove="1" noResize="1" noEditPoints="1" noAdjustHandles="1" noChangeArrowheads="1" noChangeShapeType="1" noTextEdit="1"/>
+              </p:cNvSpPr>
+              <p:nvPr/>
+            </p:nvSpPr>
+            <p:spPr>
+              <a:xfrm>
+                <a:off x="4200756" y="5365102"/>
+                <a:ext cx="643253" cy="369332"/>
+              </a:xfrm>
+              <a:prstGeom prst="rect">
+                <a:avLst/>
+              </a:prstGeom>
+              <a:blipFill>
+                <a:blip r:embed="rId5"/>
+                <a:stretch>
+                  <a:fillRect l="-10377" r="-10377" b="-6557"/>
+                </a:stretch>
+              </a:blipFill>
+            </p:spPr>
+            <p:txBody>
+              <a:bodyPr/>
+              <a:lstStyle/>
+              <a:p>
+                <a:r>
+                  <a:rPr lang="en-CA">
+                    <a:noFill/>
+                  </a:rPr>
+                  <a:t> </a:t>
+                </a:r>
+              </a:p>
+            </p:txBody>
+          </p:sp>
+        </mc:Fallback>
+      </mc:AlternateContent>
+      <mc:AlternateContent xmlns:mc="http://schemas.openxmlformats.org/markup-compatibility/2006" xmlns:a14="http://schemas.microsoft.com/office/drawing/2010/main">
+        <mc:Choice Requires="a14">
+          <p:sp>
+            <p:nvSpPr>
+              <p:cNvPr id="15" name="TextBox 14">
+                <a:extLst>
+                  <a:ext uri="{FF2B5EF4-FFF2-40B4-BE49-F238E27FC236}">
+                    <a16:creationId xmlns:a16="http://schemas.microsoft.com/office/drawing/2014/main" id="{10F39079-496A-4B20-B387-DA602AC1C943}"/>
+                  </a:ext>
+                </a:extLst>
+              </p:cNvPr>
+              <p:cNvSpPr txBox="1"/>
+              <p:nvPr/>
+            </p:nvSpPr>
+            <p:spPr>
+              <a:xfrm>
+                <a:off x="7545172" y="5365102"/>
+                <a:ext cx="643253" cy="369332"/>
+              </a:xfrm>
+              <a:prstGeom prst="rect">
+                <a:avLst/>
+              </a:prstGeom>
+              <a:noFill/>
+            </p:spPr>
+            <p:txBody>
+              <a:bodyPr wrap="none" lIns="0" tIns="0" rIns="0" bIns="0" rtlCol="0">
+                <a:spAutoFit/>
+              </a:bodyPr>
+              <a:lstStyle/>
+              <a:p>
+                <a:pPr/>
+                <a14:m>
+                  <m:oMathPara xmlns:m="http://schemas.openxmlformats.org/officeDocument/2006/math">
+                    <m:oMathParaPr>
+                      <m:jc m:val="centerGroup"/>
+                    </m:oMathParaPr>
+                    <m:oMath xmlns:m="http://schemas.openxmlformats.org/officeDocument/2006/math">
+                      <m:r>
+                        <a:rPr lang="en-CA" sz="2400" b="0" i="1" smtClean="0">
+                          <a:latin typeface="Cambria Math" panose="02040503050406030204" pitchFamily="18" charset="0"/>
+                        </a:rPr>
+                        <m:t>3</m:t>
+                      </m:r>
+                      <m:r>
+                        <a:rPr lang="en-CA" sz="2400" b="0" i="1" smtClean="0">
+                          <a:latin typeface="Cambria Math" panose="02040503050406030204" pitchFamily="18" charset="0"/>
+                        </a:rPr>
+                        <m:t>𝑐𝑚</m:t>
+                      </m:r>
+                    </m:oMath>
+                  </m:oMathPara>
+                </a14:m>
+                <a:endParaRPr lang="en-CA" dirty="0"/>
+              </a:p>
+            </p:txBody>
+          </p:sp>
+        </mc:Choice>
+        <mc:Fallback xmlns="">
+          <p:sp>
+            <p:nvSpPr>
+              <p:cNvPr id="15" name="TextBox 14">
+                <a:extLst>
+                  <a:ext uri="{FF2B5EF4-FFF2-40B4-BE49-F238E27FC236}">
+                    <a16:creationId xmlns:a16="http://schemas.microsoft.com/office/drawing/2014/main" id="{10F39079-496A-4B20-B387-DA602AC1C943}"/>
+                  </a:ext>
+                </a:extLst>
+              </p:cNvPr>
+              <p:cNvSpPr txBox="1">
+                <a:spLocks noRot="1" noChangeAspect="1" noMove="1" noResize="1" noEditPoints="1" noAdjustHandles="1" noChangeArrowheads="1" noChangeShapeType="1" noTextEdit="1"/>
+              </p:cNvSpPr>
+              <p:nvPr/>
+            </p:nvSpPr>
+            <p:spPr>
+              <a:xfrm>
+                <a:off x="7545172" y="5365102"/>
+                <a:ext cx="643253" cy="369332"/>
+              </a:xfrm>
+              <a:prstGeom prst="rect">
+                <a:avLst/>
+              </a:prstGeom>
+              <a:blipFill>
+                <a:blip r:embed="rId6"/>
+                <a:stretch>
+                  <a:fillRect l="-11429" r="-10476" b="-6557"/>
+                </a:stretch>
+              </a:blipFill>
+            </p:spPr>
+            <p:txBody>
+              <a:bodyPr/>
+              <a:lstStyle/>
+              <a:p>
+                <a:r>
+                  <a:rPr lang="en-CA">
+                    <a:noFill/>
+                  </a:rPr>
+                  <a:t> </a:t>
+                </a:r>
+              </a:p>
+            </p:txBody>
+          </p:sp>
+        </mc:Fallback>
+      </mc:AlternateContent>
+      <mc:AlternateContent xmlns:mc="http://schemas.openxmlformats.org/markup-compatibility/2006" xmlns:a14="http://schemas.microsoft.com/office/drawing/2010/main">
+        <mc:Choice Requires="a14">
+          <p:sp>
+            <p:nvSpPr>
+              <p:cNvPr id="16" name="TextBox 15">
+                <a:extLst>
+                  <a:ext uri="{FF2B5EF4-FFF2-40B4-BE49-F238E27FC236}">
+                    <a16:creationId xmlns:a16="http://schemas.microsoft.com/office/drawing/2014/main" id="{BEE92B30-8C42-4128-B398-66638736E6E1}"/>
+                  </a:ext>
+                </a:extLst>
+              </p:cNvPr>
+              <p:cNvSpPr txBox="1"/>
+              <p:nvPr/>
+            </p:nvSpPr>
+            <p:spPr>
+              <a:xfrm>
+                <a:off x="5892255" y="5549768"/>
+                <a:ext cx="643253" cy="369332"/>
+              </a:xfrm>
+              <a:prstGeom prst="rect">
+                <a:avLst/>
+              </a:prstGeom>
+              <a:noFill/>
+            </p:spPr>
+            <p:txBody>
+              <a:bodyPr wrap="none" lIns="0" tIns="0" rIns="0" bIns="0" rtlCol="0">
+                <a:spAutoFit/>
+              </a:bodyPr>
+              <a:lstStyle/>
+              <a:p>
+                <a:pPr/>
+                <a14:m>
+                  <m:oMathPara xmlns:m="http://schemas.openxmlformats.org/officeDocument/2006/math">
+                    <m:oMathParaPr>
+                      <m:jc m:val="centerGroup"/>
+                    </m:oMathParaPr>
+                    <m:oMath xmlns:m="http://schemas.openxmlformats.org/officeDocument/2006/math">
+                      <m:r>
+                        <a:rPr lang="en-CA" sz="2400" i="1">
+                          <a:latin typeface="Cambria Math" panose="02040503050406030204" pitchFamily="18" charset="0"/>
+                        </a:rPr>
+                        <m:t>2</m:t>
+                      </m:r>
+                      <m:r>
+                        <a:rPr lang="en-CA" sz="2400" b="0" i="1" smtClean="0">
+                          <a:latin typeface="Cambria Math" panose="02040503050406030204" pitchFamily="18" charset="0"/>
+                        </a:rPr>
+                        <m:t>𝑐𝑚</m:t>
+                      </m:r>
+                    </m:oMath>
+                  </m:oMathPara>
+                </a14:m>
+                <a:endParaRPr lang="en-CA" dirty="0"/>
+              </a:p>
+            </p:txBody>
+          </p:sp>
+        </mc:Choice>
+        <mc:Fallback xmlns="">
+          <p:sp>
+            <p:nvSpPr>
+              <p:cNvPr id="16" name="TextBox 15">
+                <a:extLst>
+                  <a:ext uri="{FF2B5EF4-FFF2-40B4-BE49-F238E27FC236}">
+                    <a16:creationId xmlns:a16="http://schemas.microsoft.com/office/drawing/2014/main" id="{BEE92B30-8C42-4128-B398-66638736E6E1}"/>
+                  </a:ext>
+                </a:extLst>
+              </p:cNvPr>
+              <p:cNvSpPr txBox="1">
+                <a:spLocks noRot="1" noChangeAspect="1" noMove="1" noResize="1" noEditPoints="1" noAdjustHandles="1" noChangeArrowheads="1" noChangeShapeType="1" noTextEdit="1"/>
+              </p:cNvSpPr>
+              <p:nvPr/>
+            </p:nvSpPr>
+            <p:spPr>
+              <a:xfrm>
+                <a:off x="5892255" y="5549768"/>
+                <a:ext cx="643253" cy="369332"/>
+              </a:xfrm>
+              <a:prstGeom prst="rect">
+                <a:avLst/>
+              </a:prstGeom>
+              <a:blipFill>
+                <a:blip r:embed="rId7"/>
+                <a:stretch>
+                  <a:fillRect l="-11429" r="-5714" b="-6557"/>
+                </a:stretch>
+              </a:blipFill>
+            </p:spPr>
+            <p:txBody>
+              <a:bodyPr/>
+              <a:lstStyle/>
+              <a:p>
+                <a:r>
+                  <a:rPr lang="en-CA">
+                    <a:noFill/>
+                  </a:rPr>
+                  <a:t> </a:t>
+                </a:r>
+              </a:p>
+            </p:txBody>
+          </p:sp>
+        </mc:Fallback>
+      </mc:AlternateContent>
+      <p:cxnSp>
+        <p:nvCxnSpPr>
+          <p:cNvPr id="19" name="Straight Arrow Connector 18">
+            <a:extLst>
+              <a:ext uri="{FF2B5EF4-FFF2-40B4-BE49-F238E27FC236}">
+                <a16:creationId xmlns:a16="http://schemas.microsoft.com/office/drawing/2014/main" id="{63BB9660-E0DA-4A61-A87C-B7972057B8C5}"/>
+              </a:ext>
+            </a:extLst>
+          </p:cNvPr>
+          <p:cNvCxnSpPr/>
+          <p:nvPr/>
+        </p:nvCxnSpPr>
+        <p:spPr>
+          <a:xfrm>
+            <a:off x="3682365" y="5337810"/>
+            <a:ext cx="1632585" cy="0"/>
+          </a:xfrm>
+          <a:prstGeom prst="straightConnector1">
+            <a:avLst/>
+          </a:prstGeom>
+          <a:ln w="38100">
+            <a:solidFill>
+              <a:schemeClr val="tx1"/>
+            </a:solidFill>
+            <a:headEnd type="triangle"/>
+            <a:tailEnd type="triangle"/>
+          </a:ln>
+        </p:spPr>
+        <p:style>
+          <a:lnRef idx="1">
+            <a:schemeClr val="accent1"/>
+          </a:lnRef>
+          <a:fillRef idx="0">
+            <a:schemeClr val="accent1"/>
+          </a:fillRef>
+          <a:effectRef idx="0">
+            <a:schemeClr val="accent1"/>
+          </a:effectRef>
+          <a:fontRef idx="minor">
+            <a:schemeClr val="tx1"/>
+          </a:fontRef>
+        </p:style>
+      </p:cxnSp>
+      <p:cxnSp>
+        <p:nvCxnSpPr>
+          <p:cNvPr id="20" name="Straight Arrow Connector 19">
+            <a:extLst>
+              <a:ext uri="{FF2B5EF4-FFF2-40B4-BE49-F238E27FC236}">
+                <a16:creationId xmlns:a16="http://schemas.microsoft.com/office/drawing/2014/main" id="{7AA775BE-A3C6-41E0-BAC2-01E2A7029DD4}"/>
+              </a:ext>
+            </a:extLst>
+          </p:cNvPr>
+          <p:cNvCxnSpPr>
+            <a:cxnSpLocks/>
+          </p:cNvCxnSpPr>
+          <p:nvPr/>
+        </p:nvCxnSpPr>
+        <p:spPr>
+          <a:xfrm>
+            <a:off x="5516880" y="5434965"/>
+            <a:ext cx="1339215" cy="0"/>
+          </a:xfrm>
+          <a:prstGeom prst="straightConnector1">
+            <a:avLst/>
+          </a:prstGeom>
+          <a:ln w="38100">
+            <a:solidFill>
+              <a:schemeClr val="tx1"/>
+            </a:solidFill>
+            <a:headEnd type="triangle"/>
+            <a:tailEnd type="triangle"/>
+          </a:ln>
+        </p:spPr>
+        <p:style>
+          <a:lnRef idx="1">
+            <a:schemeClr val="accent1"/>
+          </a:lnRef>
+          <a:fillRef idx="0">
+            <a:schemeClr val="accent1"/>
+          </a:fillRef>
+          <a:effectRef idx="0">
+            <a:schemeClr val="accent1"/>
+          </a:effectRef>
+          <a:fontRef idx="minor">
+            <a:schemeClr val="tx1"/>
+          </a:fontRef>
+        </p:style>
+      </p:cxnSp>
+      <p:cxnSp>
+        <p:nvCxnSpPr>
+          <p:cNvPr id="22" name="Straight Arrow Connector 21">
+            <a:extLst>
+              <a:ext uri="{FF2B5EF4-FFF2-40B4-BE49-F238E27FC236}">
+                <a16:creationId xmlns:a16="http://schemas.microsoft.com/office/drawing/2014/main" id="{663578CF-5F82-4BF5-9D6D-430405FF2C2C}"/>
+              </a:ext>
+            </a:extLst>
+          </p:cNvPr>
+          <p:cNvCxnSpPr>
+            <a:cxnSpLocks/>
+          </p:cNvCxnSpPr>
+          <p:nvPr/>
+        </p:nvCxnSpPr>
+        <p:spPr>
+          <a:xfrm>
+            <a:off x="7053262" y="5320782"/>
+            <a:ext cx="1637348" cy="0"/>
+          </a:xfrm>
+          <a:prstGeom prst="straightConnector1">
+            <a:avLst/>
+          </a:prstGeom>
+          <a:ln w="38100">
+            <a:solidFill>
+              <a:schemeClr val="tx1"/>
+            </a:solidFill>
+            <a:headEnd type="triangle"/>
+            <a:tailEnd type="triangle"/>
+          </a:ln>
+        </p:spPr>
+        <p:style>
+          <a:lnRef idx="1">
+            <a:schemeClr val="accent1"/>
+          </a:lnRef>
+          <a:fillRef idx="0">
+            <a:schemeClr val="accent1"/>
+          </a:fillRef>
+          <a:effectRef idx="0">
+            <a:schemeClr val="accent1"/>
+          </a:effectRef>
+          <a:fontRef idx="minor">
+            <a:schemeClr val="tx1"/>
+          </a:fontRef>
+        </p:style>
+      </p:cxnSp>
+      <p:cxnSp>
+        <p:nvCxnSpPr>
+          <p:cNvPr id="29" name="Straight Connector 28">
+            <a:extLst>
+              <a:ext uri="{FF2B5EF4-FFF2-40B4-BE49-F238E27FC236}">
+                <a16:creationId xmlns:a16="http://schemas.microsoft.com/office/drawing/2014/main" id="{96FE3693-BB2B-4F15-A788-0AC587841051}"/>
+              </a:ext>
+            </a:extLst>
+          </p:cNvPr>
+          <p:cNvCxnSpPr>
+            <a:cxnSpLocks/>
+          </p:cNvCxnSpPr>
+          <p:nvPr/>
+        </p:nvCxnSpPr>
+        <p:spPr>
+          <a:xfrm flipV="1">
+            <a:off x="5516880" y="1832611"/>
+            <a:ext cx="0" cy="266699"/>
+          </a:xfrm>
+          <a:prstGeom prst="line">
+            <a:avLst/>
+          </a:prstGeom>
+          <a:ln w="38100">
+            <a:solidFill>
+              <a:schemeClr val="tx1"/>
+            </a:solidFill>
+          </a:ln>
+        </p:spPr>
+        <p:style>
+          <a:lnRef idx="1">
+            <a:schemeClr val="accent1"/>
+          </a:lnRef>
+          <a:fillRef idx="0">
+            <a:schemeClr val="accent1"/>
+          </a:fillRef>
+          <a:effectRef idx="0">
+            <a:schemeClr val="accent1"/>
+          </a:effectRef>
+          <a:fontRef idx="minor">
+            <a:schemeClr val="tx1"/>
+          </a:fontRef>
+        </p:style>
+      </p:cxnSp>
+      <p:cxnSp>
+        <p:nvCxnSpPr>
+          <p:cNvPr id="32" name="Straight Connector 31">
+            <a:extLst>
+              <a:ext uri="{FF2B5EF4-FFF2-40B4-BE49-F238E27FC236}">
+                <a16:creationId xmlns:a16="http://schemas.microsoft.com/office/drawing/2014/main" id="{923FABDA-92FC-4816-B42E-C5F9E4BDA3BE}"/>
+              </a:ext>
+            </a:extLst>
+          </p:cNvPr>
+          <p:cNvCxnSpPr>
+            <a:cxnSpLocks/>
+          </p:cNvCxnSpPr>
+          <p:nvPr/>
+        </p:nvCxnSpPr>
+        <p:spPr>
+          <a:xfrm flipV="1">
+            <a:off x="5322570" y="1832611"/>
+            <a:ext cx="0" cy="266699"/>
+          </a:xfrm>
+          <a:prstGeom prst="line">
+            <a:avLst/>
+          </a:prstGeom>
+          <a:ln w="38100">
+            <a:solidFill>
+              <a:schemeClr val="tx1"/>
+            </a:solidFill>
+          </a:ln>
+        </p:spPr>
+        <p:style>
+          <a:lnRef idx="1">
+            <a:schemeClr val="accent1"/>
+          </a:lnRef>
+          <a:fillRef idx="0">
+            <a:schemeClr val="accent1"/>
+          </a:fillRef>
+          <a:effectRef idx="0">
+            <a:schemeClr val="accent1"/>
+          </a:effectRef>
+          <a:fontRef idx="minor">
+            <a:schemeClr val="tx1"/>
+          </a:fontRef>
+        </p:style>
+      </p:cxnSp>
+      <mc:AlternateContent xmlns:mc="http://schemas.openxmlformats.org/markup-compatibility/2006" xmlns:a14="http://schemas.microsoft.com/office/drawing/2010/main">
+        <mc:Choice Requires="a14">
+          <p:sp>
+            <p:nvSpPr>
+              <p:cNvPr id="33" name="TextBox 32">
+                <a:extLst>
+                  <a:ext uri="{FF2B5EF4-FFF2-40B4-BE49-F238E27FC236}">
+                    <a16:creationId xmlns:a16="http://schemas.microsoft.com/office/drawing/2014/main" id="{53EAD2FF-B6C6-464F-8458-6ED5B8EC7C07}"/>
+                  </a:ext>
+                </a:extLst>
+              </p:cNvPr>
+              <p:cNvSpPr txBox="1"/>
+              <p:nvPr/>
+            </p:nvSpPr>
+            <p:spPr>
+              <a:xfrm>
+                <a:off x="4963975" y="1370983"/>
+                <a:ext cx="1162626" cy="369332"/>
+              </a:xfrm>
+              <a:prstGeom prst="rect">
+                <a:avLst/>
+              </a:prstGeom>
+              <a:noFill/>
+            </p:spPr>
+            <p:txBody>
+              <a:bodyPr wrap="none" lIns="0" tIns="0" rIns="0" bIns="0" rtlCol="0">
+                <a:spAutoFit/>
+              </a:bodyPr>
+              <a:lstStyle/>
+              <a:p>
+                <a:pPr/>
+                <a14:m>
+                  <m:oMathPara xmlns:m="http://schemas.openxmlformats.org/officeDocument/2006/math">
+                    <m:oMathParaPr>
+                      <m:jc m:val="centerGroup"/>
+                    </m:oMathParaPr>
+                    <m:oMath xmlns:m="http://schemas.openxmlformats.org/officeDocument/2006/math">
+                      <m:r>
+                        <a:rPr lang="en-CA" sz="2400" i="1" smtClean="0">
+                          <a:latin typeface="Cambria Math" panose="02040503050406030204" pitchFamily="18" charset="0"/>
+                        </a:rPr>
+                        <m:t>4</m:t>
+                      </m:r>
+                      <m:r>
+                        <a:rPr lang="en-CA" sz="2400" b="0" i="1" smtClean="0">
+                          <a:latin typeface="Cambria Math" panose="02040503050406030204" pitchFamily="18" charset="0"/>
+                        </a:rPr>
+                        <m:t>.76</m:t>
+                      </m:r>
+                      <m:r>
+                        <a:rPr lang="en-CA" sz="2400" b="0" i="1" smtClean="0">
+                          <a:latin typeface="Cambria Math" panose="02040503050406030204" pitchFamily="18" charset="0"/>
+                        </a:rPr>
+                        <m:t>𝑚𝑚</m:t>
+                      </m:r>
+                    </m:oMath>
+                  </m:oMathPara>
+                </a14:m>
+                <a:endParaRPr lang="en-CA" dirty="0"/>
+              </a:p>
+            </p:txBody>
+          </p:sp>
+        </mc:Choice>
+        <mc:Fallback xmlns="">
+          <p:sp>
+            <p:nvSpPr>
+              <p:cNvPr id="33" name="TextBox 32">
+                <a:extLst>
+                  <a:ext uri="{FF2B5EF4-FFF2-40B4-BE49-F238E27FC236}">
+                    <a16:creationId xmlns:a16="http://schemas.microsoft.com/office/drawing/2014/main" id="{53EAD2FF-B6C6-464F-8458-6ED5B8EC7C07}"/>
+                  </a:ext>
+                </a:extLst>
+              </p:cNvPr>
+              <p:cNvSpPr txBox="1">
+                <a:spLocks noRot="1" noChangeAspect="1" noMove="1" noResize="1" noEditPoints="1" noAdjustHandles="1" noChangeArrowheads="1" noChangeShapeType="1" noTextEdit="1"/>
+              </p:cNvSpPr>
+              <p:nvPr/>
+            </p:nvSpPr>
+            <p:spPr>
+              <a:xfrm>
+                <a:off x="4963975" y="1370983"/>
+                <a:ext cx="1162626" cy="369332"/>
+              </a:xfrm>
+              <a:prstGeom prst="rect">
+                <a:avLst/>
+              </a:prstGeom>
+              <a:blipFill>
+                <a:blip r:embed="rId8"/>
+                <a:stretch>
+                  <a:fillRect l="-5759" r="-5759" b="-6667"/>
+                </a:stretch>
+              </a:blipFill>
+            </p:spPr>
+            <p:txBody>
+              <a:bodyPr/>
+              <a:lstStyle/>
+              <a:p>
+                <a:r>
+                  <a:rPr lang="en-CA">
+                    <a:noFill/>
+                  </a:rPr>
+                  <a:t> </a:t>
+                </a:r>
+              </a:p>
+            </p:txBody>
+          </p:sp>
+        </mc:Fallback>
+      </mc:AlternateContent>
+      <p:cxnSp>
+        <p:nvCxnSpPr>
+          <p:cNvPr id="35" name="Straight Connector 34">
+            <a:extLst>
+              <a:ext uri="{FF2B5EF4-FFF2-40B4-BE49-F238E27FC236}">
+                <a16:creationId xmlns:a16="http://schemas.microsoft.com/office/drawing/2014/main" id="{02F2976B-BEBD-45AB-933C-A089DAFDAA3E}"/>
+              </a:ext>
+            </a:extLst>
+          </p:cNvPr>
+          <p:cNvCxnSpPr>
+            <a:cxnSpLocks/>
+          </p:cNvCxnSpPr>
+          <p:nvPr/>
+        </p:nvCxnSpPr>
+        <p:spPr>
+          <a:xfrm>
+            <a:off x="8753475" y="2476290"/>
+            <a:ext cx="333375" cy="0"/>
+          </a:xfrm>
+          <a:prstGeom prst="line">
+            <a:avLst/>
+          </a:prstGeom>
+          <a:ln w="38100">
+            <a:solidFill>
+              <a:schemeClr val="tx1"/>
+            </a:solidFill>
+          </a:ln>
+        </p:spPr>
+        <p:style>
+          <a:lnRef idx="1">
+            <a:schemeClr val="accent1"/>
+          </a:lnRef>
+          <a:fillRef idx="0">
+            <a:schemeClr val="accent1"/>
+          </a:fillRef>
+          <a:effectRef idx="0">
+            <a:schemeClr val="accent1"/>
+          </a:effectRef>
+          <a:fontRef idx="minor">
+            <a:schemeClr val="tx1"/>
+          </a:fontRef>
+        </p:style>
+      </p:cxnSp>
+      <p:cxnSp>
+        <p:nvCxnSpPr>
+          <p:cNvPr id="36" name="Straight Connector 35">
+            <a:extLst>
+              <a:ext uri="{FF2B5EF4-FFF2-40B4-BE49-F238E27FC236}">
+                <a16:creationId xmlns:a16="http://schemas.microsoft.com/office/drawing/2014/main" id="{C59CA571-069F-477F-A9BE-641BC362F79B}"/>
+              </a:ext>
+            </a:extLst>
+          </p:cNvPr>
+          <p:cNvCxnSpPr>
+            <a:cxnSpLocks/>
+          </p:cNvCxnSpPr>
+          <p:nvPr/>
+        </p:nvCxnSpPr>
+        <p:spPr>
+          <a:xfrm>
+            <a:off x="8759190" y="2323890"/>
+            <a:ext cx="325755" cy="0"/>
+          </a:xfrm>
+          <a:prstGeom prst="line">
+            <a:avLst/>
+          </a:prstGeom>
+          <a:ln w="38100">
+            <a:solidFill>
+              <a:schemeClr val="tx1"/>
+            </a:solidFill>
+          </a:ln>
+        </p:spPr>
+        <p:style>
+          <a:lnRef idx="1">
+            <a:schemeClr val="accent1"/>
+          </a:lnRef>
+          <a:fillRef idx="0">
+            <a:schemeClr val="accent1"/>
+          </a:fillRef>
+          <a:effectRef idx="0">
+            <a:schemeClr val="accent1"/>
+          </a:effectRef>
+          <a:fontRef idx="minor">
+            <a:schemeClr val="tx1"/>
+          </a:fontRef>
+        </p:style>
+      </p:cxnSp>
+      <mc:AlternateContent xmlns:mc="http://schemas.openxmlformats.org/markup-compatibility/2006" xmlns:a14="http://schemas.microsoft.com/office/drawing/2010/main">
+        <mc:Choice Requires="a14">
+          <p:sp>
+            <p:nvSpPr>
+              <p:cNvPr id="64" name="TextBox 63">
+                <a:extLst>
+                  <a:ext uri="{FF2B5EF4-FFF2-40B4-BE49-F238E27FC236}">
+                    <a16:creationId xmlns:a16="http://schemas.microsoft.com/office/drawing/2014/main" id="{F6A630F7-6119-4E69-A1C3-36E5151DA84B}"/>
+                  </a:ext>
+                </a:extLst>
+              </p:cNvPr>
+              <p:cNvSpPr txBox="1"/>
+              <p:nvPr/>
+            </p:nvSpPr>
+            <p:spPr>
+              <a:xfrm>
+                <a:off x="9225915" y="2147482"/>
+                <a:ext cx="760273" cy="369332"/>
+              </a:xfrm>
+              <a:prstGeom prst="rect">
+                <a:avLst/>
+              </a:prstGeom>
+              <a:noFill/>
+            </p:spPr>
+            <p:txBody>
+              <a:bodyPr wrap="none" lIns="0" tIns="0" rIns="0" bIns="0" rtlCol="0">
+                <a:spAutoFit/>
+              </a:bodyPr>
+              <a:lstStyle/>
+              <a:p>
+                <a:pPr/>
+                <a14:m>
+                  <m:oMathPara xmlns:m="http://schemas.openxmlformats.org/officeDocument/2006/math">
+                    <m:oMathParaPr>
+                      <m:jc m:val="centerGroup"/>
+                    </m:oMathParaPr>
+                    <m:oMath xmlns:m="http://schemas.openxmlformats.org/officeDocument/2006/math">
+                      <m:r>
+                        <a:rPr lang="en-CA" sz="2400" i="1">
+                          <a:latin typeface="Cambria Math" panose="02040503050406030204" pitchFamily="18" charset="0"/>
+                        </a:rPr>
+                        <m:t>2</m:t>
+                      </m:r>
+                      <m:r>
+                        <a:rPr lang="en-CA" sz="2400" b="0" i="1" smtClean="0">
+                          <a:latin typeface="Cambria Math" panose="02040503050406030204" pitchFamily="18" charset="0"/>
+                        </a:rPr>
+                        <m:t>𝑚𝑚</m:t>
+                      </m:r>
+                    </m:oMath>
+                  </m:oMathPara>
+                </a14:m>
+                <a:endParaRPr lang="en-CA" dirty="0"/>
+              </a:p>
+            </p:txBody>
+          </p:sp>
+        </mc:Choice>
+        <mc:Fallback xmlns="">
+          <p:sp>
+            <p:nvSpPr>
+              <p:cNvPr id="64" name="TextBox 63">
+                <a:extLst>
+                  <a:ext uri="{FF2B5EF4-FFF2-40B4-BE49-F238E27FC236}">
+                    <a16:creationId xmlns:a16="http://schemas.microsoft.com/office/drawing/2014/main" id="{F6A630F7-6119-4E69-A1C3-36E5151DA84B}"/>
+                  </a:ext>
+                </a:extLst>
+              </p:cNvPr>
+              <p:cNvSpPr txBox="1">
+                <a:spLocks noRot="1" noChangeAspect="1" noMove="1" noResize="1" noEditPoints="1" noAdjustHandles="1" noChangeArrowheads="1" noChangeShapeType="1" noTextEdit="1"/>
+              </p:cNvSpPr>
+              <p:nvPr/>
+            </p:nvSpPr>
+            <p:spPr>
+              <a:xfrm>
+                <a:off x="9225915" y="2147482"/>
+                <a:ext cx="760273" cy="369332"/>
+              </a:xfrm>
+              <a:prstGeom prst="rect">
+                <a:avLst/>
+              </a:prstGeom>
+              <a:blipFill>
+                <a:blip r:embed="rId9"/>
+                <a:stretch>
+                  <a:fillRect l="-8800" r="-4800" b="-6557"/>
+                </a:stretch>
+              </a:blipFill>
+            </p:spPr>
+            <p:txBody>
+              <a:bodyPr/>
+              <a:lstStyle/>
+              <a:p>
+                <a:r>
+                  <a:rPr lang="en-CA">
+                    <a:noFill/>
+                  </a:rPr>
+                  <a:t> </a:t>
+                </a:r>
+              </a:p>
+            </p:txBody>
+          </p:sp>
+        </mc:Fallback>
+      </mc:AlternateContent>
+      <p:cxnSp>
+        <p:nvCxnSpPr>
+          <p:cNvPr id="75" name="Straight Arrow Connector 74">
+            <a:extLst>
+              <a:ext uri="{FF2B5EF4-FFF2-40B4-BE49-F238E27FC236}">
+                <a16:creationId xmlns:a16="http://schemas.microsoft.com/office/drawing/2014/main" id="{D3093914-2E2E-43B9-95B2-D28CF863DAA6}"/>
+              </a:ext>
+            </a:extLst>
+          </p:cNvPr>
+          <p:cNvCxnSpPr/>
+          <p:nvPr/>
+        </p:nvCxnSpPr>
+        <p:spPr>
+          <a:xfrm flipV="1">
+            <a:off x="8920162" y="2476290"/>
+            <a:ext cx="0" cy="183371"/>
+          </a:xfrm>
+          <a:prstGeom prst="straightConnector1">
+            <a:avLst/>
+          </a:prstGeom>
+          <a:ln w="19050">
+            <a:solidFill>
+              <a:schemeClr val="tx1"/>
+            </a:solidFill>
+            <a:tailEnd type="triangle"/>
+          </a:ln>
+        </p:spPr>
+        <p:style>
+          <a:lnRef idx="1">
+            <a:schemeClr val="accent1"/>
+          </a:lnRef>
+          <a:fillRef idx="0">
+            <a:schemeClr val="accent1"/>
+          </a:fillRef>
+          <a:effectRef idx="0">
+            <a:schemeClr val="accent1"/>
+          </a:effectRef>
+          <a:fontRef idx="minor">
+            <a:schemeClr val="tx1"/>
+          </a:fontRef>
+        </p:style>
+      </p:cxnSp>
+      <p:cxnSp>
+        <p:nvCxnSpPr>
+          <p:cNvPr id="76" name="Straight Arrow Connector 75">
+            <a:extLst>
+              <a:ext uri="{FF2B5EF4-FFF2-40B4-BE49-F238E27FC236}">
+                <a16:creationId xmlns:a16="http://schemas.microsoft.com/office/drawing/2014/main" id="{47ED4CD8-8202-4E40-92D4-2B83F2E345FE}"/>
+              </a:ext>
+            </a:extLst>
+          </p:cNvPr>
+          <p:cNvCxnSpPr>
+            <a:cxnSpLocks/>
+          </p:cNvCxnSpPr>
+          <p:nvPr/>
+        </p:nvCxnSpPr>
+        <p:spPr>
+          <a:xfrm>
+            <a:off x="8915399" y="2131695"/>
+            <a:ext cx="0" cy="192195"/>
+          </a:xfrm>
+          <a:prstGeom prst="straightConnector1">
+            <a:avLst/>
+          </a:prstGeom>
+          <a:ln w="19050">
+            <a:solidFill>
+              <a:schemeClr val="tx1"/>
+            </a:solidFill>
+            <a:tailEnd type="triangle"/>
+          </a:ln>
+        </p:spPr>
+        <p:style>
+          <a:lnRef idx="1">
+            <a:schemeClr val="accent1"/>
+          </a:lnRef>
+          <a:fillRef idx="0">
+            <a:schemeClr val="accent1"/>
+          </a:fillRef>
+          <a:effectRef idx="0">
+            <a:schemeClr val="accent1"/>
+          </a:effectRef>
+          <a:fontRef idx="minor">
+            <a:schemeClr val="tx1"/>
+          </a:fontRef>
+        </p:style>
+      </p:cxnSp>
+      <p:cxnSp>
+        <p:nvCxnSpPr>
+          <p:cNvPr id="80" name="Straight Arrow Connector 79">
+            <a:extLst>
+              <a:ext uri="{FF2B5EF4-FFF2-40B4-BE49-F238E27FC236}">
+                <a16:creationId xmlns:a16="http://schemas.microsoft.com/office/drawing/2014/main" id="{4D7AEBDD-DE39-4A3B-B7E1-89782AD18C80}"/>
+              </a:ext>
+            </a:extLst>
+          </p:cNvPr>
+          <p:cNvCxnSpPr>
+            <a:cxnSpLocks/>
+          </p:cNvCxnSpPr>
+          <p:nvPr/>
+        </p:nvCxnSpPr>
+        <p:spPr>
+          <a:xfrm flipH="1" flipV="1">
+            <a:off x="5521476" y="1965959"/>
+            <a:ext cx="189714" cy="1"/>
+          </a:xfrm>
+          <a:prstGeom prst="straightConnector1">
+            <a:avLst/>
+          </a:prstGeom>
+          <a:ln w="19050">
+            <a:solidFill>
+              <a:schemeClr val="tx1"/>
+            </a:solidFill>
+            <a:tailEnd type="triangle"/>
+          </a:ln>
+        </p:spPr>
+        <p:style>
+          <a:lnRef idx="1">
+            <a:schemeClr val="accent1"/>
+          </a:lnRef>
+          <a:fillRef idx="0">
+            <a:schemeClr val="accent1"/>
+          </a:fillRef>
+          <a:effectRef idx="0">
+            <a:schemeClr val="accent1"/>
+          </a:effectRef>
+          <a:fontRef idx="minor">
+            <a:schemeClr val="tx1"/>
+          </a:fontRef>
+        </p:style>
+      </p:cxnSp>
+      <p:cxnSp>
+        <p:nvCxnSpPr>
+          <p:cNvPr id="82" name="Straight Arrow Connector 81">
+            <a:extLst>
+              <a:ext uri="{FF2B5EF4-FFF2-40B4-BE49-F238E27FC236}">
+                <a16:creationId xmlns:a16="http://schemas.microsoft.com/office/drawing/2014/main" id="{5476AACD-EBE0-487C-843B-7CC5B7025499}"/>
+              </a:ext>
+            </a:extLst>
+          </p:cNvPr>
+          <p:cNvCxnSpPr>
+            <a:cxnSpLocks/>
+          </p:cNvCxnSpPr>
+          <p:nvPr/>
+        </p:nvCxnSpPr>
+        <p:spPr>
+          <a:xfrm>
+            <a:off x="5126194" y="1965959"/>
+            <a:ext cx="188756" cy="0"/>
+          </a:xfrm>
+          <a:prstGeom prst="straightConnector1">
+            <a:avLst/>
+          </a:prstGeom>
+          <a:ln w="19050">
+            <a:solidFill>
+              <a:schemeClr val="tx1"/>
+            </a:solidFill>
+            <a:tailEnd type="triangle"/>
+          </a:ln>
+        </p:spPr>
+        <p:style>
+          <a:lnRef idx="1">
+            <a:schemeClr val="accent1"/>
+          </a:lnRef>
+          <a:fillRef idx="0">
+            <a:schemeClr val="accent1"/>
+          </a:fillRef>
+          <a:effectRef idx="0">
+            <a:schemeClr val="accent1"/>
+          </a:effectRef>
+          <a:fontRef idx="minor">
+            <a:schemeClr val="tx1"/>
+          </a:fontRef>
+        </p:style>
+      </p:cxnSp>
+      <p:cxnSp>
+        <p:nvCxnSpPr>
+          <p:cNvPr id="86" name="Straight Arrow Connector 85">
+            <a:extLst>
+              <a:ext uri="{FF2B5EF4-FFF2-40B4-BE49-F238E27FC236}">
+                <a16:creationId xmlns:a16="http://schemas.microsoft.com/office/drawing/2014/main" id="{4A4EBF3A-D6FA-42C5-8656-C92100DEEF1C}"/>
+              </a:ext>
+            </a:extLst>
+          </p:cNvPr>
+          <p:cNvCxnSpPr>
+            <a:cxnSpLocks/>
+          </p:cNvCxnSpPr>
+          <p:nvPr/>
+        </p:nvCxnSpPr>
+        <p:spPr>
+          <a:xfrm>
+            <a:off x="4001353" y="3746136"/>
+            <a:ext cx="941683" cy="0"/>
+          </a:xfrm>
+          <a:prstGeom prst="straightConnector1">
+            <a:avLst/>
+          </a:prstGeom>
+          <a:ln w="38100">
+            <a:solidFill>
+              <a:schemeClr val="tx1"/>
+            </a:solidFill>
+            <a:tailEnd type="triangle"/>
+          </a:ln>
+        </p:spPr>
+        <p:style>
+          <a:lnRef idx="1">
+            <a:schemeClr val="accent1"/>
+          </a:lnRef>
+          <a:fillRef idx="0">
+            <a:schemeClr val="accent1"/>
+          </a:fillRef>
+          <a:effectRef idx="0">
+            <a:schemeClr val="accent1"/>
+          </a:effectRef>
+          <a:fontRef idx="minor">
+            <a:schemeClr val="tx1"/>
+          </a:fontRef>
+        </p:style>
+      </p:cxnSp>
+      <p:cxnSp>
+        <p:nvCxnSpPr>
+          <p:cNvPr id="88" name="Straight Arrow Connector 87">
+            <a:extLst>
+              <a:ext uri="{FF2B5EF4-FFF2-40B4-BE49-F238E27FC236}">
+                <a16:creationId xmlns:a16="http://schemas.microsoft.com/office/drawing/2014/main" id="{AC91789E-09B8-4617-8482-8B2BB73EA801}"/>
+              </a:ext>
+            </a:extLst>
+          </p:cNvPr>
+          <p:cNvCxnSpPr>
+            <a:cxnSpLocks/>
+          </p:cNvCxnSpPr>
+          <p:nvPr/>
+        </p:nvCxnSpPr>
+        <p:spPr>
+          <a:xfrm>
+            <a:off x="5743039" y="4041411"/>
+            <a:ext cx="941683" cy="0"/>
+          </a:xfrm>
+          <a:prstGeom prst="straightConnector1">
+            <a:avLst/>
+          </a:prstGeom>
+          <a:ln w="38100">
+            <a:solidFill>
+              <a:schemeClr val="tx1"/>
+            </a:solidFill>
+            <a:tailEnd type="triangle"/>
+          </a:ln>
+        </p:spPr>
+        <p:style>
+          <a:lnRef idx="1">
+            <a:schemeClr val="accent1"/>
+          </a:lnRef>
+          <a:fillRef idx="0">
+            <a:schemeClr val="accent1"/>
+          </a:fillRef>
+          <a:effectRef idx="0">
+            <a:schemeClr val="accent1"/>
+          </a:effectRef>
+          <a:fontRef idx="minor">
+            <a:schemeClr val="tx1"/>
+          </a:fontRef>
+        </p:style>
+      </p:cxnSp>
+      <p:cxnSp>
+        <p:nvCxnSpPr>
+          <p:cNvPr id="89" name="Straight Arrow Connector 88">
+            <a:extLst>
+              <a:ext uri="{FF2B5EF4-FFF2-40B4-BE49-F238E27FC236}">
+                <a16:creationId xmlns:a16="http://schemas.microsoft.com/office/drawing/2014/main" id="{1AA9BC9A-3916-4CC5-B58D-FC874A38E539}"/>
+              </a:ext>
+            </a:extLst>
+          </p:cNvPr>
+          <p:cNvCxnSpPr>
+            <a:cxnSpLocks/>
+          </p:cNvCxnSpPr>
+          <p:nvPr/>
+        </p:nvCxnSpPr>
+        <p:spPr>
+          <a:xfrm>
+            <a:off x="7395956" y="3748947"/>
+            <a:ext cx="941683" cy="0"/>
+          </a:xfrm>
+          <a:prstGeom prst="straightConnector1">
+            <a:avLst/>
+          </a:prstGeom>
+          <a:ln w="38100">
+            <a:solidFill>
+              <a:schemeClr val="tx1"/>
+            </a:solidFill>
+            <a:tailEnd type="triangle"/>
+          </a:ln>
+        </p:spPr>
+        <p:style>
+          <a:lnRef idx="1">
+            <a:schemeClr val="accent1"/>
+          </a:lnRef>
+          <a:fillRef idx="0">
+            <a:schemeClr val="accent1"/>
+          </a:fillRef>
+          <a:effectRef idx="0">
+            <a:schemeClr val="accent1"/>
+          </a:effectRef>
+          <a:fontRef idx="minor">
+            <a:schemeClr val="tx1"/>
+          </a:fontRef>
+        </p:style>
+      </p:cxnSp>
+    </p:spTree>
+    <p:extLst>
+      <p:ext uri="{BB962C8B-B14F-4D97-AF65-F5344CB8AC3E}">
+        <p14:creationId xmlns:p14="http://schemas.microsoft.com/office/powerpoint/2010/main" val="919682322"/>
       </p:ext>
     </p:extLst>
   </p:cSld>
